--- a/Lecture-2-Ray Tracing.pptx
+++ b/Lecture-2-Ray Tracing.pptx
@@ -231,7 +231,7 @@
           <a:p>
             <a:fld id="{FFC671DE-B974-1645-9773-8DE72E573319}" type="datetimeFigureOut">
               <a:rPr lang="en-US" smtClean="0"/>
-              <a:t>1/23/17</a:t>
+              <a:t>8/29/2018</a:t>
             </a:fld>
             <a:endParaRPr lang="en-US"/>
           </a:p>
@@ -295,38 +295,37 @@
           <a:p>
             <a:pPr lvl="0"/>
             <a:r>
-              <a:rPr lang="en-US" smtClean="0"/>
+              <a:rPr lang="en-US"/>
               <a:t>Click to edit Master text styles</a:t>
             </a:r>
           </a:p>
           <a:p>
             <a:pPr lvl="1"/>
             <a:r>
-              <a:rPr lang="en-US" smtClean="0"/>
+              <a:rPr lang="en-US"/>
               <a:t>Second level</a:t>
             </a:r>
           </a:p>
           <a:p>
             <a:pPr lvl="2"/>
             <a:r>
-              <a:rPr lang="en-US" smtClean="0"/>
+              <a:rPr lang="en-US"/>
               <a:t>Third level</a:t>
             </a:r>
           </a:p>
           <a:p>
             <a:pPr lvl="3"/>
             <a:r>
-              <a:rPr lang="en-US" smtClean="0"/>
+              <a:rPr lang="en-US"/>
               <a:t>Fourth level</a:t>
             </a:r>
           </a:p>
           <a:p>
             <a:pPr lvl="4"/>
             <a:r>
-              <a:rPr lang="en-US" smtClean="0"/>
+              <a:rPr lang="en-US"/>
               <a:t>Fifth level</a:t>
             </a:r>
-            <a:endParaRPr lang="en-US"/>
           </a:p>
         </p:txBody>
       </p:sp>
@@ -623,37 +622,37 @@
           <a:lstStyle/>
           <a:p>
             <a:r>
-              <a:rPr lang="en-US" dirty="0" smtClean="0"/>
+              <a:rPr lang="en-US" dirty="0"/>
               <a:t>What</a:t>
             </a:r>
             <a:r>
-              <a:rPr lang="en-US" baseline="0" dirty="0" smtClean="0"/>
+              <a:rPr lang="en-US" baseline="0" dirty="0"/>
               <a:t> is the difference between pixel and </a:t>
             </a:r>
             <a:r>
-              <a:rPr lang="en-US" baseline="0" dirty="0" err="1" smtClean="0"/>
+              <a:rPr lang="en-US" baseline="0" dirty="0" err="1"/>
               <a:t>eyepoint</a:t>
             </a:r>
             <a:r>
-              <a:rPr lang="en-US" baseline="0" dirty="0" smtClean="0"/>
+              <a:rPr lang="en-US" baseline="0" dirty="0"/>
               <a:t>? What do we achieve?</a:t>
             </a:r>
           </a:p>
           <a:p>
             <a:r>
-              <a:rPr lang="en-US" baseline="0" dirty="0" smtClean="0"/>
+              <a:rPr lang="en-US" baseline="0" dirty="0"/>
               <a:t>Secondary rays are reflected rays – what kind of effect?</a:t>
             </a:r>
           </a:p>
           <a:p>
             <a:r>
-              <a:rPr lang="en-US" baseline="0" dirty="0" smtClean="0"/>
+              <a:rPr lang="en-US" baseline="0" dirty="0"/>
               <a:t>Shadow rays let us do shadows  -- how could we do that? Where do they start and end?</a:t>
             </a:r>
           </a:p>
           <a:p>
             <a:r>
-              <a:rPr lang="en-US" baseline="0" dirty="0" smtClean="0"/>
+              <a:rPr lang="en-US" baseline="0" dirty="0"/>
               <a:t>Light rays start at the light. What effect do they give us? Why don’t we start the primary rays at the light?</a:t>
             </a:r>
             <a:endParaRPr lang="en-US" dirty="0"/>
@@ -741,11 +740,11 @@
           <a:lstStyle/>
           <a:p>
             <a:r>
-              <a:rPr lang="en-US" dirty="0" smtClean="0"/>
+              <a:rPr lang="en-US" dirty="0"/>
               <a:t>Can</a:t>
             </a:r>
             <a:r>
-              <a:rPr lang="en-US" baseline="0" dirty="0" smtClean="0"/>
+              <a:rPr lang="en-US" baseline="0" dirty="0"/>
               <a:t> you implement a ray-triangle intersection test?</a:t>
             </a:r>
             <a:endParaRPr lang="en-US" dirty="0"/>
@@ -826,7 +825,7 @@
           <a:lstStyle/>
           <a:p>
             <a:r>
-              <a:rPr lang="en-US" smtClean="0"/>
+              <a:rPr lang="en-US"/>
               <a:t>Click to edit Master title style</a:t>
             </a:r>
             <a:endParaRPr/>
@@ -983,7 +982,7 @@
           </a:lstStyle>
           <a:p>
             <a:r>
-              <a:rPr lang="en-US" smtClean="0"/>
+              <a:rPr lang="en-US"/>
               <a:t>Click to edit Master subtitle style</a:t>
             </a:r>
             <a:endParaRPr dirty="0"/>
@@ -1098,7 +1097,7 @@
           </a:lstStyle>
           <a:p>
             <a:r>
-              <a:rPr lang="en-US" smtClean="0"/>
+              <a:rPr lang="en-US"/>
               <a:t>Click to edit Master title style</a:t>
             </a:r>
             <a:endParaRPr/>
@@ -1165,7 +1164,7 @@
           </a:lstStyle>
           <a:p>
             <a:r>
-              <a:rPr lang="en-US" smtClean="0"/>
+              <a:rPr lang="en-US"/>
               <a:t>Drag picture to placeholder or click icon to add</a:t>
             </a:r>
             <a:endParaRPr/>
@@ -1277,7 +1276,7 @@
               <a:buNone/>
             </a:pPr>
             <a:r>
-              <a:rPr lang="en-US" smtClean="0"/>
+              <a:rPr lang="en-US"/>
               <a:t>Click to edit Master text styles</a:t>
             </a:r>
           </a:p>
@@ -1308,7 +1307,7 @@
           <a:p>
             <a:fld id="{15BAAE7D-7912-B445-AAA7-9E6395770C35}" type="datetimeFigureOut">
               <a:rPr lang="en-US" smtClean="0"/>
-              <a:t>1/23/17</a:t>
+              <a:t>8/29/2018</a:t>
             </a:fld>
             <a:endParaRPr lang="en-US"/>
           </a:p>
@@ -1408,7 +1407,7 @@
           </a:lstStyle>
           <a:p>
             <a:r>
-              <a:rPr lang="en-US" smtClean="0"/>
+              <a:rPr lang="en-US"/>
               <a:t>Click to edit Master title style</a:t>
             </a:r>
             <a:endParaRPr/>
@@ -1561,7 +1560,7 @@
           </a:lstStyle>
           <a:p>
             <a:r>
-              <a:rPr lang="en-US" smtClean="0"/>
+              <a:rPr lang="en-US"/>
               <a:t>Click to edit Master subtitle style</a:t>
             </a:r>
             <a:endParaRPr dirty="0"/>
@@ -1593,7 +1592,7 @@
           <a:p>
             <a:fld id="{15BAAE7D-7912-B445-AAA7-9E6395770C35}" type="datetimeFigureOut">
               <a:rPr lang="en-US" smtClean="0"/>
-              <a:t>1/23/17</a:t>
+              <a:t>8/29/2018</a:t>
             </a:fld>
             <a:endParaRPr lang="en-US"/>
           </a:p>
@@ -1646,7 +1645,7 @@
           </a:lstStyle>
           <a:p>
             <a:r>
-              <a:rPr lang="en-US" smtClean="0"/>
+              <a:rPr lang="en-US"/>
               <a:t>Drag picture to placeholder or click icon to add</a:t>
             </a:r>
             <a:endParaRPr/>
@@ -1705,7 +1704,7 @@
           </a:lstStyle>
           <a:p>
             <a:r>
-              <a:rPr lang="en-US" smtClean="0"/>
+              <a:rPr lang="en-US"/>
               <a:t>Click to edit Master title style</a:t>
             </a:r>
             <a:endParaRPr/>
@@ -1858,7 +1857,7 @@
           </a:lstStyle>
           <a:p>
             <a:r>
-              <a:rPr lang="en-US" smtClean="0"/>
+              <a:rPr lang="en-US"/>
               <a:t>Click to edit Master subtitle style</a:t>
             </a:r>
             <a:endParaRPr dirty="0"/>
@@ -1890,7 +1889,7 @@
           <a:p>
             <a:fld id="{15BAAE7D-7912-B445-AAA7-9E6395770C35}" type="datetimeFigureOut">
               <a:rPr lang="en-US" smtClean="0"/>
-              <a:t>1/23/17</a:t>
+              <a:t>8/29/2018</a:t>
             </a:fld>
             <a:endParaRPr lang="en-US"/>
           </a:p>
@@ -1943,7 +1942,7 @@
           </a:lstStyle>
           <a:p>
             <a:r>
-              <a:rPr lang="en-US" smtClean="0"/>
+              <a:rPr lang="en-US"/>
               <a:t>Drag picture to placeholder or click icon to add</a:t>
             </a:r>
             <a:endParaRPr/>
@@ -1978,7 +1977,7 @@
           </a:lstStyle>
           <a:p>
             <a:r>
-              <a:rPr lang="en-US" smtClean="0"/>
+              <a:rPr lang="en-US"/>
               <a:t>Drag picture to placeholder or click icon to add</a:t>
             </a:r>
             <a:endParaRPr/>
@@ -2037,7 +2036,7 @@
           </a:lstStyle>
           <a:p>
             <a:r>
-              <a:rPr lang="en-US" smtClean="0"/>
+              <a:rPr lang="en-US"/>
               <a:t>Click to edit Master title style</a:t>
             </a:r>
             <a:endParaRPr/>
@@ -2190,7 +2189,7 @@
           </a:lstStyle>
           <a:p>
             <a:r>
-              <a:rPr lang="en-US" smtClean="0"/>
+              <a:rPr lang="en-US"/>
               <a:t>Click to edit Master subtitle style</a:t>
             </a:r>
             <a:endParaRPr/>
@@ -2222,7 +2221,7 @@
           <a:p>
             <a:fld id="{15BAAE7D-7912-B445-AAA7-9E6395770C35}" type="datetimeFigureOut">
               <a:rPr lang="en-US" smtClean="0"/>
-              <a:t>1/23/17</a:t>
+              <a:t>8/29/2018</a:t>
             </a:fld>
             <a:endParaRPr lang="en-US"/>
           </a:p>
@@ -2275,7 +2274,7 @@
           </a:lstStyle>
           <a:p>
             <a:r>
-              <a:rPr lang="en-US" smtClean="0"/>
+              <a:rPr lang="en-US"/>
               <a:t>Drag picture to placeholder or click icon to add</a:t>
             </a:r>
             <a:endParaRPr/>
@@ -2310,7 +2309,7 @@
           </a:lstStyle>
           <a:p>
             <a:r>
-              <a:rPr lang="en-US" smtClean="0"/>
+              <a:rPr lang="en-US"/>
               <a:t>Drag picture to placeholder or click icon to add</a:t>
             </a:r>
             <a:endParaRPr/>
@@ -2345,7 +2344,7 @@
           </a:lstStyle>
           <a:p>
             <a:r>
-              <a:rPr lang="en-US" smtClean="0"/>
+              <a:rPr lang="en-US"/>
               <a:t>Drag picture to placeholder or click icon to add</a:t>
             </a:r>
             <a:endParaRPr/>
@@ -2393,7 +2392,7 @@
           <a:lstStyle/>
           <a:p>
             <a:r>
-              <a:rPr lang="en-US" smtClean="0"/>
+              <a:rPr lang="en-US"/>
               <a:t>Click to edit Master title style</a:t>
             </a:r>
             <a:endParaRPr/>
@@ -2421,35 +2420,35 @@
           <a:p>
             <a:pPr lvl="0"/>
             <a:r>
-              <a:rPr lang="en-US" smtClean="0"/>
+              <a:rPr lang="en-US"/>
               <a:t>Click to edit Master text styles</a:t>
             </a:r>
           </a:p>
           <a:p>
             <a:pPr lvl="1"/>
             <a:r>
-              <a:rPr lang="en-US" smtClean="0"/>
+              <a:rPr lang="en-US"/>
               <a:t>Second level</a:t>
             </a:r>
           </a:p>
           <a:p>
             <a:pPr lvl="2"/>
             <a:r>
-              <a:rPr lang="en-US" smtClean="0"/>
+              <a:rPr lang="en-US"/>
               <a:t>Third level</a:t>
             </a:r>
           </a:p>
           <a:p>
             <a:pPr lvl="3"/>
             <a:r>
-              <a:rPr lang="en-US" smtClean="0"/>
+              <a:rPr lang="en-US"/>
               <a:t>Fourth level</a:t>
             </a:r>
           </a:p>
           <a:p>
             <a:pPr lvl="4"/>
             <a:r>
-              <a:rPr lang="en-US" smtClean="0"/>
+              <a:rPr lang="en-US"/>
               <a:t>Fifth level</a:t>
             </a:r>
             <a:endParaRPr dirty="0"/>
@@ -2481,7 +2480,7 @@
           <a:p>
             <a:fld id="{15BAAE7D-7912-B445-AAA7-9E6395770C35}" type="datetimeFigureOut">
               <a:rPr lang="en-US" smtClean="0"/>
-              <a:t>1/23/17</a:t>
+              <a:t>8/29/2018</a:t>
             </a:fld>
             <a:endParaRPr lang="en-US"/>
           </a:p>
@@ -2575,7 +2574,7 @@
           <a:lstStyle/>
           <a:p>
             <a:r>
-              <a:rPr lang="en-US" smtClean="0"/>
+              <a:rPr lang="en-US"/>
               <a:t>Click to edit Master title style</a:t>
             </a:r>
             <a:endParaRPr/>
@@ -2608,35 +2607,35 @@
           <a:p>
             <a:pPr lvl="0"/>
             <a:r>
-              <a:rPr lang="en-US" smtClean="0"/>
+              <a:rPr lang="en-US"/>
               <a:t>Click to edit Master text styles</a:t>
             </a:r>
           </a:p>
           <a:p>
             <a:pPr lvl="1"/>
             <a:r>
-              <a:rPr lang="en-US" smtClean="0"/>
+              <a:rPr lang="en-US"/>
               <a:t>Second level</a:t>
             </a:r>
           </a:p>
           <a:p>
             <a:pPr lvl="2"/>
             <a:r>
-              <a:rPr lang="en-US" smtClean="0"/>
+              <a:rPr lang="en-US"/>
               <a:t>Third level</a:t>
             </a:r>
           </a:p>
           <a:p>
             <a:pPr lvl="3"/>
             <a:r>
-              <a:rPr lang="en-US" smtClean="0"/>
+              <a:rPr lang="en-US"/>
               <a:t>Fourth level</a:t>
             </a:r>
           </a:p>
           <a:p>
             <a:pPr lvl="4"/>
             <a:r>
-              <a:rPr lang="en-US" smtClean="0"/>
+              <a:rPr lang="en-US"/>
               <a:t>Fifth level</a:t>
             </a:r>
             <a:endParaRPr dirty="0"/>
@@ -2668,7 +2667,7 @@
           <a:p>
             <a:fld id="{15BAAE7D-7912-B445-AAA7-9E6395770C35}" type="datetimeFigureOut">
               <a:rPr lang="en-US" smtClean="0"/>
-              <a:t>1/23/17</a:t>
+              <a:t>8/29/2018</a:t>
             </a:fld>
             <a:endParaRPr lang="en-US"/>
           </a:p>
@@ -2757,7 +2756,7 @@
           <a:lstStyle/>
           <a:p>
             <a:r>
-              <a:rPr lang="en-US" smtClean="0"/>
+              <a:rPr lang="en-US"/>
               <a:t>Click to edit Master title style</a:t>
             </a:r>
             <a:endParaRPr/>
@@ -2785,35 +2784,35 @@
           <a:p>
             <a:pPr lvl="0"/>
             <a:r>
-              <a:rPr lang="en-US" smtClean="0"/>
+              <a:rPr lang="en-US"/>
               <a:t>Click to edit Master text styles</a:t>
             </a:r>
           </a:p>
           <a:p>
             <a:pPr lvl="1"/>
             <a:r>
-              <a:rPr lang="en-US" smtClean="0"/>
+              <a:rPr lang="en-US"/>
               <a:t>Second level</a:t>
             </a:r>
           </a:p>
           <a:p>
             <a:pPr lvl="2"/>
             <a:r>
-              <a:rPr lang="en-US" smtClean="0"/>
+              <a:rPr lang="en-US"/>
               <a:t>Third level</a:t>
             </a:r>
           </a:p>
           <a:p>
             <a:pPr lvl="3"/>
             <a:r>
-              <a:rPr lang="en-US" smtClean="0"/>
+              <a:rPr lang="en-US"/>
               <a:t>Fourth level</a:t>
             </a:r>
           </a:p>
           <a:p>
             <a:pPr lvl="4"/>
             <a:r>
-              <a:rPr lang="en-US" smtClean="0"/>
+              <a:rPr lang="en-US"/>
               <a:t>Fifth level</a:t>
             </a:r>
             <a:endParaRPr dirty="0"/>
@@ -2917,7 +2916,7 @@
           <a:lstStyle/>
           <a:p>
             <a:r>
-              <a:rPr lang="en-US" smtClean="0"/>
+              <a:rPr lang="en-US"/>
               <a:t>Click to edit Master title style</a:t>
             </a:r>
             <a:endParaRPr/>
@@ -3068,7 +3067,7 @@
           </a:lstStyle>
           <a:p>
             <a:r>
-              <a:rPr lang="en-US" smtClean="0"/>
+              <a:rPr lang="en-US"/>
               <a:t>Click to edit Master subtitle style</a:t>
             </a:r>
             <a:endParaRPr dirty="0"/>
@@ -3122,7 +3121,7 @@
           </a:lstStyle>
           <a:p>
             <a:r>
-              <a:rPr lang="en-US" smtClean="0"/>
+              <a:rPr lang="en-US"/>
               <a:t>Drag picture to placeholder or click icon to add</a:t>
             </a:r>
             <a:endParaRPr/>
@@ -3195,7 +3194,7 @@
           </a:lstStyle>
           <a:p>
             <a:r>
-              <a:rPr lang="en-US" smtClean="0"/>
+              <a:rPr lang="en-US"/>
               <a:t>Click to edit Master title style</a:t>
             </a:r>
             <a:endParaRPr/>
@@ -3353,7 +3352,7 @@
           <a:p>
             <a:pPr lvl="0"/>
             <a:r>
-              <a:rPr lang="en-US" smtClean="0"/>
+              <a:rPr lang="en-US"/>
               <a:t>Click to edit Master text styles</a:t>
             </a:r>
           </a:p>
@@ -3442,7 +3441,7 @@
           <a:lstStyle/>
           <a:p>
             <a:r>
-              <a:rPr lang="en-US" smtClean="0"/>
+              <a:rPr lang="en-US"/>
               <a:t>Click to edit Master title style</a:t>
             </a:r>
             <a:endParaRPr/>
@@ -3501,35 +3500,35 @@
           <a:p>
             <a:pPr lvl="0"/>
             <a:r>
-              <a:rPr lang="en-US" smtClean="0"/>
+              <a:rPr lang="en-US"/>
               <a:t>Click to edit Master text styles</a:t>
             </a:r>
           </a:p>
           <a:p>
             <a:pPr lvl="1"/>
             <a:r>
-              <a:rPr lang="en-US" smtClean="0"/>
+              <a:rPr lang="en-US"/>
               <a:t>Second level</a:t>
             </a:r>
           </a:p>
           <a:p>
             <a:pPr lvl="2"/>
             <a:r>
-              <a:rPr lang="en-US" smtClean="0"/>
+              <a:rPr lang="en-US"/>
               <a:t>Third level</a:t>
             </a:r>
           </a:p>
           <a:p>
             <a:pPr lvl="3"/>
             <a:r>
-              <a:rPr lang="en-US" smtClean="0"/>
+              <a:rPr lang="en-US"/>
               <a:t>Fourth level</a:t>
             </a:r>
           </a:p>
           <a:p>
             <a:pPr lvl="4"/>
             <a:r>
-              <a:rPr lang="en-US" smtClean="0"/>
+              <a:rPr lang="en-US"/>
               <a:t>Fifth level</a:t>
             </a:r>
             <a:endParaRPr dirty="0"/>
@@ -3588,35 +3587,35 @@
           <a:p>
             <a:pPr lvl="0"/>
             <a:r>
-              <a:rPr lang="en-US" smtClean="0"/>
+              <a:rPr lang="en-US"/>
               <a:t>Click to edit Master text styles</a:t>
             </a:r>
           </a:p>
           <a:p>
             <a:pPr lvl="1"/>
             <a:r>
-              <a:rPr lang="en-US" smtClean="0"/>
+              <a:rPr lang="en-US"/>
               <a:t>Second level</a:t>
             </a:r>
           </a:p>
           <a:p>
             <a:pPr lvl="2"/>
             <a:r>
-              <a:rPr lang="en-US" smtClean="0"/>
+              <a:rPr lang="en-US"/>
               <a:t>Third level</a:t>
             </a:r>
           </a:p>
           <a:p>
             <a:pPr lvl="3"/>
             <a:r>
-              <a:rPr lang="en-US" smtClean="0"/>
+              <a:rPr lang="en-US"/>
               <a:t>Fourth level</a:t>
             </a:r>
           </a:p>
           <a:p>
             <a:pPr lvl="4"/>
             <a:r>
-              <a:rPr lang="en-US" smtClean="0"/>
+              <a:rPr lang="en-US"/>
               <a:t>Fifth level</a:t>
             </a:r>
             <a:endParaRPr dirty="0"/>
@@ -3710,7 +3709,7 @@
           </a:lstStyle>
           <a:p>
             <a:r>
-              <a:rPr lang="en-US" smtClean="0"/>
+              <a:rPr lang="en-US"/>
               <a:t>Click to edit Master title style</a:t>
             </a:r>
             <a:endParaRPr/>
@@ -3778,7 +3777,7 @@
           <a:p>
             <a:pPr lvl="0"/>
             <a:r>
-              <a:rPr lang="en-US" smtClean="0"/>
+              <a:rPr lang="en-US"/>
               <a:t>Click to edit Master text styles</a:t>
             </a:r>
           </a:p>
@@ -3836,35 +3835,35 @@
           <a:p>
             <a:pPr lvl="0"/>
             <a:r>
-              <a:rPr lang="en-US" smtClean="0"/>
+              <a:rPr lang="en-US"/>
               <a:t>Click to edit Master text styles</a:t>
             </a:r>
           </a:p>
           <a:p>
             <a:pPr lvl="1"/>
             <a:r>
-              <a:rPr lang="en-US" smtClean="0"/>
+              <a:rPr lang="en-US"/>
               <a:t>Second level</a:t>
             </a:r>
           </a:p>
           <a:p>
             <a:pPr lvl="2"/>
             <a:r>
-              <a:rPr lang="en-US" smtClean="0"/>
+              <a:rPr lang="en-US"/>
               <a:t>Third level</a:t>
             </a:r>
           </a:p>
           <a:p>
             <a:pPr lvl="3"/>
             <a:r>
-              <a:rPr lang="en-US" smtClean="0"/>
+              <a:rPr lang="en-US"/>
               <a:t>Fourth level</a:t>
             </a:r>
           </a:p>
           <a:p>
             <a:pPr lvl="4"/>
             <a:r>
-              <a:rPr lang="en-US" smtClean="0"/>
+              <a:rPr lang="en-US"/>
               <a:t>Fifth level</a:t>
             </a:r>
             <a:endParaRPr dirty="0"/>
@@ -3932,7 +3931,7 @@
           <a:p>
             <a:pPr lvl="0"/>
             <a:r>
-              <a:rPr lang="en-US" smtClean="0"/>
+              <a:rPr lang="en-US"/>
               <a:t>Click to edit Master text styles</a:t>
             </a:r>
           </a:p>
@@ -3990,35 +3989,35 @@
           <a:p>
             <a:pPr lvl="0"/>
             <a:r>
-              <a:rPr lang="en-US" smtClean="0"/>
+              <a:rPr lang="en-US"/>
               <a:t>Click to edit Master text styles</a:t>
             </a:r>
           </a:p>
           <a:p>
             <a:pPr lvl="1"/>
             <a:r>
-              <a:rPr lang="en-US" smtClean="0"/>
+              <a:rPr lang="en-US"/>
               <a:t>Second level</a:t>
             </a:r>
           </a:p>
           <a:p>
             <a:pPr lvl="2"/>
             <a:r>
-              <a:rPr lang="en-US" smtClean="0"/>
+              <a:rPr lang="en-US"/>
               <a:t>Third level</a:t>
             </a:r>
           </a:p>
           <a:p>
             <a:pPr lvl="3"/>
             <a:r>
-              <a:rPr lang="en-US" smtClean="0"/>
+              <a:rPr lang="en-US"/>
               <a:t>Fourth level</a:t>
             </a:r>
           </a:p>
           <a:p>
             <a:pPr lvl="4"/>
             <a:r>
-              <a:rPr lang="en-US" smtClean="0"/>
+              <a:rPr lang="en-US"/>
               <a:t>Fifth level</a:t>
             </a:r>
             <a:endParaRPr dirty="0"/>
@@ -4345,7 +4344,7 @@
           <a:lstStyle/>
           <a:p>
             <a:r>
-              <a:rPr lang="en-US" smtClean="0"/>
+              <a:rPr lang="en-US"/>
               <a:t>Click to edit Master title style</a:t>
             </a:r>
             <a:endParaRPr/>
@@ -4377,7 +4376,7 @@
           <a:p>
             <a:fld id="{15BAAE7D-7912-B445-AAA7-9E6395770C35}" type="datetimeFigureOut">
               <a:rPr lang="en-US" smtClean="0"/>
-              <a:t>1/23/17</a:t>
+              <a:t>8/29/2018</a:t>
             </a:fld>
             <a:endParaRPr lang="en-US"/>
           </a:p>
@@ -4475,7 +4474,7 @@
           <a:p>
             <a:fld id="{15BAAE7D-7912-B445-AAA7-9E6395770C35}" type="datetimeFigureOut">
               <a:rPr lang="en-US" smtClean="0"/>
-              <a:t>1/23/17</a:t>
+              <a:t>8/29/2018</a:t>
             </a:fld>
             <a:endParaRPr lang="en-US"/>
           </a:p>
@@ -4589,7 +4588,7 @@
           </a:lstStyle>
           <a:p>
             <a:r>
-              <a:rPr lang="en-US" smtClean="0"/>
+              <a:rPr lang="en-US"/>
               <a:t>Click to edit Master title style</a:t>
             </a:r>
             <a:endParaRPr/>
@@ -4646,35 +4645,35 @@
           <a:p>
             <a:pPr lvl="0"/>
             <a:r>
-              <a:rPr lang="en-US" smtClean="0"/>
+              <a:rPr lang="en-US"/>
               <a:t>Click to edit Master text styles</a:t>
             </a:r>
           </a:p>
           <a:p>
             <a:pPr lvl="1"/>
             <a:r>
-              <a:rPr lang="en-US" smtClean="0"/>
+              <a:rPr lang="en-US"/>
               <a:t>Second level</a:t>
             </a:r>
           </a:p>
           <a:p>
             <a:pPr lvl="2"/>
             <a:r>
-              <a:rPr lang="en-US" smtClean="0"/>
+              <a:rPr lang="en-US"/>
               <a:t>Third level</a:t>
             </a:r>
           </a:p>
           <a:p>
             <a:pPr lvl="3"/>
             <a:r>
-              <a:rPr lang="en-US" smtClean="0"/>
+              <a:rPr lang="en-US"/>
               <a:t>Fourth level</a:t>
             </a:r>
           </a:p>
           <a:p>
             <a:pPr lvl="4"/>
             <a:r>
-              <a:rPr lang="en-US" smtClean="0"/>
+              <a:rPr lang="en-US"/>
               <a:t>Fifth level</a:t>
             </a:r>
             <a:endParaRPr dirty="0"/>
@@ -4784,7 +4783,7 @@
           <a:p>
             <a:pPr lvl="0"/>
             <a:r>
-              <a:rPr lang="en-US" smtClean="0"/>
+              <a:rPr lang="en-US"/>
               <a:t>Click to edit Master text styles</a:t>
             </a:r>
           </a:p>
@@ -4815,7 +4814,7 @@
           <a:p>
             <a:fld id="{15BAAE7D-7912-B445-AAA7-9E6395770C35}" type="datetimeFigureOut">
               <a:rPr lang="en-US" smtClean="0"/>
-              <a:t>1/23/17</a:t>
+              <a:t>8/29/2018</a:t>
             </a:fld>
             <a:endParaRPr lang="en-US"/>
           </a:p>
@@ -4922,7 +4921,7 @@
           <a:lstStyle/>
           <a:p>
             <a:r>
-              <a:rPr lang="en-US" smtClean="0"/>
+              <a:rPr lang="en-US"/>
               <a:t>Click to edit Master title style</a:t>
             </a:r>
             <a:endParaRPr/>
@@ -4956,35 +4955,35 @@
           <a:p>
             <a:pPr lvl="0"/>
             <a:r>
-              <a:rPr lang="en-US" smtClean="0"/>
+              <a:rPr lang="en-US"/>
               <a:t>Click to edit Master text styles</a:t>
             </a:r>
           </a:p>
           <a:p>
             <a:pPr lvl="1"/>
             <a:r>
-              <a:rPr lang="en-US" smtClean="0"/>
+              <a:rPr lang="en-US"/>
               <a:t>Second level</a:t>
             </a:r>
           </a:p>
           <a:p>
             <a:pPr lvl="2"/>
             <a:r>
-              <a:rPr lang="en-US" smtClean="0"/>
+              <a:rPr lang="en-US"/>
               <a:t>Third level</a:t>
             </a:r>
           </a:p>
           <a:p>
             <a:pPr lvl="3"/>
             <a:r>
-              <a:rPr lang="en-US" smtClean="0"/>
+              <a:rPr lang="en-US"/>
               <a:t>Fourth level</a:t>
             </a:r>
           </a:p>
           <a:p>
             <a:pPr lvl="4"/>
             <a:r>
-              <a:rPr lang="en-US" smtClean="0"/>
+              <a:rPr lang="en-US"/>
               <a:t>Fifth level</a:t>
             </a:r>
             <a:endParaRPr dirty="0"/>
@@ -5543,27 +5542,12 @@
           <a:p>
             <a:pPr algn="ctr"/>
             <a:r>
-              <a:rPr lang="en-US" sz="2800" dirty="0" smtClean="0">
+              <a:rPr lang="en-US" sz="2800" dirty="0">
                 <a:solidFill>
                   <a:schemeClr val="tx1"/>
                 </a:solidFill>
               </a:rPr>
               <a:t>CS 419: Production Rendering</a:t>
-            </a:r>
-            <a:br>
-              <a:rPr lang="en-US" sz="2800" dirty="0" smtClean="0">
-                <a:solidFill>
-                  <a:schemeClr val="tx1"/>
-                </a:solidFill>
-              </a:rPr>
-            </a:br>
-            <a:r>
-              <a:rPr lang="en-US" sz="2800" dirty="0">
-                <a:solidFill>
-                  <a:schemeClr val="tx1"/>
-                </a:solidFill>
-              </a:rPr>
-              <a:t/>
             </a:r>
             <a:br>
               <a:rPr lang="en-US" sz="2800" dirty="0">
@@ -5572,23 +5556,22 @@
                 </a:solidFill>
               </a:rPr>
             </a:br>
-            <a:r>
-              <a:rPr lang="en-US" sz="2800" dirty="0" smtClean="0">
-                <a:solidFill>
-                  <a:schemeClr val="tx1"/>
-                </a:solidFill>
-              </a:rPr>
-              <a:t/>
-            </a:r>
             <a:br>
-              <a:rPr lang="en-US" sz="2800" dirty="0" smtClean="0">
+              <a:rPr lang="en-US" sz="2800" dirty="0">
                 <a:solidFill>
                   <a:schemeClr val="tx1"/>
                 </a:solidFill>
               </a:rPr>
             </a:br>
-            <a:r>
-              <a:rPr lang="en-US" sz="2800" dirty="0" smtClean="0">
+            <a:br>
+              <a:rPr lang="en-US" sz="2800" dirty="0">
+                <a:solidFill>
+                  <a:schemeClr val="tx1"/>
+                </a:solidFill>
+              </a:rPr>
+            </a:br>
+            <a:r>
+              <a:rPr lang="en-US" sz="2800" dirty="0">
                 <a:solidFill>
                   <a:schemeClr val="tx1"/>
                 </a:solidFill>
@@ -5643,7 +5626,7 @@
               <a:buNone/>
             </a:pPr>
             <a:r>
-              <a:rPr lang="en-US" sz="2400" dirty="0" smtClean="0">
+              <a:rPr lang="en-US" sz="2400" dirty="0">
                 <a:solidFill>
                   <a:schemeClr val="tx2"/>
                 </a:solidFill>
@@ -5660,14 +5643,14 @@
               <a:buNone/>
             </a:pPr>
             <a:r>
-              <a:rPr lang="en-US" dirty="0" smtClean="0">
+              <a:rPr lang="en-US" dirty="0">
                 <a:solidFill>
                   <a:schemeClr val="tx2"/>
                 </a:solidFill>
               </a:rPr>
               <a:t> </a:t>
             </a:r>
-            <a:endParaRPr lang="en-US" sz="300" dirty="0" smtClean="0">
+            <a:endParaRPr lang="en-US" sz="300" dirty="0">
               <a:solidFill>
                 <a:schemeClr val="tx2"/>
               </a:solidFill>
@@ -5752,18 +5735,17 @@
           <a:lstStyle/>
           <a:p>
             <a:r>
-              <a:rPr lang="en-US" dirty="0" smtClean="0"/>
+              <a:rPr lang="en-US" dirty="0"/>
               <a:t>Some slides adapted from </a:t>
             </a:r>
             <a:r>
-              <a:rPr lang="en-US" i="1" dirty="0" smtClean="0"/>
+              <a:rPr lang="en-US" i="1" dirty="0"/>
               <a:t>CS348b: Image Synthesis </a:t>
             </a:r>
             <a:r>
-              <a:rPr lang="en-US" dirty="0" smtClean="0"/>
+              <a:rPr lang="en-US" dirty="0"/>
               <a:t>by Matt Pharr</a:t>
             </a:r>
-            <a:endParaRPr lang="en-US" dirty="0"/>
           </a:p>
         </p:txBody>
       </p:sp>
@@ -5777,21 +5759,6 @@
   <p:clrMapOvr>
     <a:masterClrMapping/>
   </p:clrMapOvr>
-  <mc:AlternateContent xmlns:mc="http://schemas.openxmlformats.org/markup-compatibility/2006" xmlns:p14="http://schemas.microsoft.com/office/powerpoint/2010/main">
-    <mc:Choice Requires="p14">
-      <p:transition spd="slow" p14:dur="2000"/>
-    </mc:Choice>
-    <mc:Fallback xmlns="">
-      <p:transition xmlns:p14="http://schemas.microsoft.com/office/powerpoint/2010/main" spd="slow"/>
-    </mc:Fallback>
-  </mc:AlternateContent>
-  <p:timing>
-    <p:tnLst>
-      <p:par>
-        <p:cTn id="1" dur="indefinite" restart="never" nodeType="tmRoot"/>
-      </p:par>
-    </p:tnLst>
-  </p:timing>
 </p:sld>
 </file>
 
@@ -5833,10 +5800,9 @@
           <a:lstStyle/>
           <a:p>
             <a:r>
-              <a:rPr lang="en-US" dirty="0" smtClean="0"/>
+              <a:rPr lang="en-US" dirty="0"/>
               <a:t>Orthographic ray-tracing</a:t>
             </a:r>
-            <a:endParaRPr lang="en-US" dirty="0"/>
           </a:p>
         </p:txBody>
       </p:sp>
@@ -5863,18 +5829,17 @@
           <a:lstStyle/>
           <a:p>
             <a:r>
-              <a:rPr lang="en-US" dirty="0" smtClean="0"/>
+              <a:rPr lang="en-US" dirty="0"/>
               <a:t>Figure from </a:t>
             </a:r>
             <a:r>
-              <a:rPr lang="en-US" i="1" dirty="0" smtClean="0"/>
+              <a:rPr lang="en-US" i="1" dirty="0"/>
               <a:t>Ray Tracing from the Ground Up </a:t>
             </a:r>
             <a:r>
-              <a:rPr lang="en-US" dirty="0" smtClean="0"/>
+              <a:rPr lang="en-US" dirty="0"/>
               <a:t>by Kevin Suffern</a:t>
             </a:r>
-            <a:endParaRPr lang="en-US" dirty="0"/>
           </a:p>
         </p:txBody>
       </p:sp>
@@ -5918,13 +5883,6 @@
   <p:clrMapOvr>
     <a:masterClrMapping/>
   </p:clrMapOvr>
-  <p:timing>
-    <p:tnLst>
-      <p:par>
-        <p:cTn id="1" dur="indefinite" restart="never" nodeType="tmRoot"/>
-      </p:par>
-    </p:tnLst>
-  </p:timing>
 </p:sld>
 </file>
 
@@ -5961,10 +5919,9 @@
           <a:lstStyle/>
           <a:p>
             <a:r>
-              <a:rPr lang="en-US" dirty="0" smtClean="0"/>
+              <a:rPr lang="en-US" dirty="0"/>
               <a:t>Rays</a:t>
             </a:r>
-            <a:endParaRPr lang="en-US" dirty="0"/>
           </a:p>
         </p:txBody>
       </p:sp>
@@ -5991,7 +5948,7 @@
           <a:graphicData uri="http://schemas.openxmlformats.org/presentationml/2006/ole">
             <mc:AlternateContent xmlns:mc="http://schemas.openxmlformats.org/markup-compatibility/2006">
               <mc:Choice xmlns:v="urn:schemas-microsoft-com:vml" Requires="v">
-                <p:oleObj spid="_x0000_s1041" name="Equation" r:id="rId3" imgW="609600" imgH="393700" progId="Equation.3">
+                <p:oleObj spid="_x0000_s1043" name="Equation" r:id="rId3" imgW="609600" imgH="393700" progId="Equation.3">
                   <p:embed/>
                 </p:oleObj>
               </mc:Choice>
@@ -6049,28 +6006,27 @@
           <a:lstStyle/>
           <a:p>
             <a:r>
-              <a:rPr lang="en-US" dirty="0" smtClean="0"/>
+              <a:rPr lang="en-US" dirty="0"/>
               <a:t>p is a point on the ray</a:t>
             </a:r>
           </a:p>
           <a:p>
             <a:r>
-              <a:rPr lang="en-US" dirty="0" smtClean="0"/>
+              <a:rPr lang="en-US" dirty="0"/>
               <a:t>o is point that is origin of the ray</a:t>
             </a:r>
           </a:p>
           <a:p>
             <a:r>
-              <a:rPr lang="en-US" dirty="0" smtClean="0"/>
+              <a:rPr lang="en-US" dirty="0"/>
               <a:t>t is scalar parameter</a:t>
             </a:r>
           </a:p>
           <a:p>
             <a:r>
-              <a:rPr lang="en-US" dirty="0" smtClean="0"/>
+              <a:rPr lang="en-US" dirty="0"/>
               <a:t>d is unit vector giving the direction of the ray </a:t>
             </a:r>
-            <a:endParaRPr lang="en-US" dirty="0"/>
           </a:p>
         </p:txBody>
       </p:sp>
@@ -6114,13 +6070,6 @@
   <p:clrMapOvr>
     <a:masterClrMapping/>
   </p:clrMapOvr>
-  <p:timing>
-    <p:tnLst>
-      <p:par>
-        <p:cTn id="1" dur="indefinite" restart="never" nodeType="tmRoot"/>
-      </p:par>
-    </p:tnLst>
-  </p:timing>
 </p:sld>
 </file>
 
@@ -6159,10 +6108,9 @@
           <a:lstStyle/>
           <a:p>
             <a:r>
-              <a:rPr lang="en-US" dirty="0" smtClean="0"/>
+              <a:rPr lang="en-US" dirty="0"/>
               <a:t>Intersecting Rays and Implicit Surfaces</a:t>
             </a:r>
-            <a:endParaRPr lang="en-US" dirty="0"/>
           </a:p>
         </p:txBody>
       </p:sp>
@@ -6189,7 +6137,7 @@
           <a:graphicData uri="http://schemas.openxmlformats.org/presentationml/2006/ole">
             <mc:AlternateContent xmlns:mc="http://schemas.openxmlformats.org/markup-compatibility/2006">
               <mc:Choice xmlns:v="urn:schemas-microsoft-com:vml" Requires="v">
-                <p:oleObj spid="_x0000_s2065" name="Equation" r:id="rId3" imgW="800100" imgH="660400" progId="Equation.3">
+                <p:oleObj spid="_x0000_s2067" name="Equation" r:id="rId3" imgW="800100" imgH="660400" progId="Equation.3">
                   <p:embed/>
                 </p:oleObj>
               </mc:Choice>
@@ -6247,20 +6195,19 @@
           <a:lstStyle/>
           <a:p>
             <a:r>
-              <a:rPr lang="en-US" dirty="0" smtClean="0"/>
+              <a:rPr lang="en-US" dirty="0"/>
               <a:t>We can intersect an implicit surface with a ray</a:t>
             </a:r>
             <a:br>
-              <a:rPr lang="en-US" dirty="0" smtClean="0"/>
+              <a:rPr lang="en-US" dirty="0"/>
             </a:br>
-            <a:endParaRPr lang="en-US" dirty="0" smtClean="0"/>
-          </a:p>
-          <a:p>
-            <a:r>
-              <a:rPr lang="en-US" dirty="0" smtClean="0"/>
+            <a:endParaRPr lang="en-US" dirty="0"/>
+          </a:p>
+          <a:p>
+            <a:r>
+              <a:rPr lang="en-US" dirty="0"/>
               <a:t>Just find the point p on the ray that satisfies the equation for the implicit surface</a:t>
             </a:r>
-            <a:endParaRPr lang="en-US" dirty="0"/>
           </a:p>
         </p:txBody>
       </p:sp>
@@ -6287,10 +6234,9 @@
           <a:lstStyle/>
           <a:p>
             <a:r>
-              <a:rPr lang="en-US" dirty="0" smtClean="0"/>
+              <a:rPr lang="en-US" dirty="0"/>
               <a:t>For now, we’ll just focus on planes and spheres….</a:t>
             </a:r>
-            <a:endParaRPr lang="en-US" dirty="0"/>
           </a:p>
         </p:txBody>
       </p:sp>
@@ -6304,13 +6250,6 @@
   <p:clrMapOvr>
     <a:masterClrMapping/>
   </p:clrMapOvr>
-  <p:timing>
-    <p:tnLst>
-      <p:par>
-        <p:cTn id="1" dur="indefinite" restart="never" nodeType="tmRoot"/>
-      </p:par>
-    </p:tnLst>
-  </p:timing>
 </p:sld>
 </file>
 
@@ -6347,10 +6286,9 @@
           <a:lstStyle/>
           <a:p>
             <a:r>
-              <a:rPr lang="en-US" dirty="0" smtClean="0"/>
+              <a:rPr lang="en-US" dirty="0"/>
               <a:t>Plane Equation</a:t>
             </a:r>
-            <a:endParaRPr lang="en-US" dirty="0"/>
           </a:p>
         </p:txBody>
       </p:sp>
@@ -6377,7 +6315,7 @@
           <a:graphicData uri="http://schemas.openxmlformats.org/presentationml/2006/ole">
             <mc:AlternateContent xmlns:mc="http://schemas.openxmlformats.org/markup-compatibility/2006">
               <mc:Choice xmlns:v="urn:schemas-microsoft-com:vml" Requires="v">
-                <p:oleObj spid="_x0000_s6155" name="Equation" r:id="rId3" imgW="1270000" imgH="419100" progId="Equation.3">
+                <p:oleObj spid="_x0000_s6157" name="Equation" r:id="rId3" imgW="1270000" imgH="419100" progId="Equation.3">
                   <p:embed/>
                 </p:oleObj>
               </mc:Choice>
@@ -6464,30 +6402,30 @@
           <a:lstStyle/>
           <a:p>
             <a:r>
-              <a:rPr lang="en-US" dirty="0" smtClean="0"/>
+              <a:rPr lang="en-US" dirty="0"/>
               <a:t>Here </a:t>
             </a:r>
             <a:r>
-              <a:rPr lang="en-US" i="1" dirty="0" smtClean="0"/>
+              <a:rPr lang="en-US" i="1" dirty="0"/>
               <a:t>a</a:t>
             </a:r>
             <a:r>
-              <a:rPr lang="en-US" dirty="0" smtClean="0"/>
+              <a:rPr lang="en-US" dirty="0"/>
               <a:t> is a point on the plane</a:t>
             </a:r>
             <a:br>
-              <a:rPr lang="en-US" dirty="0" smtClean="0"/>
+              <a:rPr lang="en-US" dirty="0"/>
             </a:br>
             <a:r>
-              <a:rPr lang="en-US" dirty="0" smtClean="0"/>
+              <a:rPr lang="en-US" dirty="0"/>
               <a:t>And </a:t>
             </a:r>
             <a:r>
-              <a:rPr lang="en-US" i="1" dirty="0" smtClean="0"/>
+              <a:rPr lang="en-US" i="1" dirty="0"/>
               <a:t>n</a:t>
             </a:r>
             <a:r>
-              <a:rPr lang="en-US" dirty="0" smtClean="0"/>
+              <a:rPr lang="en-US" dirty="0"/>
               <a:t> is the normal</a:t>
             </a:r>
           </a:p>
@@ -6496,18 +6434,17 @@
           </a:p>
           <a:p>
             <a:r>
-              <a:rPr lang="en-US" dirty="0" smtClean="0"/>
+              <a:rPr lang="en-US" dirty="0"/>
               <a:t>All points </a:t>
             </a:r>
             <a:r>
-              <a:rPr lang="en-US" i="1" dirty="0" smtClean="0"/>
+              <a:rPr lang="en-US" i="1" dirty="0"/>
               <a:t>p</a:t>
             </a:r>
             <a:r>
-              <a:rPr lang="en-US" dirty="0" smtClean="0"/>
+              <a:rPr lang="en-US" dirty="0"/>
               <a:t> that satisfy the equation form the plane</a:t>
             </a:r>
-            <a:endParaRPr lang="en-US" dirty="0"/>
           </a:p>
         </p:txBody>
       </p:sp>
@@ -6557,10 +6494,9 @@
           <a:lstStyle/>
           <a:p>
             <a:r>
-              <a:rPr lang="en-US" dirty="0" smtClean="0"/>
+              <a:rPr lang="en-US" dirty="0"/>
               <a:t>Ray-Plane Intersection</a:t>
             </a:r>
-            <a:endParaRPr lang="en-US" dirty="0"/>
           </a:p>
         </p:txBody>
       </p:sp>
@@ -6586,7 +6522,7 @@
           <a:graphicData uri="http://schemas.openxmlformats.org/presentationml/2006/ole">
             <mc:AlternateContent xmlns:mc="http://schemas.openxmlformats.org/markup-compatibility/2006">
               <mc:Choice xmlns:v="urn:schemas-microsoft-com:vml" Requires="v">
-                <p:oleObj spid="_x0000_s3088" name="Equation" r:id="rId3" imgW="1371600" imgH="660400" progId="Equation.3">
+                <p:oleObj spid="_x0000_s3090" name="Equation" r:id="rId3" imgW="1371600" imgH="660400" progId="Equation.3">
                   <p:embed/>
                 </p:oleObj>
               </mc:Choice>
@@ -6644,10 +6580,9 @@
           <a:lstStyle/>
           <a:p>
             <a:r>
-              <a:rPr lang="en-US" dirty="0" smtClean="0"/>
+              <a:rPr lang="en-US" dirty="0"/>
               <a:t>the plane equation with normal n and point on plane a</a:t>
             </a:r>
-            <a:endParaRPr lang="en-US" dirty="0"/>
           </a:p>
         </p:txBody>
       </p:sp>
@@ -6674,19 +6609,18 @@
           <a:lstStyle/>
           <a:p>
             <a:r>
-              <a:rPr lang="en-US" dirty="0" smtClean="0"/>
+              <a:rPr lang="en-US" dirty="0"/>
               <a:t>What happens if d is parallel to the plane?</a:t>
             </a:r>
           </a:p>
           <a:p>
-            <a:endParaRPr lang="en-US" dirty="0" smtClean="0"/>
-          </a:p>
-          <a:p>
-            <a:r>
-              <a:rPr lang="en-US" dirty="0" smtClean="0"/>
+            <a:endParaRPr lang="en-US" dirty="0"/>
+          </a:p>
+          <a:p>
+            <a:r>
+              <a:rPr lang="en-US" dirty="0"/>
               <a:t>How do you know if the hit happens in front or behind the view plane?</a:t>
             </a:r>
-            <a:endParaRPr lang="en-US" dirty="0"/>
           </a:p>
         </p:txBody>
       </p:sp>
@@ -6700,13 +6634,6 @@
   <p:clrMapOvr>
     <a:masterClrMapping/>
   </p:clrMapOvr>
-  <p:timing>
-    <p:tnLst>
-      <p:par>
-        <p:cTn id="1" dur="indefinite" restart="never" nodeType="tmRoot"/>
-      </p:par>
-    </p:tnLst>
-  </p:timing>
 </p:sld>
 </file>
 
@@ -6743,10 +6670,9 @@
           <a:lstStyle/>
           <a:p>
             <a:r>
-              <a:rPr lang="en-US" dirty="0" smtClean="0"/>
+              <a:rPr lang="en-US" dirty="0"/>
               <a:t>Ray-Sphere Intersection</a:t>
             </a:r>
-            <a:endParaRPr lang="en-US" dirty="0"/>
           </a:p>
         </p:txBody>
       </p:sp>
@@ -6773,7 +6699,7 @@
           <a:graphicData uri="http://schemas.openxmlformats.org/presentationml/2006/ole">
             <mc:AlternateContent xmlns:mc="http://schemas.openxmlformats.org/markup-compatibility/2006">
               <mc:Choice xmlns:v="urn:schemas-microsoft-com:vml" Requires="v">
-                <p:oleObj spid="_x0000_s4111" name="Equation" r:id="rId3" imgW="2908300" imgH="927100" progId="Equation.3">
+                <p:oleObj spid="_x0000_s4113" name="Equation" r:id="rId3" imgW="2908300" imgH="927100" progId="Equation.3">
                   <p:embed/>
                 </p:oleObj>
               </mc:Choice>
@@ -6831,10 +6757,9 @@
           <a:lstStyle/>
           <a:p>
             <a:r>
-              <a:rPr lang="en-US" dirty="0" smtClean="0"/>
+              <a:rPr lang="en-US" dirty="0"/>
               <a:t>Equation of a sphere</a:t>
             </a:r>
-            <a:endParaRPr lang="en-US" dirty="0"/>
           </a:p>
         </p:txBody>
       </p:sp>
@@ -6861,10 +6786,9 @@
           <a:lstStyle/>
           <a:p>
             <a:r>
-              <a:rPr lang="en-US" dirty="0" smtClean="0"/>
+              <a:rPr lang="en-US" dirty="0"/>
               <a:t>So…a quadratic equation that we can solve</a:t>
             </a:r>
-            <a:endParaRPr lang="en-US" dirty="0"/>
           </a:p>
         </p:txBody>
       </p:sp>
@@ -6878,13 +6802,6 @@
   <p:clrMapOvr>
     <a:masterClrMapping/>
   </p:clrMapOvr>
-  <p:timing>
-    <p:tnLst>
-      <p:par>
-        <p:cTn id="1" dur="indefinite" restart="never" nodeType="tmRoot"/>
-      </p:par>
-    </p:tnLst>
-  </p:timing>
 </p:sld>
 </file>
 
@@ -6926,10 +6843,9 @@
           <a:lstStyle/>
           <a:p>
             <a:r>
-              <a:rPr lang="en-US" dirty="0" smtClean="0"/>
+              <a:rPr lang="en-US" dirty="0"/>
               <a:t>Ray-Sphere Intersection</a:t>
             </a:r>
-            <a:endParaRPr lang="en-US" dirty="0"/>
           </a:p>
         </p:txBody>
       </p:sp>
@@ -6990,18 +6906,17 @@
           <a:lstStyle/>
           <a:p>
             <a:r>
-              <a:rPr lang="en-US" dirty="0" smtClean="0"/>
+              <a:rPr lang="en-US" dirty="0"/>
               <a:t>Slide from </a:t>
             </a:r>
             <a:r>
-              <a:rPr lang="en-US" i="1" dirty="0" smtClean="0"/>
+              <a:rPr lang="en-US" i="1" dirty="0"/>
               <a:t>CS348b: Image Synthesis </a:t>
             </a:r>
             <a:r>
-              <a:rPr lang="en-US" dirty="0" smtClean="0"/>
+              <a:rPr lang="en-US" dirty="0"/>
               <a:t>by Matt Pharr</a:t>
             </a:r>
-            <a:endParaRPr lang="en-US" dirty="0"/>
           </a:p>
         </p:txBody>
       </p:sp>
@@ -7015,13 +6930,6 @@
   <p:clrMapOvr>
     <a:masterClrMapping/>
   </p:clrMapOvr>
-  <p:timing>
-    <p:tnLst>
-      <p:par>
-        <p:cTn id="1" dur="indefinite" restart="never" nodeType="tmRoot"/>
-      </p:par>
-    </p:tnLst>
-  </p:timing>
 </p:sld>
 </file>
 
@@ -7058,10 +6966,9 @@
           <a:lstStyle/>
           <a:p>
             <a:r>
-              <a:rPr lang="en-US" dirty="0" smtClean="0"/>
+              <a:rPr lang="en-US" dirty="0"/>
               <a:t>Point in Triangle Test</a:t>
             </a:r>
-            <a:endParaRPr lang="en-US" dirty="0"/>
           </a:p>
         </p:txBody>
       </p:sp>
@@ -7110,18 +7017,17 @@
           <a:lstStyle/>
           <a:p>
             <a:r>
-              <a:rPr lang="en-US" dirty="0" smtClean="0"/>
+              <a:rPr lang="en-US" dirty="0"/>
               <a:t>Slide from </a:t>
             </a:r>
             <a:r>
-              <a:rPr lang="en-US" i="1" dirty="0" smtClean="0"/>
+              <a:rPr lang="en-US" i="1" dirty="0"/>
               <a:t>CS348b: Image Synthesis </a:t>
             </a:r>
             <a:r>
-              <a:rPr lang="en-US" dirty="0" smtClean="0"/>
+              <a:rPr lang="en-US" dirty="0"/>
               <a:t>by Matt Pharr</a:t>
             </a:r>
-            <a:endParaRPr lang="en-US" dirty="0"/>
           </a:p>
         </p:txBody>
       </p:sp>
@@ -7148,16 +7054,15 @@
           <a:lstStyle/>
           <a:p>
             <a:r>
-              <a:rPr lang="en-US" dirty="0" smtClean="0">
+              <a:rPr lang="en-US" dirty="0">
                 <a:sym typeface="Wingdings"/>
               </a:rPr>
               <a:t></a:t>
             </a:r>
             <a:r>
-              <a:rPr lang="en-US" dirty="0" smtClean="0"/>
+              <a:rPr lang="en-US" dirty="0"/>
               <a:t>should be b2</a:t>
             </a:r>
-            <a:endParaRPr lang="en-US" dirty="0"/>
           </a:p>
         </p:txBody>
       </p:sp>
@@ -7171,13 +7076,6 @@
   <p:clrMapOvr>
     <a:masterClrMapping/>
   </p:clrMapOvr>
-  <p:timing>
-    <p:tnLst>
-      <p:par>
-        <p:cTn id="1" dur="indefinite" restart="never" nodeType="tmRoot"/>
-      </p:par>
-    </p:tnLst>
-  </p:timing>
 </p:sld>
 </file>
 
@@ -7216,14 +7114,13 @@
           <a:lstStyle/>
           <a:p>
             <a:r>
-              <a:rPr lang="en-US" dirty="0" err="1" smtClean="0"/>
+              <a:rPr lang="en-US" dirty="0" err="1"/>
               <a:t>Barycentric</a:t>
             </a:r>
             <a:r>
-              <a:rPr lang="en-US" dirty="0" smtClean="0"/>
+              <a:rPr lang="en-US" dirty="0"/>
               <a:t> Coordinates for Triangles</a:t>
             </a:r>
-            <a:endParaRPr lang="en-US" dirty="0"/>
           </a:p>
         </p:txBody>
       </p:sp>
@@ -7249,40 +7146,36 @@
           <a:p>
             <a:r>
               <a:rPr lang="en-US" dirty="0"/>
-              <a:t>D</a:t>
-            </a:r>
-            <a:r>
-              <a:rPr lang="en-US" dirty="0" smtClean="0"/>
-              <a:t>escribe location of point in a triangle in relation to the vertices</a:t>
-            </a:r>
-          </a:p>
-          <a:p>
-            <a:r>
-              <a:rPr lang="en-US" dirty="0" smtClean="0"/>
+              <a:t>Describe location of point in a triangle in relation to the vertices</a:t>
+            </a:r>
+          </a:p>
+          <a:p>
+            <a:r>
+              <a:rPr lang="en-US" dirty="0"/>
               <a:t>p=(λ</a:t>
             </a:r>
             <a:r>
-              <a:rPr lang="en-US" baseline="-25000" dirty="0" smtClean="0"/>
+              <a:rPr lang="en-US" baseline="-25000" dirty="0"/>
               <a:t>1</a:t>
             </a:r>
             <a:r>
-              <a:rPr lang="en-US" dirty="0" smtClean="0"/>
+              <a:rPr lang="en-US" dirty="0"/>
               <a:t>,λ</a:t>
             </a:r>
             <a:r>
-              <a:rPr lang="en-US" baseline="-25000" dirty="0" smtClean="0"/>
+              <a:rPr lang="en-US" baseline="-25000" dirty="0"/>
               <a:t>2 </a:t>
             </a:r>
             <a:r>
-              <a:rPr lang="en-US" dirty="0" smtClean="0"/>
+              <a:rPr lang="en-US" dirty="0"/>
               <a:t>,λ</a:t>
             </a:r>
             <a:r>
-              <a:rPr lang="en-US" baseline="-25000" dirty="0" smtClean="0"/>
+              <a:rPr lang="en-US" baseline="-25000" dirty="0"/>
               <a:t>3</a:t>
             </a:r>
             <a:r>
-              <a:rPr lang="en-US" dirty="0" smtClean="0"/>
+              <a:rPr lang="en-US" dirty="0"/>
               <a:t>) where the following are true</a:t>
             </a:r>
           </a:p>
@@ -7290,72 +7183,67 @@
             <a:pPr lvl="1"/>
             <a:r>
               <a:rPr lang="en-US" dirty="0"/>
-              <a:t>p</a:t>
-            </a:r>
-            <a:r>
-              <a:rPr lang="en-US" dirty="0" smtClean="0"/>
-              <a:t>=λ</a:t>
-            </a:r>
-            <a:r>
-              <a:rPr lang="en-US" baseline="-25000" dirty="0" smtClean="0"/>
+              <a:t>p=λ</a:t>
+            </a:r>
+            <a:r>
+              <a:rPr lang="en-US" baseline="-25000" dirty="0"/>
               <a:t>1</a:t>
             </a:r>
             <a:r>
-              <a:rPr lang="en-US" dirty="0" smtClean="0"/>
+              <a:rPr lang="en-US" dirty="0"/>
               <a:t>a + λ</a:t>
             </a:r>
             <a:r>
-              <a:rPr lang="en-US" baseline="-25000" dirty="0" smtClean="0"/>
+              <a:rPr lang="en-US" baseline="-25000" dirty="0"/>
               <a:t>2 </a:t>
             </a:r>
             <a:r>
-              <a:rPr lang="en-US" dirty="0" smtClean="0"/>
+              <a:rPr lang="en-US" dirty="0"/>
               <a:t>b +λ</a:t>
             </a:r>
             <a:r>
-              <a:rPr lang="en-US" baseline="-25000" dirty="0" smtClean="0"/>
+              <a:rPr lang="en-US" baseline="-25000" dirty="0"/>
               <a:t>3</a:t>
             </a:r>
             <a:r>
-              <a:rPr lang="en-US" dirty="0" smtClean="0"/>
+              <a:rPr lang="en-US" dirty="0"/>
               <a:t>c</a:t>
             </a:r>
-            <a:endParaRPr lang="en-US" dirty="0"/>
           </a:p>
           <a:p>
             <a:pPr lvl="1"/>
             <a:r>
-              <a:rPr lang="en-US" dirty="0" smtClean="0"/>
+              <a:rPr lang="en-US" dirty="0"/>
               <a:t>λ</a:t>
             </a:r>
             <a:r>
-              <a:rPr lang="en-US" baseline="-25000" dirty="0" smtClean="0"/>
+              <a:rPr lang="en-US" baseline="-25000" dirty="0"/>
               <a:t>1</a:t>
             </a:r>
             <a:r>
-              <a:rPr lang="en-US" dirty="0" smtClean="0"/>
+              <a:rPr lang="en-US" dirty="0"/>
               <a:t>+λ</a:t>
             </a:r>
             <a:r>
-              <a:rPr lang="en-US" baseline="-25000" dirty="0" smtClean="0"/>
+              <a:rPr lang="en-US" baseline="-25000" dirty="0"/>
               <a:t>2 </a:t>
             </a:r>
             <a:r>
-              <a:rPr lang="en-US" dirty="0" smtClean="0"/>
+              <a:rPr lang="en-US" dirty="0"/>
               <a:t>+λ</a:t>
             </a:r>
             <a:r>
-              <a:rPr lang="en-US" baseline="-25000" dirty="0" smtClean="0"/>
+              <a:rPr lang="en-US" baseline="-25000" dirty="0"/>
               <a:t>3</a:t>
             </a:r>
             <a:r>
-              <a:rPr lang="en-US" dirty="0" smtClean="0"/>
+              <a:rPr lang="en-US" dirty="0"/>
               <a:t>= 1</a:t>
             </a:r>
           </a:p>
           <a:p>
             <a:r>
-              <a:rPr lang="en-US" dirty="0" smtClean="0"/>
+              <a:rPr lang="en-US" dirty="0"/>
               <a:t>To interpolate a function sampled</a:t>
             </a:r>
           </a:p>
@@ -7364,7 +7252,7 @@
               <a:buNone/>
             </a:pPr>
             <a:r>
-              <a:rPr lang="en-US" dirty="0" smtClean="0"/>
+              <a:rPr lang="en-US" dirty="0"/>
               <a:t>at the vertices we just do:</a:t>
             </a:r>
           </a:p>
@@ -7379,52 +7267,39 @@
               <a:buNone/>
             </a:pPr>
             <a:r>
-              <a:rPr lang="en-US" sz="2400" b="1" dirty="0" smtClean="0"/>
+              <a:rPr lang="en-US" sz="2400" b="1" dirty="0"/>
               <a:t>f(p)=λ</a:t>
             </a:r>
             <a:r>
-              <a:rPr lang="en-US" sz="2400" b="1" baseline="-25000" dirty="0" smtClean="0"/>
+              <a:rPr lang="en-US" sz="2400" b="1" baseline="-25000" dirty="0"/>
               <a:t>1</a:t>
             </a:r>
             <a:r>
-              <a:rPr lang="en-US" sz="2400" b="1" dirty="0" smtClean="0"/>
-              <a:t>f(a) </a:t>
-            </a:r>
-            <a:r>
               <a:rPr lang="en-US" sz="2400" b="1" dirty="0"/>
-              <a:t>+ λ</a:t>
+              <a:t>f(a) + λ</a:t>
             </a:r>
             <a:r>
               <a:rPr lang="en-US" sz="2400" b="1" baseline="-25000" dirty="0"/>
               <a:t>2 </a:t>
             </a:r>
             <a:r>
-              <a:rPr lang="en-US" sz="2400" b="1" dirty="0" smtClean="0"/>
-              <a:t>f(b) </a:t>
-            </a:r>
-            <a:r>
               <a:rPr lang="en-US" sz="2400" b="1" dirty="0"/>
-              <a:t>+</a:t>
-            </a:r>
-            <a:r>
-              <a:rPr lang="en-US" sz="2400" b="1" dirty="0" smtClean="0"/>
-              <a:t>λ</a:t>
-            </a:r>
-            <a:r>
-              <a:rPr lang="en-US" sz="2400" b="1" baseline="-25000" dirty="0" smtClean="0"/>
+              <a:t>f(b) +λ</a:t>
+            </a:r>
+            <a:r>
+              <a:rPr lang="en-US" sz="2400" b="1" baseline="-25000" dirty="0"/>
               <a:t>3</a:t>
             </a:r>
             <a:r>
-              <a:rPr lang="en-US" sz="2400" b="1" dirty="0" smtClean="0"/>
+              <a:rPr lang="en-US" sz="2400" b="1" dirty="0"/>
               <a:t>f(c)</a:t>
             </a:r>
-            <a:endParaRPr lang="en-US" sz="2400" b="1" dirty="0"/>
           </a:p>
           <a:p>
             <a:pPr marL="0" indent="0">
               <a:buNone/>
             </a:pPr>
-            <a:endParaRPr lang="en-US" dirty="0" smtClean="0"/>
+            <a:endParaRPr lang="en-US" dirty="0"/>
           </a:p>
           <a:p>
             <a:pPr marL="0" indent="0">
@@ -7504,10 +7379,9 @@
           <a:lstStyle/>
           <a:p>
             <a:r>
-              <a:rPr lang="en-US" dirty="0" smtClean="0"/>
+              <a:rPr lang="en-US" dirty="0"/>
               <a:t>p</a:t>
             </a:r>
-            <a:endParaRPr lang="en-US" dirty="0"/>
           </a:p>
         </p:txBody>
       </p:sp>
@@ -7534,10 +7408,9 @@
           <a:lstStyle/>
           <a:p>
             <a:r>
-              <a:rPr lang="en-US" dirty="0" smtClean="0"/>
+              <a:rPr lang="en-US" dirty="0"/>
               <a:t>a</a:t>
             </a:r>
-            <a:endParaRPr lang="en-US" dirty="0"/>
           </a:p>
         </p:txBody>
       </p:sp>
@@ -7564,10 +7437,9 @@
           <a:lstStyle/>
           <a:p>
             <a:r>
-              <a:rPr lang="en-US" dirty="0" smtClean="0"/>
+              <a:rPr lang="en-US" dirty="0"/>
               <a:t>b</a:t>
             </a:r>
-            <a:endParaRPr lang="en-US" dirty="0"/>
           </a:p>
         </p:txBody>
       </p:sp>
@@ -7594,10 +7466,9 @@
           <a:lstStyle/>
           <a:p>
             <a:r>
-              <a:rPr lang="en-US" dirty="0" smtClean="0"/>
+              <a:rPr lang="en-US" dirty="0"/>
               <a:t>c</a:t>
             </a:r>
-            <a:endParaRPr lang="en-US" dirty="0"/>
           </a:p>
         </p:txBody>
       </p:sp>
@@ -7611,13 +7482,6 @@
   <p:clrMapOvr>
     <a:masterClrMapping/>
   </p:clrMapOvr>
-  <p:timing>
-    <p:tnLst>
-      <p:par>
-        <p:cTn id="1" dur="indefinite" restart="never" nodeType="tmRoot"/>
-      </p:par>
-    </p:tnLst>
-  </p:timing>
 </p:sld>
 </file>
 
@@ -7656,14 +7520,13 @@
           <a:lstStyle/>
           <a:p>
             <a:r>
-              <a:rPr lang="en-US" dirty="0" err="1" smtClean="0"/>
+              <a:rPr lang="en-US" dirty="0" err="1"/>
               <a:t>Barycentric</a:t>
             </a:r>
             <a:r>
-              <a:rPr lang="en-US" dirty="0" smtClean="0"/>
+              <a:rPr lang="en-US" dirty="0"/>
               <a:t> Coordinates for Triangles</a:t>
             </a:r>
-            <a:endParaRPr lang="en-US" dirty="0"/>
           </a:p>
         </p:txBody>
       </p:sp>
@@ -7734,10 +7597,9 @@
           <a:lstStyle/>
           <a:p>
             <a:r>
-              <a:rPr lang="en-US" dirty="0" smtClean="0"/>
+              <a:rPr lang="en-US" dirty="0"/>
               <a:t>p</a:t>
             </a:r>
-            <a:endParaRPr lang="en-US" dirty="0"/>
           </a:p>
         </p:txBody>
       </p:sp>
@@ -7764,10 +7626,9 @@
           <a:lstStyle/>
           <a:p>
             <a:r>
-              <a:rPr lang="en-US" dirty="0" smtClean="0"/>
+              <a:rPr lang="en-US" dirty="0"/>
               <a:t>a</a:t>
             </a:r>
-            <a:endParaRPr lang="en-US" dirty="0"/>
           </a:p>
         </p:txBody>
       </p:sp>
@@ -7794,10 +7655,9 @@
           <a:lstStyle/>
           <a:p>
             <a:r>
-              <a:rPr lang="en-US" dirty="0" smtClean="0"/>
+              <a:rPr lang="en-US" dirty="0"/>
               <a:t>b</a:t>
             </a:r>
-            <a:endParaRPr lang="en-US" dirty="0"/>
           </a:p>
         </p:txBody>
       </p:sp>
@@ -7824,10 +7684,9 @@
           <a:lstStyle/>
           <a:p>
             <a:r>
-              <a:rPr lang="en-US" dirty="0" smtClean="0"/>
+              <a:rPr lang="en-US" dirty="0"/>
               <a:t>c</a:t>
             </a:r>
-            <a:endParaRPr lang="en-US" dirty="0"/>
           </a:p>
         </p:txBody>
       </p:sp>
@@ -7948,11 +7807,11 @@
           <a:lstStyle/>
           <a:p>
             <a:r>
-              <a:rPr lang="en-US" dirty="0" err="1" smtClean="0"/>
+              <a:rPr lang="en-US" dirty="0" err="1"/>
               <a:t>A</a:t>
             </a:r>
             <a:r>
-              <a:rPr lang="en-US" baseline="-25000" dirty="0" err="1" smtClean="0"/>
+              <a:rPr lang="en-US" baseline="-25000" dirty="0" err="1"/>
               <a:t>cap</a:t>
             </a:r>
             <a:endParaRPr lang="en-US" baseline="-25000" dirty="0"/>
@@ -7982,11 +7841,11 @@
           <a:lstStyle/>
           <a:p>
             <a:r>
-              <a:rPr lang="en-US" dirty="0" err="1" smtClean="0"/>
+              <a:rPr lang="en-US" dirty="0" err="1"/>
               <a:t>A</a:t>
             </a:r>
             <a:r>
-              <a:rPr lang="en-US" baseline="-25000" dirty="0" err="1" smtClean="0"/>
+              <a:rPr lang="en-US" baseline="-25000" dirty="0" err="1"/>
               <a:t>bap</a:t>
             </a:r>
             <a:endParaRPr lang="en-US" baseline="-25000" dirty="0"/>
@@ -8016,11 +7875,11 @@
           <a:lstStyle/>
           <a:p>
             <a:r>
-              <a:rPr lang="en-US" dirty="0" err="1" smtClean="0"/>
+              <a:rPr lang="en-US" dirty="0" err="1"/>
               <a:t>A</a:t>
             </a:r>
             <a:r>
-              <a:rPr lang="en-US" baseline="-25000" dirty="0" err="1" smtClean="0"/>
+              <a:rPr lang="en-US" baseline="-25000" dirty="0" err="1"/>
               <a:t>cbp</a:t>
             </a:r>
             <a:endParaRPr lang="en-US" baseline="-25000" dirty="0"/>
@@ -8050,32 +7909,28 @@
           <a:lstStyle/>
           <a:p>
             <a:r>
-              <a:rPr lang="en-US" dirty="0" smtClean="0"/>
+              <a:rPr lang="en-US" dirty="0"/>
               <a:t>Coordinates are the signed area of the </a:t>
             </a:r>
           </a:p>
           <a:p>
             <a:r>
-              <a:rPr lang="en-US" dirty="0" smtClean="0"/>
+              <a:rPr lang="en-US" dirty="0"/>
               <a:t>opposite </a:t>
             </a:r>
             <a:r>
-              <a:rPr lang="en-US" dirty="0" err="1" smtClean="0"/>
+              <a:rPr lang="en-US" dirty="0" err="1"/>
               <a:t>subtriangle</a:t>
             </a:r>
             <a:r>
-              <a:rPr lang="en-US" dirty="0" smtClean="0"/>
+              <a:rPr lang="en-US" dirty="0"/>
               <a:t> divided by area of the triangle</a:t>
             </a:r>
             <a:br>
-              <a:rPr lang="en-US" dirty="0" smtClean="0"/>
+              <a:rPr lang="en-US" dirty="0"/>
             </a:br>
-            <a:r>
-              <a:rPr lang="en-US" dirty="0" smtClean="0"/>
-              <a:t/>
-            </a:r>
             <a:br>
-              <a:rPr lang="en-US" dirty="0" smtClean="0"/>
+              <a:rPr lang="en-US" dirty="0"/>
             </a:br>
             <a:endParaRPr lang="en-US" dirty="0"/>
           </a:p>
@@ -8092,7 +7947,7 @@
             <p:spPr>
               <a:xfrm>
                 <a:off x="285008" y="2259208"/>
-                <a:ext cx="7255823" cy="2954655"/>
+                <a:ext cx="7255823" cy="2677656"/>
               </a:xfrm>
               <a:prstGeom prst="rect">
                 <a:avLst/>
@@ -8105,20 +7960,21 @@
               </a:bodyPr>
               <a:lstStyle/>
               <a:p>
+                <a:pPr/>
                 <a:r>
-                  <a:rPr lang="en-US" dirty="0" smtClean="0"/>
+                  <a:rPr lang="en-US" dirty="0"/>
                   <a:t>The area of triangle </a:t>
                 </a:r>
                 <a:r>
-                  <a:rPr lang="en-US" dirty="0" err="1" smtClean="0"/>
+                  <a:rPr lang="en-US" dirty="0" err="1"/>
                   <a:t>abc</a:t>
                 </a:r>
                 <a:r>
-                  <a:rPr lang="en-US" dirty="0" smtClean="0"/>
+                  <a:rPr lang="en-US" dirty="0"/>
                   <a:t> can be found by cross product:</a:t>
                 </a:r>
                 <a:br>
-                  <a:rPr lang="en-US" dirty="0" smtClean="0"/>
+                  <a:rPr lang="en-US" dirty="0"/>
                 </a:br>
                 <a14:m>
                   <m:oMathPara xmlns:m="http://schemas.openxmlformats.org/officeDocument/2006/math">
@@ -8130,7 +7986,7 @@
                         <m:sSubPr>
                           <m:ctrlPr>
                             <a:rPr lang="en-US" i="1" smtClean="0">
-                              <a:latin typeface="Cambria Math" charset="0"/>
+                              <a:latin typeface="Cambria Math" panose="02040503050406030204" pitchFamily="18" charset="0"/>
                             </a:rPr>
                           </m:ctrlPr>
                         </m:sSubPr>
@@ -8163,7 +8019,7 @@
                           <m:endChr m:val="‖"/>
                           <m:ctrlPr>
                             <a:rPr lang="en-US" b="0" i="1" smtClean="0">
-                              <a:latin typeface="Cambria Math" charset="0"/>
+                              <a:latin typeface="Cambria Math" panose="02040503050406030204" pitchFamily="18" charset="0"/>
                             </a:rPr>
                           </m:ctrlPr>
                         </m:dPr>
@@ -8241,14 +8097,14 @@
                     </m:oMath>
                   </m:oMathPara>
                 </a14:m>
-                <a:endParaRPr lang="en-US" dirty="0" smtClean="0"/>
+                <a:endParaRPr lang="en-US" dirty="0"/>
               </a:p>
               <a:p>
                 <a:endParaRPr lang="en-US" dirty="0"/>
               </a:p>
               <a:p>
                 <a:r>
-                  <a:rPr lang="en-US" dirty="0" smtClean="0"/>
+                  <a:rPr lang="en-US" dirty="0"/>
                   <a:t>So we have:</a:t>
                 </a:r>
               </a:p>
@@ -8258,101 +8114,101 @@
                   <a:t>λ</a:t>
                 </a:r>
                 <a:r>
-                  <a:rPr lang="en-US" baseline="-25000" dirty="0" smtClean="0"/>
+                  <a:rPr lang="en-US" baseline="-25000" dirty="0"/>
                   <a:t>1</a:t>
                 </a:r>
                 <a:r>
-                  <a:rPr lang="en-US" dirty="0" smtClean="0"/>
+                  <a:rPr lang="en-US" dirty="0"/>
                   <a:t>= </a:t>
                 </a:r>
                 <a:r>
-                  <a:rPr lang="en-US" dirty="0" err="1" smtClean="0"/>
+                  <a:rPr lang="en-US" dirty="0" err="1"/>
                   <a:t>AREA</a:t>
                 </a:r>
                 <a:r>
-                  <a:rPr lang="en-US" baseline="-25000" dirty="0" err="1" smtClean="0"/>
+                  <a:rPr lang="en-US" baseline="-25000" dirty="0" err="1"/>
                   <a:t>cbp</a:t>
                 </a:r>
                 <a:r>
-                  <a:rPr lang="en-US" dirty="0" smtClean="0"/>
+                  <a:rPr lang="en-US" dirty="0"/>
                   <a:t>/</a:t>
                 </a:r>
                 <a:r>
-                  <a:rPr lang="en-US" dirty="0" err="1" smtClean="0"/>
+                  <a:rPr lang="en-US" dirty="0" err="1"/>
                   <a:t>AREA</a:t>
                 </a:r>
                 <a:r>
-                  <a:rPr lang="en-US" baseline="-25000" dirty="0" err="1" smtClean="0"/>
+                  <a:rPr lang="en-US" baseline="-25000" dirty="0" err="1"/>
                   <a:t>abc</a:t>
                 </a:r>
-                <a:endParaRPr lang="en-US" baseline="-25000" dirty="0" smtClean="0"/>
+                <a:endParaRPr lang="en-US" baseline="-25000" dirty="0"/>
               </a:p>
               <a:p>
                 <a:r>
-                  <a:rPr lang="en-US" dirty="0" smtClean="0"/>
+                  <a:rPr lang="en-US" dirty="0"/>
                   <a:t>λ</a:t>
                 </a:r>
                 <a:r>
-                  <a:rPr lang="en-US" baseline="-25000" dirty="0" smtClean="0"/>
+                  <a:rPr lang="en-US" baseline="-25000" dirty="0"/>
                   <a:t>2</a:t>
                 </a:r>
                 <a:r>
-                  <a:rPr lang="en-US" dirty="0" smtClean="0"/>
+                  <a:rPr lang="en-US" dirty="0"/>
                   <a:t>= </a:t>
                 </a:r>
                 <a:r>
-                  <a:rPr lang="en-US" dirty="0" err="1" smtClean="0"/>
+                  <a:rPr lang="en-US" dirty="0" err="1"/>
                   <a:t>AREA</a:t>
                 </a:r>
                 <a:r>
-                  <a:rPr lang="en-US" baseline="-25000" dirty="0" err="1" smtClean="0"/>
+                  <a:rPr lang="en-US" baseline="-25000" dirty="0" err="1"/>
                   <a:t>cap</a:t>
                 </a:r>
                 <a:r>
-                  <a:rPr lang="en-US" dirty="0" smtClean="0"/>
+                  <a:rPr lang="en-US" dirty="0"/>
                   <a:t>/</a:t>
                 </a:r>
                 <a:r>
-                  <a:rPr lang="en-US" dirty="0" err="1" smtClean="0"/>
+                  <a:rPr lang="en-US" dirty="0" err="1"/>
                   <a:t>AREA</a:t>
                 </a:r>
                 <a:r>
-                  <a:rPr lang="en-US" baseline="-25000" dirty="0" err="1" smtClean="0"/>
+                  <a:rPr lang="en-US" baseline="-25000" dirty="0" err="1"/>
                   <a:t>abc</a:t>
                 </a:r>
-                <a:endParaRPr lang="en-US" baseline="-25000" dirty="0" smtClean="0"/>
+                <a:endParaRPr lang="en-US" baseline="-25000" dirty="0"/>
               </a:p>
               <a:p>
                 <a:r>
-                  <a:rPr lang="en-US" dirty="0" smtClean="0"/>
+                  <a:rPr lang="en-US" dirty="0"/>
                   <a:t>λ</a:t>
                 </a:r>
                 <a:r>
-                  <a:rPr lang="en-US" baseline="-25000" dirty="0" smtClean="0"/>
+                  <a:rPr lang="en-US" baseline="-25000" dirty="0"/>
                   <a:t>3</a:t>
                 </a:r>
                 <a:r>
-                  <a:rPr lang="en-US" dirty="0" smtClean="0"/>
+                  <a:rPr lang="en-US" dirty="0"/>
                   <a:t>= </a:t>
                 </a:r>
                 <a:r>
-                  <a:rPr lang="en-US" dirty="0" err="1" smtClean="0"/>
+                  <a:rPr lang="en-US" dirty="0" err="1"/>
                   <a:t>AREA</a:t>
                 </a:r>
                 <a:r>
-                  <a:rPr lang="en-US" baseline="-25000" dirty="0" err="1" smtClean="0"/>
+                  <a:rPr lang="en-US" baseline="-25000" dirty="0" err="1"/>
                   <a:t>bap</a:t>
                 </a:r>
                 <a:r>
-                  <a:rPr lang="en-US" dirty="0" smtClean="0"/>
+                  <a:rPr lang="en-US" dirty="0"/>
                   <a:t>/</a:t>
                 </a:r>
                 <a:r>
-                  <a:rPr lang="en-US" dirty="0" err="1" smtClean="0"/>
+                  <a:rPr lang="en-US" dirty="0" err="1"/>
                   <a:t>AREA</a:t>
                 </a:r>
                 <a:r>
-                  <a:rPr lang="en-US" baseline="-25000" dirty="0" err="1" smtClean="0"/>
+                  <a:rPr lang="en-US" baseline="-25000" dirty="0" err="1"/>
                   <a:t>abc</a:t>
                 </a:r>
                 <a:r>
@@ -8362,26 +8218,7 @@
                 <a:endParaRPr lang="en-US" dirty="0"/>
               </a:p>
               <a:p>
-                <a:endParaRPr lang="en-US" baseline="-25000" dirty="0" smtClean="0"/>
-              </a:p>
-              <a:p>
-                <a:r>
-                  <a:rPr lang="en-US" dirty="0" smtClean="0"/>
-                  <a:t>How can we optimize computation </a:t>
-                </a:r>
-                <a:r>
-                  <a:rPr lang="en-US" smtClean="0"/>
-                  <a:t>of λ</a:t>
-                </a:r>
-                <a:r>
-                  <a:rPr lang="en-US" baseline="-25000" smtClean="0"/>
-                  <a:t>3</a:t>
-                </a:r>
-                <a:r>
-                  <a:rPr lang="en-US" smtClean="0"/>
-                  <a:t>?</a:t>
-                </a:r>
-                <a:endParaRPr lang="en-US" dirty="0"/>
+                <a:endParaRPr lang="en-US" baseline="-25000" dirty="0"/>
               </a:p>
               <a:p>
                 <a:endParaRPr lang="en-US" baseline="-25000" dirty="0"/>
@@ -8404,15 +8241,15 @@
             <p:spPr>
               <a:xfrm>
                 <a:off x="285008" y="2259208"/>
-                <a:ext cx="7255823" cy="2954655"/>
+                <a:ext cx="7255823" cy="2677656"/>
               </a:xfrm>
               <a:prstGeom prst="rect">
                 <a:avLst/>
               </a:prstGeom>
-              <a:blipFill rotWithShape="0">
+              <a:blipFill>
                 <a:blip r:embed="rId2"/>
                 <a:stretch>
-                  <a:fillRect l="-756" t="-1446"/>
+                  <a:fillRect l="-756" t="-1367"/>
                 </a:stretch>
               </a:blipFill>
             </p:spPr>
@@ -8431,6 +8268,114 @@
           </p:sp>
         </mc:Fallback>
       </mc:AlternateContent>
+      <p:sp>
+        <p:nvSpPr>
+          <p:cNvPr id="4" name="TextBox 3">
+            <a:extLst>
+              <a:ext uri="{FF2B5EF4-FFF2-40B4-BE49-F238E27FC236}">
+                <a16:creationId xmlns:a16="http://schemas.microsoft.com/office/drawing/2014/main" id="{484C94C7-F11B-48F0-B8DC-35D7804FCBF4}"/>
+              </a:ext>
+            </a:extLst>
+          </p:cNvPr>
+          <p:cNvSpPr txBox="1"/>
+          <p:nvPr/>
+        </p:nvSpPr>
+        <p:spPr>
+          <a:xfrm>
+            <a:off x="7362735" y="3303071"/>
+            <a:ext cx="1492876" cy="1477328"/>
+          </a:xfrm>
+          <a:prstGeom prst="rect">
+            <a:avLst/>
+          </a:prstGeom>
+          <a:noFill/>
+          <a:ln>
+            <a:solidFill>
+              <a:schemeClr val="accent1"/>
+            </a:solidFill>
+          </a:ln>
+        </p:spPr>
+        <p:txBody>
+          <a:bodyPr wrap="square" rtlCol="0">
+            <a:spAutoFit/>
+          </a:bodyPr>
+          <a:lstStyle/>
+          <a:p>
+            <a:r>
+              <a:rPr lang="en-US" dirty="0">
+                <a:latin typeface="Comic Sans MS" panose="030F0702030302020204" pitchFamily="66" charset="0"/>
+              </a:rPr>
+              <a:t>How can a </a:t>
+            </a:r>
+            <a:r>
+              <a:rPr lang="en-US" dirty="0" err="1">
+                <a:latin typeface="Comic Sans MS" panose="030F0702030302020204" pitchFamily="66" charset="0"/>
+              </a:rPr>
+              <a:t>subtriangle</a:t>
+            </a:r>
+            <a:r>
+              <a:rPr lang="en-US" dirty="0">
+                <a:latin typeface="Comic Sans MS" panose="030F0702030302020204" pitchFamily="66" charset="0"/>
+              </a:rPr>
+              <a:t> have a negative area?</a:t>
+            </a:r>
+          </a:p>
+        </p:txBody>
+      </p:sp>
+      <p:sp>
+        <p:nvSpPr>
+          <p:cNvPr id="5" name="TextBox 4">
+            <a:extLst>
+              <a:ext uri="{FF2B5EF4-FFF2-40B4-BE49-F238E27FC236}">
+                <a16:creationId xmlns:a16="http://schemas.microsoft.com/office/drawing/2014/main" id="{0C920896-D495-4AC9-AC06-B9B820EEB622}"/>
+              </a:ext>
+            </a:extLst>
+          </p:cNvPr>
+          <p:cNvSpPr txBox="1"/>
+          <p:nvPr/>
+        </p:nvSpPr>
+        <p:spPr>
+          <a:xfrm>
+            <a:off x="3273425" y="3093310"/>
+            <a:ext cx="1100893" cy="1754326"/>
+          </a:xfrm>
+          <a:prstGeom prst="rect">
+            <a:avLst/>
+          </a:prstGeom>
+          <a:noFill/>
+          <a:ln>
+            <a:solidFill>
+              <a:schemeClr val="accent1"/>
+            </a:solidFill>
+          </a:ln>
+        </p:spPr>
+        <p:txBody>
+          <a:bodyPr wrap="square" rtlCol="0">
+            <a:spAutoFit/>
+          </a:bodyPr>
+          <a:lstStyle/>
+          <a:p>
+            <a:r>
+              <a:rPr lang="en-US" dirty="0">
+                <a:latin typeface="Comic Sans MS" panose="030F0702030302020204" pitchFamily="66" charset="0"/>
+              </a:rPr>
+              <a:t>How can we optimize computation of λ</a:t>
+            </a:r>
+            <a:r>
+              <a:rPr lang="en-US" baseline="-25000" dirty="0">
+                <a:latin typeface="Comic Sans MS" panose="030F0702030302020204" pitchFamily="66" charset="0"/>
+              </a:rPr>
+              <a:t>3</a:t>
+            </a:r>
+            <a:r>
+              <a:rPr lang="en-US" dirty="0">
+                <a:latin typeface="Comic Sans MS" panose="030F0702030302020204" pitchFamily="66" charset="0"/>
+              </a:rPr>
+              <a:t>?</a:t>
+            </a:r>
+          </a:p>
+        </p:txBody>
+      </p:sp>
     </p:spTree>
     <p:extLst>
       <p:ext uri="{BB962C8B-B14F-4D97-AF65-F5344CB8AC3E}">
@@ -8441,13 +8386,6 @@
   <p:clrMapOvr>
     <a:masterClrMapping/>
   </p:clrMapOvr>
-  <p:timing>
-    <p:tnLst>
-      <p:par>
-        <p:cTn id="1" dur="indefinite" restart="never" nodeType="tmRoot"/>
-      </p:par>
-    </p:tnLst>
-  </p:timing>
 </p:sld>
 </file>
 
@@ -8484,10 +8422,9 @@
           <a:lstStyle/>
           <a:p>
             <a:r>
-              <a:rPr lang="en-US" dirty="0" smtClean="0"/>
+              <a:rPr lang="en-US" dirty="0"/>
               <a:t>Our Model of Light Rays</a:t>
             </a:r>
-            <a:endParaRPr lang="en-US" dirty="0"/>
           </a:p>
         </p:txBody>
       </p:sp>
@@ -8515,58 +8452,72 @@
               <a:buNone/>
             </a:pPr>
             <a:r>
-              <a:rPr lang="en-US" dirty="0" smtClean="0"/>
-              <a:t>Three </a:t>
-            </a:r>
-            <a:r>
-              <a:rPr lang="en-US" dirty="0"/>
-              <a:t>key ideas about light </a:t>
-            </a:r>
-            <a:r>
-              <a:rPr lang="en-US" dirty="0" smtClean="0"/>
-              <a:t>rays</a:t>
+              <a:rPr lang="en-US" dirty="0"/>
+              <a:t>Three key ideas about light rays</a:t>
             </a:r>
             <a:br>
-              <a:rPr lang="en-US" dirty="0" smtClean="0"/>
+              <a:rPr lang="en-US" dirty="0"/>
             </a:br>
             <a:endParaRPr lang="en-US" dirty="0"/>
           </a:p>
           <a:p>
             <a:r>
-              <a:rPr lang="en-US" dirty="0" smtClean="0"/>
-              <a:t>Light </a:t>
-            </a:r>
-            <a:r>
-              <a:rPr lang="en-US" dirty="0"/>
-              <a:t>travels in straight lines (mostly)</a:t>
-            </a:r>
-          </a:p>
-          <a:p>
-            <a:r>
-              <a:rPr lang="en-US" dirty="0" smtClean="0"/>
-              <a:t>Light </a:t>
-            </a:r>
-            <a:r>
-              <a:rPr lang="en-US" dirty="0"/>
-              <a:t>rays do not interfere with each other if they cross</a:t>
-            </a:r>
-          </a:p>
-          <a:p>
-            <a:r>
-              <a:rPr lang="en-US" dirty="0" smtClean="0"/>
-              <a:t>Light </a:t>
-            </a:r>
-            <a:r>
-              <a:rPr lang="en-US" dirty="0"/>
-              <a:t>rays travel from light sources to the eye, but </a:t>
-            </a:r>
-            <a:r>
-              <a:rPr lang="en-US" dirty="0" smtClean="0"/>
-              <a:t>the physics </a:t>
-            </a:r>
-            <a:r>
-              <a:rPr lang="en-US" dirty="0"/>
-              <a:t>is invariant under path reversal–reciprocity</a:t>
+              <a:rPr lang="en-US" dirty="0"/>
+              <a:t>Light travels in straight lines (mostly)</a:t>
+            </a:r>
+          </a:p>
+          <a:p>
+            <a:r>
+              <a:rPr lang="en-US" dirty="0"/>
+              <a:t>Light rays do not interfere with each other if they cross</a:t>
+            </a:r>
+          </a:p>
+          <a:p>
+            <a:r>
+              <a:rPr lang="en-US" dirty="0"/>
+              <a:t>Light rays travel from light sources to the eye, but the physics is invariant under path reversal–reciprocity</a:t>
+            </a:r>
+          </a:p>
+        </p:txBody>
+      </p:sp>
+      <p:sp>
+        <p:nvSpPr>
+          <p:cNvPr id="4" name="TextBox 3">
+            <a:extLst>
+              <a:ext uri="{FF2B5EF4-FFF2-40B4-BE49-F238E27FC236}">
+                <a16:creationId xmlns:a16="http://schemas.microsoft.com/office/drawing/2014/main" id="{9679EFFC-E93E-4341-A7E9-AAC4564C5152}"/>
+              </a:ext>
+            </a:extLst>
+          </p:cNvPr>
+          <p:cNvSpPr txBox="1"/>
+          <p:nvPr/>
+        </p:nvSpPr>
+        <p:spPr>
+          <a:xfrm>
+            <a:off x="1733550" y="5196079"/>
+            <a:ext cx="3225800" cy="923330"/>
+          </a:xfrm>
+          <a:prstGeom prst="rect">
+            <a:avLst/>
+          </a:prstGeom>
+          <a:noFill/>
+          <a:ln>
+            <a:solidFill>
+              <a:schemeClr val="accent1"/>
+            </a:solidFill>
+          </a:ln>
+        </p:spPr>
+        <p:txBody>
+          <a:bodyPr wrap="square" rtlCol="0">
+            <a:spAutoFit/>
+          </a:bodyPr>
+          <a:lstStyle/>
+          <a:p>
+            <a:r>
+              <a:rPr lang="en-US" dirty="0">
+                <a:latin typeface="Comic Sans MS" panose="030F0702030302020204" pitchFamily="66" charset="0"/>
+              </a:rPr>
+              <a:t>Why is reciprocity important to us computationally?</a:t>
             </a:r>
           </a:p>
         </p:txBody>
@@ -8581,13 +8532,6 @@
   <p:clrMapOvr>
     <a:masterClrMapping/>
   </p:clrMapOvr>
-  <p:timing>
-    <p:tnLst>
-      <p:par>
-        <p:cTn id="1" dur="indefinite" restart="never" nodeType="tmRoot"/>
-      </p:par>
-    </p:tnLst>
-  </p:timing>
 </p:sld>
 </file>
 
@@ -8624,18 +8568,9 @@
           <a:lstStyle/>
           <a:p>
             <a:r>
-              <a:rPr lang="en-US" dirty="0" smtClean="0"/>
-              <a:t>Computing Pixel </a:t>
-            </a:r>
-            <a:r>
-              <a:rPr lang="en-US" dirty="0"/>
-              <a:t>C</a:t>
-            </a:r>
-            <a:r>
-              <a:rPr lang="en-US" dirty="0" smtClean="0"/>
-              <a:t>oordinates</a:t>
-            </a:r>
-            <a:endParaRPr lang="en-US" dirty="0"/>
+              <a:rPr lang="en-US" dirty="0"/>
+              <a:t>Computing Pixel Coordinates</a:t>
+            </a:r>
           </a:p>
         </p:txBody>
       </p:sp>
@@ -8687,7 +8622,7 @@
           <a:graphicData uri="http://schemas.openxmlformats.org/presentationml/2006/ole">
             <mc:AlternateContent xmlns:mc="http://schemas.openxmlformats.org/markup-compatibility/2006">
               <mc:Choice xmlns:v="urn:schemas-microsoft-com:vml" Requires="v">
-                <p:oleObj spid="_x0000_s5135" name="Equation" r:id="rId4" imgW="1384300" imgH="444500" progId="Equation.3">
+                <p:oleObj spid="_x0000_s5137" name="Equation" r:id="rId4" imgW="1384300" imgH="444500" progId="Equation.3">
                   <p:embed/>
                 </p:oleObj>
               </mc:Choice>
@@ -8732,13 +8667,6 @@
   <p:clrMapOvr>
     <a:masterClrMapping/>
   </p:clrMapOvr>
-  <p:timing>
-    <p:tnLst>
-      <p:par>
-        <p:cTn id="1" dur="indefinite" restart="never" nodeType="tmRoot"/>
-      </p:par>
-    </p:tnLst>
-  </p:timing>
 </p:sld>
 </file>
 
@@ -8775,10 +8703,9 @@
           <a:lstStyle/>
           <a:p>
             <a:r>
-              <a:rPr lang="en-US" dirty="0" smtClean="0"/>
+              <a:rPr lang="en-US" dirty="0"/>
               <a:t>What Changed?</a:t>
             </a:r>
-            <a:endParaRPr lang="en-US" dirty="0"/>
           </a:p>
         </p:txBody>
       </p:sp>
@@ -8886,14 +8813,13 @@
           <a:lstStyle/>
           <a:p>
             <a:r>
-              <a:rPr lang="en-US" smtClean="0"/>
+              <a:rPr lang="en-US"/>
               <a:t>Changing Field </a:t>
             </a:r>
             <a:r>
-              <a:rPr lang="en-US" dirty="0" smtClean="0"/>
+              <a:rPr lang="en-US" dirty="0"/>
               <a:t>of View</a:t>
             </a:r>
-            <a:endParaRPr lang="en-US" dirty="0"/>
           </a:p>
         </p:txBody>
       </p:sp>
@@ -8971,10 +8897,9 @@
           <a:lstStyle/>
           <a:p>
             <a:r>
-              <a:rPr lang="en-US" dirty="0" smtClean="0"/>
+              <a:rPr lang="en-US" dirty="0"/>
               <a:t>Code from the book…</a:t>
             </a:r>
-            <a:endParaRPr lang="en-US" dirty="0"/>
           </a:p>
         </p:txBody>
       </p:sp>
@@ -9029,26 +8954,25 @@
           <a:lstStyle/>
           <a:p>
             <a:r>
-              <a:rPr lang="en-US" dirty="0" smtClean="0"/>
+              <a:rPr lang="en-US" dirty="0"/>
               <a:t>You absolutely can use the “barebones” code…</a:t>
             </a:r>
             <a:br>
-              <a:rPr lang="en-US" dirty="0" smtClean="0"/>
+              <a:rPr lang="en-US" dirty="0"/>
             </a:br>
             <a:endParaRPr lang="en-US" dirty="0"/>
           </a:p>
           <a:p>
             <a:r>
-              <a:rPr lang="en-US" dirty="0" smtClean="0"/>
+              <a:rPr lang="en-US" dirty="0"/>
               <a:t>I haven’t done it…</a:t>
             </a:r>
+          </a:p>
+          <a:p>
             <a:endParaRPr lang="en-US" dirty="0"/>
           </a:p>
           <a:p>
             <a:endParaRPr lang="en-US" dirty="0"/>
-          </a:p>
-          <a:p>
-            <a:endParaRPr lang="en-US" dirty="0" smtClean="0"/>
           </a:p>
           <a:p>
             <a:endParaRPr lang="en-US" dirty="0"/>
@@ -9068,13 +8992,6 @@
   <p:clrMapOvr>
     <a:masterClrMapping/>
   </p:clrMapOvr>
-  <p:timing>
-    <p:tnLst>
-      <p:par>
-        <p:cTn id="1" dur="indefinite" restart="never" nodeType="tmRoot"/>
-      </p:par>
-    </p:tnLst>
-  </p:timing>
 </p:sld>
 </file>
 
@@ -9111,10 +9028,9 @@
           <a:lstStyle/>
           <a:p>
             <a:r>
-              <a:rPr lang="en-US" dirty="0" smtClean="0"/>
+              <a:rPr lang="en-US" dirty="0"/>
               <a:t>Implementation Tips</a:t>
             </a:r>
-            <a:endParaRPr lang="en-US" dirty="0"/>
           </a:p>
         </p:txBody>
       </p:sp>
@@ -9139,79 +9055,78 @@
           <a:lstStyle/>
           <a:p>
             <a:r>
-              <a:rPr lang="en-US" dirty="0" smtClean="0"/>
+              <a:rPr lang="en-US" dirty="0"/>
               <a:t>Don’t feel compelled to use the code from the book</a:t>
             </a:r>
           </a:p>
           <a:p>
             <a:pPr lvl="1"/>
             <a:r>
-              <a:rPr lang="en-US" dirty="0" smtClean="0"/>
+              <a:rPr lang="en-US" dirty="0"/>
               <a:t>It may be easier to write it yourself</a:t>
             </a:r>
           </a:p>
           <a:p>
             <a:r>
-              <a:rPr lang="en-US" dirty="0" smtClean="0"/>
+              <a:rPr lang="en-US" dirty="0"/>
               <a:t>Choose a good, easy-to-use library for vector-matrix math</a:t>
             </a:r>
           </a:p>
           <a:p>
             <a:pPr lvl="1"/>
             <a:r>
-              <a:rPr lang="en-US" dirty="0" smtClean="0"/>
+              <a:rPr lang="en-US" dirty="0"/>
               <a:t>Python and </a:t>
             </a:r>
             <a:r>
-              <a:rPr lang="en-US" dirty="0" err="1" smtClean="0"/>
+              <a:rPr lang="en-US" dirty="0" err="1"/>
               <a:t>numpy</a:t>
             </a:r>
             <a:r>
-              <a:rPr lang="en-US" dirty="0" smtClean="0"/>
+              <a:rPr lang="en-US" dirty="0"/>
               <a:t> are decent</a:t>
             </a:r>
           </a:p>
           <a:p>
             <a:pPr lvl="1"/>
             <a:r>
-              <a:rPr lang="en-US" dirty="0" smtClean="0"/>
+              <a:rPr lang="en-US" dirty="0"/>
               <a:t>…feel free to post suggestions on piazza</a:t>
             </a:r>
           </a:p>
           <a:p>
             <a:r>
-              <a:rPr lang="en-US" dirty="0" smtClean="0"/>
+              <a:rPr lang="en-US" dirty="0"/>
               <a:t>Debug using single pixel images when possible</a:t>
             </a:r>
           </a:p>
           <a:p>
             <a:r>
-              <a:rPr lang="en-US" dirty="0" smtClean="0"/>
+              <a:rPr lang="en-US" dirty="0"/>
               <a:t>Use test-driven development</a:t>
             </a:r>
           </a:p>
           <a:p>
             <a:pPr lvl="1"/>
             <a:r>
-              <a:rPr lang="en-US" dirty="0" smtClean="0"/>
+              <a:rPr lang="en-US" dirty="0"/>
               <a:t>As you incrementally add functions…</a:t>
             </a:r>
           </a:p>
           <a:p>
             <a:pPr lvl="1"/>
             <a:r>
-              <a:rPr lang="en-US" dirty="0" smtClean="0"/>
+              <a:rPr lang="en-US" dirty="0"/>
               <a:t>…write test </a:t>
             </a:r>
             <a:r>
-              <a:rPr lang="en-US" dirty="0" err="1" smtClean="0"/>
+              <a:rPr lang="en-US" dirty="0" err="1"/>
               <a:t>executables</a:t>
             </a:r>
             <a:r>
-              <a:rPr lang="en-US" dirty="0" smtClean="0"/>
+              <a:rPr lang="en-US" dirty="0"/>
               <a:t> for all major functions </a:t>
             </a:r>
-            <a:endParaRPr lang="en-US" dirty="0"/>
           </a:p>
         </p:txBody>
       </p:sp>
@@ -9268,10 +9183,9 @@
           <a:lstStyle/>
           <a:p>
             <a:r>
-              <a:rPr lang="en-US" dirty="0" smtClean="0"/>
+              <a:rPr lang="en-US" dirty="0"/>
               <a:t>Ray Tracing</a:t>
             </a:r>
-            <a:endParaRPr lang="en-US" dirty="0"/>
           </a:p>
         </p:txBody>
       </p:sp>
@@ -9322,18 +9236,17 @@
           <a:lstStyle/>
           <a:p>
             <a:r>
-              <a:rPr lang="en-US" dirty="0" smtClean="0"/>
+              <a:rPr lang="en-US" dirty="0"/>
               <a:t>Figure from </a:t>
             </a:r>
             <a:r>
-              <a:rPr lang="en-US" i="1" dirty="0" smtClean="0"/>
+              <a:rPr lang="en-US" i="1" dirty="0"/>
               <a:t>Ray Tracing from the Ground Up </a:t>
             </a:r>
             <a:r>
-              <a:rPr lang="en-US" dirty="0" smtClean="0"/>
+              <a:rPr lang="en-US" dirty="0"/>
               <a:t>by Kevin Suffern</a:t>
             </a:r>
-            <a:endParaRPr lang="en-US" dirty="0"/>
           </a:p>
         </p:txBody>
       </p:sp>
@@ -9347,13 +9260,6 @@
   <p:clrMapOvr>
     <a:masterClrMapping/>
   </p:clrMapOvr>
-  <p:timing>
-    <p:tnLst>
-      <p:par>
-        <p:cTn id="1" dur="indefinite" restart="never" nodeType="tmRoot"/>
-      </p:par>
-    </p:tnLst>
-  </p:timing>
 </p:sld>
 </file>
 
@@ -9390,10 +9296,9 @@
           <a:lstStyle/>
           <a:p>
             <a:r>
-              <a:rPr lang="en-US" dirty="0" smtClean="0"/>
+              <a:rPr lang="en-US" dirty="0"/>
               <a:t>Resolution</a:t>
             </a:r>
-            <a:endParaRPr lang="en-US" dirty="0"/>
           </a:p>
         </p:txBody>
       </p:sp>
@@ -9510,10 +9415,9 @@
           <a:lstStyle/>
           <a:p>
             <a:r>
-              <a:rPr lang="en-US" dirty="0" smtClean="0"/>
+              <a:rPr lang="en-US" dirty="0"/>
               <a:t>Ray Tracing – basic algorithm</a:t>
             </a:r>
-            <a:endParaRPr lang="en-US" dirty="0"/>
           </a:p>
         </p:txBody>
       </p:sp>
@@ -9544,7 +9448,7 @@
               <a:buAutoNum type="arabicPeriod"/>
             </a:pPr>
             <a:r>
-              <a:rPr lang="en-US" sz="2000" dirty="0" smtClean="0"/>
+              <a:rPr lang="en-US" sz="2000" dirty="0"/>
               <a:t>define some objects</a:t>
             </a:r>
           </a:p>
@@ -9554,7 +9458,7 @@
               <a:buAutoNum type="arabicPeriod"/>
             </a:pPr>
             <a:r>
-              <a:rPr lang="en-US" sz="2000" dirty="0" smtClean="0"/>
+              <a:rPr lang="en-US" sz="2000" dirty="0"/>
               <a:t>specify a material for each object</a:t>
             </a:r>
           </a:p>
@@ -9564,7 +9468,7 @@
               <a:buAutoNum type="arabicPeriod"/>
             </a:pPr>
             <a:r>
-              <a:rPr lang="en-US" sz="2000" dirty="0" smtClean="0"/>
+              <a:rPr lang="en-US" sz="2000" dirty="0"/>
               <a:t>define some light sources</a:t>
             </a:r>
           </a:p>
@@ -9574,13 +9478,13 @@
               <a:buAutoNum type="arabicPeriod"/>
             </a:pPr>
             <a:r>
-              <a:rPr lang="en-US" sz="2000" dirty="0" smtClean="0"/>
+              <a:rPr lang="en-US" sz="2000" dirty="0"/>
               <a:t>define window that consists of a grid of pixels (the view plane)</a:t>
             </a:r>
             <a:br>
-              <a:rPr lang="en-US" sz="2000" dirty="0" smtClean="0"/>
+              <a:rPr lang="en-US" sz="2000" dirty="0"/>
             </a:br>
-            <a:endParaRPr lang="en-US" sz="2000" dirty="0" smtClean="0"/>
+            <a:endParaRPr lang="en-US" sz="2000" dirty="0"/>
           </a:p>
           <a:p>
             <a:pPr marL="342900" indent="-342900">
@@ -9588,7 +9492,7 @@
               <a:buAutoNum type="arabicPeriod"/>
             </a:pPr>
             <a:r>
-              <a:rPr lang="en-US" sz="2000" dirty="0" smtClean="0"/>
+              <a:rPr lang="en-US" sz="2000" dirty="0"/>
               <a:t>for each pixel</a:t>
             </a:r>
           </a:p>
@@ -9599,16 +9503,12 @@
             </a:pPr>
             <a:r>
               <a:rPr lang="en-US" sz="2000" dirty="0"/>
-              <a:t>	</a:t>
-            </a:r>
-            <a:r>
-              <a:rPr lang="en-US" sz="2000" dirty="0" smtClean="0"/>
-              <a:t>	shoot a ray into the model world</a:t>
+              <a:t>		shoot a ray into the model world</a:t>
             </a:r>
             <a:br>
-              <a:rPr lang="en-US" sz="2000" dirty="0" smtClean="0"/>
+              <a:rPr lang="en-US" sz="2000" dirty="0"/>
             </a:br>
-            <a:endParaRPr lang="en-US" sz="2000" dirty="0" smtClean="0"/>
+            <a:endParaRPr lang="en-US" sz="2000" dirty="0"/>
           </a:p>
           <a:p>
             <a:pPr marL="342900" indent="-342900">
@@ -9617,16 +9517,12 @@
             </a:pPr>
             <a:r>
               <a:rPr lang="en-US" sz="2000" dirty="0"/>
-              <a:t> </a:t>
-            </a:r>
-            <a:r>
-              <a:rPr lang="en-US" sz="2000" dirty="0" smtClean="0"/>
-              <a:t>       compute the intersection of the ray with each object</a:t>
+              <a:t>        compute the intersection of the ray with each object</a:t>
             </a:r>
             <a:br>
-              <a:rPr lang="en-US" sz="2000" dirty="0" smtClean="0"/>
+              <a:rPr lang="en-US" sz="2000" dirty="0"/>
             </a:br>
-            <a:endParaRPr lang="en-US" sz="2000" dirty="0" smtClean="0"/>
+            <a:endParaRPr lang="en-US" sz="2000" dirty="0"/>
           </a:p>
           <a:p>
             <a:pPr marL="342900" indent="-342900">
@@ -9635,16 +9531,12 @@
             </a:pPr>
             <a:r>
               <a:rPr lang="en-US" sz="2000" dirty="0"/>
-              <a:t> </a:t>
-            </a:r>
-            <a:r>
-              <a:rPr lang="en-US" sz="2000" dirty="0" smtClean="0"/>
-              <a:t>      	find the intersection (if any) closest to the view plane</a:t>
+              <a:t>       	find the intersection (if any) closest to the view plane</a:t>
             </a:r>
             <a:br>
-              <a:rPr lang="en-US" sz="2000" dirty="0" smtClean="0"/>
+              <a:rPr lang="en-US" sz="2000" dirty="0"/>
             </a:br>
-            <a:endParaRPr lang="en-US" sz="2000" dirty="0" smtClean="0"/>
+            <a:endParaRPr lang="en-US" sz="2000" dirty="0"/>
           </a:p>
           <a:p>
             <a:pPr marL="342900" indent="-342900">
@@ -9653,11 +9545,7 @@
             </a:pPr>
             <a:r>
               <a:rPr lang="en-US" sz="2000" dirty="0"/>
-              <a:t> </a:t>
-            </a:r>
-            <a:r>
-              <a:rPr lang="en-US" sz="2000" dirty="0" smtClean="0"/>
-              <a:t>        if there was an intersection</a:t>
+              <a:t>         if there was an intersection</a:t>
             </a:r>
           </a:p>
           <a:p>
@@ -9667,11 +9555,7 @@
             </a:pPr>
             <a:r>
               <a:rPr lang="en-US" sz="2000" dirty="0"/>
-              <a:t>	</a:t>
-            </a:r>
-            <a:r>
-              <a:rPr lang="en-US" sz="2000" dirty="0" smtClean="0"/>
-              <a:t> 	  use lights and material to compute the pixel color</a:t>
+              <a:t>	 	         use lights and material to compute the pixel color</a:t>
             </a:r>
           </a:p>
           <a:p>
@@ -9680,16 +9564,8 @@
               <a:buAutoNum type="arabicPeriod"/>
             </a:pPr>
             <a:r>
-              <a:rPr lang="en-US" sz="2000" dirty="0" smtClean="0"/>
-              <a:t>     </a:t>
-            </a:r>
-            <a:r>
               <a:rPr lang="en-US" sz="2000" dirty="0"/>
-              <a:t>	</a:t>
-            </a:r>
-            <a:r>
-              <a:rPr lang="en-US" sz="2000" dirty="0" smtClean="0"/>
-              <a:t>else</a:t>
+              <a:t>     	else</a:t>
             </a:r>
           </a:p>
           <a:p>
@@ -9698,7 +9574,7 @@
               <a:buAutoNum type="arabicPeriod"/>
             </a:pPr>
             <a:r>
-              <a:rPr lang="en-US" sz="2000" dirty="0" smtClean="0"/>
+              <a:rPr lang="en-US" sz="2000" dirty="0"/>
               <a:t>                 pixel is set to background color</a:t>
             </a:r>
           </a:p>
@@ -9714,13 +9590,6 @@
   <p:clrMapOvr>
     <a:masterClrMapping/>
   </p:clrMapOvr>
-  <p:timing>
-    <p:tnLst>
-      <p:par>
-        <p:cTn id="1" dur="indefinite" restart="never" nodeType="tmRoot"/>
-      </p:par>
-    </p:tnLst>
-  </p:timing>
 </p:sld>
 </file>
 
@@ -9759,18 +9628,17 @@
           <a:lstStyle/>
           <a:p>
             <a:r>
-              <a:rPr lang="en-US" dirty="0" smtClean="0"/>
+              <a:rPr lang="en-US" dirty="0"/>
               <a:t>How Does Ray Tracing Differ from </a:t>
             </a:r>
             <a:r>
-              <a:rPr lang="en-US" dirty="0" err="1" smtClean="0"/>
+              <a:rPr lang="en-US" dirty="0" err="1"/>
               <a:t>Rasterization</a:t>
             </a:r>
             <a:r>
-              <a:rPr lang="en-US" dirty="0" smtClean="0"/>
+              <a:rPr lang="en-US" dirty="0"/>
               <a:t>?</a:t>
             </a:r>
-            <a:endParaRPr lang="en-US" dirty="0"/>
           </a:p>
         </p:txBody>
       </p:sp>
@@ -9806,13 +9674,6 @@
   <p:clrMapOvr>
     <a:masterClrMapping/>
   </p:clrMapOvr>
-  <p:timing>
-    <p:tnLst>
-      <p:par>
-        <p:cTn id="1" dur="indefinite" restart="never" nodeType="tmRoot"/>
-      </p:par>
-    </p:tnLst>
-  </p:timing>
 </p:sld>
 </file>
 
@@ -9851,18 +9712,17 @@
           <a:lstStyle/>
           <a:p>
             <a:r>
-              <a:rPr lang="en-US" dirty="0" smtClean="0"/>
+              <a:rPr lang="en-US" dirty="0"/>
               <a:t>How Does Ray Tracing Differ from </a:t>
             </a:r>
             <a:r>
-              <a:rPr lang="en-US" dirty="0" err="1" smtClean="0"/>
+              <a:rPr lang="en-US" dirty="0" err="1"/>
               <a:t>Rasterization</a:t>
             </a:r>
             <a:r>
-              <a:rPr lang="en-US" dirty="0" smtClean="0"/>
+              <a:rPr lang="en-US" dirty="0"/>
               <a:t>?</a:t>
             </a:r>
-            <a:endParaRPr lang="en-US" dirty="0"/>
           </a:p>
         </p:txBody>
       </p:sp>
@@ -9913,18 +9773,17 @@
           <a:lstStyle/>
           <a:p>
             <a:r>
-              <a:rPr lang="en-US" dirty="0" smtClean="0"/>
+              <a:rPr lang="en-US" dirty="0"/>
               <a:t>Slide from </a:t>
             </a:r>
             <a:r>
-              <a:rPr lang="en-US" i="1" dirty="0" smtClean="0"/>
+              <a:rPr lang="en-US" i="1" dirty="0"/>
               <a:t>CS348b: Image Synthesis </a:t>
             </a:r>
             <a:r>
-              <a:rPr lang="en-US" dirty="0" smtClean="0"/>
+              <a:rPr lang="en-US" dirty="0"/>
               <a:t>by Matt Pharr</a:t>
             </a:r>
-            <a:endParaRPr lang="en-US" dirty="0"/>
           </a:p>
         </p:txBody>
       </p:sp>
@@ -9938,13 +9797,6 @@
   <p:clrMapOvr>
     <a:masterClrMapping/>
   </p:clrMapOvr>
-  <p:timing>
-    <p:tnLst>
-      <p:par>
-        <p:cTn id="1" dur="indefinite" restart="never" nodeType="tmRoot"/>
-      </p:par>
-    </p:tnLst>
-  </p:timing>
 </p:sld>
 </file>
 
@@ -9981,10 +9833,9 @@
           <a:lstStyle/>
           <a:p>
             <a:r>
-              <a:rPr lang="en-US" dirty="0" smtClean="0"/>
+              <a:rPr lang="en-US" dirty="0"/>
               <a:t>Well…actually we’re ray-casting</a:t>
             </a:r>
-            <a:endParaRPr lang="en-US" dirty="0"/>
           </a:p>
         </p:txBody>
       </p:sp>
@@ -10009,59 +9860,58 @@
           <a:lstStyle/>
           <a:p>
             <a:r>
-              <a:rPr lang="en-US" dirty="0" smtClean="0"/>
+              <a:rPr lang="en-US" dirty="0"/>
               <a:t>We can also cast some other rays to achieve other effects</a:t>
             </a:r>
           </a:p>
           <a:p>
             <a:pPr lvl="1"/>
             <a:r>
-              <a:rPr lang="en-US" dirty="0" smtClean="0"/>
+              <a:rPr lang="en-US" dirty="0"/>
               <a:t>That’s when we are able to say we ray-tracing</a:t>
             </a:r>
           </a:p>
           <a:p>
             <a:r>
-              <a:rPr lang="en-US" dirty="0" smtClean="0"/>
+              <a:rPr lang="en-US" dirty="0"/>
               <a:t>Types of rays:</a:t>
             </a:r>
           </a:p>
           <a:p>
             <a:pPr lvl="1"/>
             <a:r>
-              <a:rPr lang="en-US" dirty="0" smtClean="0"/>
+              <a:rPr lang="en-US" dirty="0"/>
               <a:t>Primary rays – rays shot from pixel (or </a:t>
             </a:r>
             <a:r>
-              <a:rPr lang="en-US" dirty="0" err="1" smtClean="0"/>
+              <a:rPr lang="en-US" dirty="0" err="1"/>
               <a:t>eyepoint</a:t>
             </a:r>
             <a:r>
-              <a:rPr lang="en-US" dirty="0" smtClean="0"/>
+              <a:rPr lang="en-US" dirty="0"/>
               <a:t>) into the world </a:t>
             </a:r>
           </a:p>
           <a:p>
             <a:pPr lvl="1"/>
             <a:r>
-              <a:rPr lang="en-US" dirty="0" smtClean="0"/>
+              <a:rPr lang="en-US" dirty="0"/>
               <a:t>Secondary rays</a:t>
             </a:r>
           </a:p>
           <a:p>
             <a:pPr lvl="1"/>
             <a:r>
-              <a:rPr lang="en-US" dirty="0" smtClean="0"/>
+              <a:rPr lang="en-US" dirty="0"/>
               <a:t>Shadow rays</a:t>
             </a:r>
           </a:p>
           <a:p>
             <a:pPr lvl="1"/>
             <a:r>
-              <a:rPr lang="en-US" dirty="0" smtClean="0"/>
+              <a:rPr lang="en-US" dirty="0"/>
               <a:t>Light rays</a:t>
             </a:r>
-            <a:endParaRPr lang="en-US" dirty="0"/>
           </a:p>
         </p:txBody>
       </p:sp>
@@ -10075,13 +9925,6 @@
   <p:clrMapOvr>
     <a:masterClrMapping/>
   </p:clrMapOvr>
-  <p:timing>
-    <p:tnLst>
-      <p:par>
-        <p:cTn id="1" dur="indefinite" restart="never" nodeType="tmRoot"/>
-      </p:par>
-    </p:tnLst>
-  </p:timing>
 </p:sld>
 </file>
 
@@ -10118,10 +9961,9 @@
           <a:lstStyle/>
           <a:p>
             <a:r>
-              <a:rPr lang="en-US" dirty="0" smtClean="0"/>
+              <a:rPr lang="en-US" dirty="0"/>
               <a:t>Orthographic ray-tracing</a:t>
             </a:r>
-            <a:endParaRPr lang="en-US" dirty="0"/>
           </a:p>
         </p:txBody>
       </p:sp>
@@ -10148,18 +9990,17 @@
           <a:lstStyle/>
           <a:p>
             <a:r>
-              <a:rPr lang="en-US" dirty="0" smtClean="0"/>
+              <a:rPr lang="en-US" dirty="0"/>
               <a:t>Figure from </a:t>
             </a:r>
             <a:r>
-              <a:rPr lang="en-US" i="1" dirty="0" smtClean="0"/>
+              <a:rPr lang="en-US" i="1" dirty="0"/>
               <a:t>Ray Tracing from the Ground Up </a:t>
             </a:r>
             <a:r>
-              <a:rPr lang="en-US" dirty="0" smtClean="0"/>
+              <a:rPr lang="en-US" dirty="0"/>
               <a:t>by Kevin Suffern</a:t>
             </a:r>
-            <a:endParaRPr lang="en-US" dirty="0"/>
           </a:p>
         </p:txBody>
       </p:sp>
@@ -10203,13 +10044,6 @@
   <p:clrMapOvr>
     <a:masterClrMapping/>
   </p:clrMapOvr>
-  <p:timing>
-    <p:tnLst>
-      <p:par>
-        <p:cTn id="1" dur="indefinite" restart="never" nodeType="tmRoot"/>
-      </p:par>
-    </p:tnLst>
-  </p:timing>
 </p:sld>
 </file>
 

--- a/Lecture-2-Ray Tracing.pptx
+++ b/Lecture-2-Ray Tracing.pptx
@@ -5,7 +5,7 @@
     <p:sldMasterId id="2147483660" r:id="rId1"/>
   </p:sldMasterIdLst>
   <p:notesMasterIdLst>
-    <p:notesMasterId r:id="rId26"/>
+    <p:notesMasterId r:id="rId28"/>
   </p:notesMasterIdLst>
   <p:sldIdLst>
     <p:sldId id="285" r:id="rId2"/>
@@ -26,12 +26,14 @@
     <p:sldId id="394" r:id="rId17"/>
     <p:sldId id="393" r:id="rId18"/>
     <p:sldId id="400" r:id="rId19"/>
-    <p:sldId id="401" r:id="rId20"/>
-    <p:sldId id="389" r:id="rId21"/>
-    <p:sldId id="402" r:id="rId22"/>
-    <p:sldId id="403" r:id="rId23"/>
-    <p:sldId id="386" r:id="rId24"/>
-    <p:sldId id="395" r:id="rId25"/>
+    <p:sldId id="405" r:id="rId20"/>
+    <p:sldId id="401" r:id="rId21"/>
+    <p:sldId id="404" r:id="rId22"/>
+    <p:sldId id="389" r:id="rId23"/>
+    <p:sldId id="402" r:id="rId24"/>
+    <p:sldId id="403" r:id="rId25"/>
+    <p:sldId id="386" r:id="rId26"/>
+    <p:sldId id="395" r:id="rId27"/>
   </p:sldIdLst>
   <p:sldSz cx="9144000" cy="6858000" type="screen4x3"/>
   <p:notesSz cx="6858000" cy="9144000"/>
@@ -231,7 +233,7 @@
           <a:p>
             <a:fld id="{FFC671DE-B974-1645-9773-8DE72E573319}" type="datetimeFigureOut">
               <a:rPr lang="en-US" smtClean="0"/>
-              <a:t>8/29/2018</a:t>
+              <a:t>9/5/2018</a:t>
             </a:fld>
             <a:endParaRPr lang="en-US"/>
           </a:p>
@@ -1307,7 +1309,7 @@
           <a:p>
             <a:fld id="{15BAAE7D-7912-B445-AAA7-9E6395770C35}" type="datetimeFigureOut">
               <a:rPr lang="en-US" smtClean="0"/>
-              <a:t>8/29/2018</a:t>
+              <a:t>9/5/2018</a:t>
             </a:fld>
             <a:endParaRPr lang="en-US"/>
           </a:p>
@@ -1592,7 +1594,7 @@
           <a:p>
             <a:fld id="{15BAAE7D-7912-B445-AAA7-9E6395770C35}" type="datetimeFigureOut">
               <a:rPr lang="en-US" smtClean="0"/>
-              <a:t>8/29/2018</a:t>
+              <a:t>9/5/2018</a:t>
             </a:fld>
             <a:endParaRPr lang="en-US"/>
           </a:p>
@@ -1889,7 +1891,7 @@
           <a:p>
             <a:fld id="{15BAAE7D-7912-B445-AAA7-9E6395770C35}" type="datetimeFigureOut">
               <a:rPr lang="en-US" smtClean="0"/>
-              <a:t>8/29/2018</a:t>
+              <a:t>9/5/2018</a:t>
             </a:fld>
             <a:endParaRPr lang="en-US"/>
           </a:p>
@@ -2221,7 +2223,7 @@
           <a:p>
             <a:fld id="{15BAAE7D-7912-B445-AAA7-9E6395770C35}" type="datetimeFigureOut">
               <a:rPr lang="en-US" smtClean="0"/>
-              <a:t>8/29/2018</a:t>
+              <a:t>9/5/2018</a:t>
             </a:fld>
             <a:endParaRPr lang="en-US"/>
           </a:p>
@@ -2480,7 +2482,7 @@
           <a:p>
             <a:fld id="{15BAAE7D-7912-B445-AAA7-9E6395770C35}" type="datetimeFigureOut">
               <a:rPr lang="en-US" smtClean="0"/>
-              <a:t>8/29/2018</a:t>
+              <a:t>9/5/2018</a:t>
             </a:fld>
             <a:endParaRPr lang="en-US"/>
           </a:p>
@@ -2667,7 +2669,7 @@
           <a:p>
             <a:fld id="{15BAAE7D-7912-B445-AAA7-9E6395770C35}" type="datetimeFigureOut">
               <a:rPr lang="en-US" smtClean="0"/>
-              <a:t>8/29/2018</a:t>
+              <a:t>9/5/2018</a:t>
             </a:fld>
             <a:endParaRPr lang="en-US"/>
           </a:p>
@@ -4376,7 +4378,7 @@
           <a:p>
             <a:fld id="{15BAAE7D-7912-B445-AAA7-9E6395770C35}" type="datetimeFigureOut">
               <a:rPr lang="en-US" smtClean="0"/>
-              <a:t>8/29/2018</a:t>
+              <a:t>9/5/2018</a:t>
             </a:fld>
             <a:endParaRPr lang="en-US"/>
           </a:p>
@@ -4474,7 +4476,7 @@
           <a:p>
             <a:fld id="{15BAAE7D-7912-B445-AAA7-9E6395770C35}" type="datetimeFigureOut">
               <a:rPr lang="en-US" smtClean="0"/>
-              <a:t>8/29/2018</a:t>
+              <a:t>9/5/2018</a:t>
             </a:fld>
             <a:endParaRPr lang="en-US"/>
           </a:p>
@@ -4814,7 +4816,7 @@
           <a:p>
             <a:fld id="{15BAAE7D-7912-B445-AAA7-9E6395770C35}" type="datetimeFigureOut">
               <a:rPr lang="en-US" smtClean="0"/>
-              <a:t>8/29/2018</a:t>
+              <a:t>9/5/2018</a:t>
             </a:fld>
             <a:endParaRPr lang="en-US"/>
           </a:p>
@@ -5948,7 +5950,7 @@
           <a:graphicData uri="http://schemas.openxmlformats.org/presentationml/2006/ole">
             <mc:AlternateContent xmlns:mc="http://schemas.openxmlformats.org/markup-compatibility/2006">
               <mc:Choice xmlns:v="urn:schemas-microsoft-com:vml" Requires="v">
-                <p:oleObj spid="_x0000_s1043" name="Equation" r:id="rId3" imgW="609600" imgH="393700" progId="Equation.3">
+                <p:oleObj spid="_x0000_s1045" name="Equation" r:id="rId3" imgW="609600" imgH="393700" progId="Equation.3">
                   <p:embed/>
                 </p:oleObj>
               </mc:Choice>
@@ -6137,7 +6139,7 @@
           <a:graphicData uri="http://schemas.openxmlformats.org/presentationml/2006/ole">
             <mc:AlternateContent xmlns:mc="http://schemas.openxmlformats.org/markup-compatibility/2006">
               <mc:Choice xmlns:v="urn:schemas-microsoft-com:vml" Requires="v">
-                <p:oleObj spid="_x0000_s2067" name="Equation" r:id="rId3" imgW="800100" imgH="660400" progId="Equation.3">
+                <p:oleObj spid="_x0000_s2069" name="Equation" r:id="rId3" imgW="800100" imgH="660400" progId="Equation.3">
                   <p:embed/>
                 </p:oleObj>
               </mc:Choice>
@@ -6315,7 +6317,7 @@
           <a:graphicData uri="http://schemas.openxmlformats.org/presentationml/2006/ole">
             <mc:AlternateContent xmlns:mc="http://schemas.openxmlformats.org/markup-compatibility/2006">
               <mc:Choice xmlns:v="urn:schemas-microsoft-com:vml" Requires="v">
-                <p:oleObj spid="_x0000_s6157" name="Equation" r:id="rId3" imgW="1270000" imgH="419100" progId="Equation.3">
+                <p:oleObj spid="_x0000_s6159" name="Equation" r:id="rId3" imgW="1270000" imgH="419100" progId="Equation.3">
                   <p:embed/>
                 </p:oleObj>
               </mc:Choice>
@@ -6522,7 +6524,7 @@
           <a:graphicData uri="http://schemas.openxmlformats.org/presentationml/2006/ole">
             <mc:AlternateContent xmlns:mc="http://schemas.openxmlformats.org/markup-compatibility/2006">
               <mc:Choice xmlns:v="urn:schemas-microsoft-com:vml" Requires="v">
-                <p:oleObj spid="_x0000_s3090" name="Equation" r:id="rId3" imgW="1371600" imgH="660400" progId="Equation.3">
+                <p:oleObj spid="_x0000_s3092" name="Equation" r:id="rId3" imgW="1371600" imgH="660400" progId="Equation.3">
                   <p:embed/>
                 </p:oleObj>
               </mc:Choice>
@@ -6699,7 +6701,7 @@
           <a:graphicData uri="http://schemas.openxmlformats.org/presentationml/2006/ole">
             <mc:AlternateContent xmlns:mc="http://schemas.openxmlformats.org/markup-compatibility/2006">
               <mc:Choice xmlns:v="urn:schemas-microsoft-com:vml" Requires="v">
-                <p:oleObj spid="_x0000_s4113" name="Equation" r:id="rId3" imgW="2908300" imgH="927100" progId="Equation.3">
+                <p:oleObj spid="_x0000_s4115" name="Equation" r:id="rId3" imgW="2908300" imgH="927100" progId="Equation.3">
                   <p:embed/>
                 </p:oleObj>
               </mc:Choice>
@@ -7114,12 +7116,8 @@
           <a:lstStyle/>
           <a:p>
             <a:r>
-              <a:rPr lang="en-US" dirty="0" err="1"/>
-              <a:t>Barycentric</a:t>
-            </a:r>
-            <a:r>
-              <a:rPr lang="en-US" dirty="0"/>
-              <a:t> Coordinates for Triangles</a:t>
+              <a:rPr lang="en-US" dirty="0"/>
+              <a:t>Barycentric Coordinates for Triangles </a:t>
             </a:r>
           </a:p>
         </p:txBody>
@@ -7504,7 +7502,13 @@
       </p:grpSpPr>
       <p:sp>
         <p:nvSpPr>
-          <p:cNvPr id="2" name="Title 1"/>
+          <p:cNvPr id="2" name="Title 1">
+            <a:extLst>
+              <a:ext uri="{FF2B5EF4-FFF2-40B4-BE49-F238E27FC236}">
+                <a16:creationId xmlns:a16="http://schemas.microsoft.com/office/drawing/2014/main" id="{3986EDA6-B2AD-442B-8AA2-644DC9D7B090}"/>
+              </a:ext>
+            </a:extLst>
+          </p:cNvPr>
           <p:cNvSpPr>
             <a:spLocks noGrp="1"/>
           </p:cNvSpPr>
@@ -7520,866 +7524,90 @@
           <a:lstStyle/>
           <a:p>
             <a:r>
-              <a:rPr lang="en-US" dirty="0" err="1"/>
-              <a:t>Barycentric</a:t>
-            </a:r>
-            <a:r>
-              <a:rPr lang="en-US" dirty="0"/>
-              <a:t> Coordinates for Triangles</a:t>
-            </a:r>
-          </a:p>
-        </p:txBody>
-      </p:sp>
-      <p:sp>
-        <p:nvSpPr>
-          <p:cNvPr id="9" name="Isosceles Triangle 8"/>
-          <p:cNvSpPr/>
+              <a:rPr lang="en-US" dirty="0"/>
+              <a:t>Barycentric Coordinates for Triangles</a:t>
+            </a:r>
+          </a:p>
+        </p:txBody>
+      </p:sp>
+      <p:sp>
+        <p:nvSpPr>
+          <p:cNvPr id="3" name="Content Placeholder 2">
+            <a:extLst>
+              <a:ext uri="{FF2B5EF4-FFF2-40B4-BE49-F238E27FC236}">
+                <a16:creationId xmlns:a16="http://schemas.microsoft.com/office/drawing/2014/main" id="{E02377E3-541B-4057-9357-C80F66C06B33}"/>
+              </a:ext>
+            </a:extLst>
+          </p:cNvPr>
+          <p:cNvSpPr>
+            <a:spLocks noGrp="1"/>
+          </p:cNvSpPr>
+          <p:nvPr>
+            <p:ph idx="1"/>
+          </p:nvPr>
+        </p:nvSpPr>
+        <p:spPr>
+          <a:xfrm>
+            <a:off x="1114424" y="5461000"/>
+            <a:ext cx="7610476" cy="805329"/>
+          </a:xfrm>
+        </p:spPr>
+        <p:txBody>
+          <a:bodyPr/>
+          <a:lstStyle/>
+          <a:p>
+            <a:pPr marL="0" indent="0">
+              <a:buNone/>
+            </a:pPr>
+            <a:r>
+              <a:rPr lang="en-US" dirty="0"/>
+              <a:t>From Real-Time Rendering, 4</a:t>
+            </a:r>
+            <a:r>
+              <a:rPr lang="en-US" baseline="30000" dirty="0"/>
+              <a:t>th</a:t>
+            </a:r>
+            <a:r>
+              <a:rPr lang="en-US" dirty="0"/>
+              <a:t> Edition</a:t>
+            </a:r>
+          </a:p>
+        </p:txBody>
+      </p:sp>
+      <p:pic>
+        <p:nvPicPr>
+          <p:cNvPr id="4" name="Picture 3">
+            <a:extLst>
+              <a:ext uri="{FF2B5EF4-FFF2-40B4-BE49-F238E27FC236}">
+                <a16:creationId xmlns:a16="http://schemas.microsoft.com/office/drawing/2014/main" id="{7240A9AD-3E3D-4860-B606-98097B919AEE}"/>
+              </a:ext>
+            </a:extLst>
+          </p:cNvPr>
+          <p:cNvPicPr>
+            <a:picLocks noChangeAspect="1"/>
+          </p:cNvPicPr>
           <p:nvPr/>
-        </p:nvSpPr>
-        <p:spPr>
-          <a:xfrm>
-            <a:off x="4634221" y="3964211"/>
-            <a:ext cx="3638720" cy="2557003"/>
-          </a:xfrm>
-          <a:prstGeom prst="triangle">
-            <a:avLst/>
-          </a:prstGeom>
-          <a:noFill/>
-          <a:ln w="31750">
-            <a:solidFill>
-              <a:schemeClr val="tx1"/>
-            </a:solidFill>
-          </a:ln>
-        </p:spPr>
-        <p:style>
-          <a:lnRef idx="1">
-            <a:schemeClr val="accent1"/>
-          </a:lnRef>
-          <a:fillRef idx="3">
-            <a:schemeClr val="accent1"/>
-          </a:fillRef>
-          <a:effectRef idx="2">
-            <a:schemeClr val="accent1"/>
-          </a:effectRef>
-          <a:fontRef idx="minor">
-            <a:schemeClr val="lt1"/>
-          </a:fontRef>
-        </p:style>
-        <p:txBody>
-          <a:bodyPr rtlCol="0" anchor="ctr"/>
-          <a:lstStyle/>
-          <a:p>
-            <a:pPr algn="ctr"/>
-            <a:endParaRPr lang="en-US"/>
-          </a:p>
-        </p:txBody>
-      </p:sp>
-      <p:sp>
-        <p:nvSpPr>
-          <p:cNvPr id="10" name="TextBox 9"/>
-          <p:cNvSpPr txBox="1"/>
-          <p:nvPr/>
-        </p:nvSpPr>
-        <p:spPr>
-          <a:xfrm>
-            <a:off x="5921503" y="5328149"/>
-            <a:ext cx="411931" cy="369332"/>
+        </p:nvPicPr>
+        <p:blipFill>
+          <a:blip r:embed="rId2"/>
+          <a:stretch>
+            <a:fillRect/>
+          </a:stretch>
+        </p:blipFill>
+        <p:spPr>
+          <a:xfrm>
+            <a:off x="741017" y="2207516"/>
+            <a:ext cx="6294783" cy="3253483"/>
           </a:xfrm>
           <a:prstGeom prst="rect">
             <a:avLst/>
           </a:prstGeom>
-          <a:noFill/>
-        </p:spPr>
-        <p:txBody>
-          <a:bodyPr wrap="square" rtlCol="0">
-            <a:spAutoFit/>
-          </a:bodyPr>
-          <a:lstStyle/>
-          <a:p>
-            <a:r>
-              <a:rPr lang="en-US" dirty="0"/>
-              <a:t>p</a:t>
-            </a:r>
-          </a:p>
-        </p:txBody>
-      </p:sp>
-      <p:sp>
-        <p:nvSpPr>
-          <p:cNvPr id="11" name="TextBox 10"/>
-          <p:cNvSpPr txBox="1"/>
-          <p:nvPr/>
-        </p:nvSpPr>
-        <p:spPr>
-          <a:xfrm>
-            <a:off x="6333434" y="3594879"/>
-            <a:ext cx="446258" cy="369332"/>
-          </a:xfrm>
-          <a:prstGeom prst="rect">
-            <a:avLst/>
-          </a:prstGeom>
-          <a:noFill/>
-        </p:spPr>
-        <p:txBody>
-          <a:bodyPr wrap="square" rtlCol="0">
-            <a:spAutoFit/>
-          </a:bodyPr>
-          <a:lstStyle/>
-          <a:p>
-            <a:r>
-              <a:rPr lang="en-US" dirty="0"/>
-              <a:t>a</a:t>
-            </a:r>
-          </a:p>
-        </p:txBody>
-      </p:sp>
-      <p:sp>
-        <p:nvSpPr>
-          <p:cNvPr id="12" name="TextBox 11"/>
-          <p:cNvSpPr txBox="1"/>
-          <p:nvPr/>
-        </p:nvSpPr>
-        <p:spPr>
-          <a:xfrm>
-            <a:off x="4153636" y="6191047"/>
-            <a:ext cx="429094" cy="369332"/>
-          </a:xfrm>
-          <a:prstGeom prst="rect">
-            <a:avLst/>
-          </a:prstGeom>
-          <a:noFill/>
-        </p:spPr>
-        <p:txBody>
-          <a:bodyPr wrap="square" rtlCol="0">
-            <a:spAutoFit/>
-          </a:bodyPr>
-          <a:lstStyle/>
-          <a:p>
-            <a:r>
-              <a:rPr lang="en-US" dirty="0"/>
-              <a:t>b</a:t>
-            </a:r>
-          </a:p>
-        </p:txBody>
-      </p:sp>
-      <p:sp>
-        <p:nvSpPr>
-          <p:cNvPr id="13" name="TextBox 12"/>
-          <p:cNvSpPr txBox="1"/>
-          <p:nvPr/>
-        </p:nvSpPr>
-        <p:spPr>
-          <a:xfrm>
-            <a:off x="8272941" y="6191047"/>
-            <a:ext cx="635060" cy="369332"/>
-          </a:xfrm>
-          <a:prstGeom prst="rect">
-            <a:avLst/>
-          </a:prstGeom>
-          <a:noFill/>
-        </p:spPr>
-        <p:txBody>
-          <a:bodyPr wrap="square" rtlCol="0">
-            <a:spAutoFit/>
-          </a:bodyPr>
-          <a:lstStyle/>
-          <a:p>
-            <a:r>
-              <a:rPr lang="en-US" dirty="0"/>
-              <a:t>c</a:t>
-            </a:r>
-          </a:p>
-        </p:txBody>
-      </p:sp>
-      <p:cxnSp>
-        <p:nvCxnSpPr>
-          <p:cNvPr id="15" name="Straight Connector 14"/>
-          <p:cNvCxnSpPr/>
-          <p:nvPr/>
-        </p:nvCxnSpPr>
-        <p:spPr>
-          <a:xfrm flipH="1">
-            <a:off x="6093142" y="3964211"/>
-            <a:ext cx="377604" cy="1544498"/>
-          </a:xfrm>
-          <a:prstGeom prst="line">
-            <a:avLst/>
-          </a:prstGeom>
-        </p:spPr>
-        <p:style>
-          <a:lnRef idx="2">
-            <a:schemeClr val="accent1"/>
-          </a:lnRef>
-          <a:fillRef idx="0">
-            <a:schemeClr val="accent1"/>
-          </a:fillRef>
-          <a:effectRef idx="1">
-            <a:schemeClr val="accent1"/>
-          </a:effectRef>
-          <a:fontRef idx="minor">
-            <a:schemeClr val="tx1"/>
-          </a:fontRef>
-        </p:style>
-      </p:cxnSp>
-      <p:cxnSp>
-        <p:nvCxnSpPr>
-          <p:cNvPr id="17" name="Straight Connector 16"/>
-          <p:cNvCxnSpPr>
-            <a:stCxn id="9" idx="2"/>
-          </p:cNvCxnSpPr>
-          <p:nvPr/>
-        </p:nvCxnSpPr>
-        <p:spPr>
-          <a:xfrm flipV="1">
-            <a:off x="4634221" y="5508709"/>
-            <a:ext cx="1458921" cy="1012505"/>
-          </a:xfrm>
-          <a:prstGeom prst="line">
-            <a:avLst/>
-          </a:prstGeom>
-        </p:spPr>
-        <p:style>
-          <a:lnRef idx="2">
-            <a:schemeClr val="accent1"/>
-          </a:lnRef>
-          <a:fillRef idx="0">
-            <a:schemeClr val="accent1"/>
-          </a:fillRef>
-          <a:effectRef idx="1">
-            <a:schemeClr val="accent1"/>
-          </a:effectRef>
-          <a:fontRef idx="minor">
-            <a:schemeClr val="tx1"/>
-          </a:fontRef>
-        </p:style>
-      </p:cxnSp>
-      <p:cxnSp>
-        <p:nvCxnSpPr>
-          <p:cNvPr id="20" name="Straight Connector 19"/>
-          <p:cNvCxnSpPr>
-            <a:stCxn id="9" idx="4"/>
-          </p:cNvCxnSpPr>
-          <p:nvPr/>
-        </p:nvCxnSpPr>
-        <p:spPr>
-          <a:xfrm flipH="1" flipV="1">
-            <a:off x="6093142" y="5508709"/>
-            <a:ext cx="2179799" cy="1012505"/>
-          </a:xfrm>
-          <a:prstGeom prst="line">
-            <a:avLst/>
-          </a:prstGeom>
-        </p:spPr>
-        <p:style>
-          <a:lnRef idx="2">
-            <a:schemeClr val="accent1"/>
-          </a:lnRef>
-          <a:fillRef idx="0">
-            <a:schemeClr val="accent1"/>
-          </a:fillRef>
-          <a:effectRef idx="1">
-            <a:schemeClr val="accent1"/>
-          </a:effectRef>
-          <a:fontRef idx="minor">
-            <a:schemeClr val="tx1"/>
-          </a:fontRef>
-        </p:style>
-      </p:cxnSp>
-      <p:sp>
-        <p:nvSpPr>
-          <p:cNvPr id="23" name="TextBox 22"/>
-          <p:cNvSpPr txBox="1"/>
-          <p:nvPr/>
-        </p:nvSpPr>
-        <p:spPr>
-          <a:xfrm>
-            <a:off x="6170378" y="5139377"/>
-            <a:ext cx="1218628" cy="369332"/>
-          </a:xfrm>
-          <a:prstGeom prst="rect">
-            <a:avLst/>
-          </a:prstGeom>
-          <a:noFill/>
-        </p:spPr>
-        <p:txBody>
-          <a:bodyPr wrap="square" rtlCol="0">
-            <a:spAutoFit/>
-          </a:bodyPr>
-          <a:lstStyle/>
-          <a:p>
-            <a:r>
-              <a:rPr lang="en-US" dirty="0" err="1"/>
-              <a:t>A</a:t>
-            </a:r>
-            <a:r>
-              <a:rPr lang="en-US" baseline="-25000" dirty="0" err="1"/>
-              <a:t>cap</a:t>
-            </a:r>
-            <a:endParaRPr lang="en-US" baseline="-25000" dirty="0"/>
-          </a:p>
-        </p:txBody>
-      </p:sp>
-      <p:sp>
-        <p:nvSpPr>
-          <p:cNvPr id="24" name="TextBox 23"/>
-          <p:cNvSpPr txBox="1"/>
-          <p:nvPr/>
-        </p:nvSpPr>
-        <p:spPr>
-          <a:xfrm>
-            <a:off x="5252118" y="5324043"/>
-            <a:ext cx="1218628" cy="369332"/>
-          </a:xfrm>
-          <a:prstGeom prst="rect">
-            <a:avLst/>
-          </a:prstGeom>
-          <a:noFill/>
-        </p:spPr>
-        <p:txBody>
-          <a:bodyPr wrap="square" rtlCol="0">
-            <a:spAutoFit/>
-          </a:bodyPr>
-          <a:lstStyle/>
-          <a:p>
-            <a:r>
-              <a:rPr lang="en-US" dirty="0" err="1"/>
-              <a:t>A</a:t>
-            </a:r>
-            <a:r>
-              <a:rPr lang="en-US" baseline="-25000" dirty="0" err="1"/>
-              <a:t>bap</a:t>
-            </a:r>
-            <a:endParaRPr lang="en-US" baseline="-25000" dirty="0"/>
-          </a:p>
-        </p:txBody>
-      </p:sp>
-      <p:sp>
-        <p:nvSpPr>
-          <p:cNvPr id="25" name="TextBox 24"/>
-          <p:cNvSpPr txBox="1"/>
-          <p:nvPr/>
-        </p:nvSpPr>
-        <p:spPr>
-          <a:xfrm>
-            <a:off x="5561064" y="6002281"/>
-            <a:ext cx="1218628" cy="369332"/>
-          </a:xfrm>
-          <a:prstGeom prst="rect">
-            <a:avLst/>
-          </a:prstGeom>
-          <a:noFill/>
-        </p:spPr>
-        <p:txBody>
-          <a:bodyPr wrap="square" rtlCol="0">
-            <a:spAutoFit/>
-          </a:bodyPr>
-          <a:lstStyle/>
-          <a:p>
-            <a:r>
-              <a:rPr lang="en-US" dirty="0" err="1"/>
-              <a:t>A</a:t>
-            </a:r>
-            <a:r>
-              <a:rPr lang="en-US" baseline="-25000" dirty="0" err="1"/>
-              <a:t>cbp</a:t>
-            </a:r>
-            <a:endParaRPr lang="en-US" baseline="-25000" dirty="0"/>
-          </a:p>
-        </p:txBody>
-      </p:sp>
-      <p:sp>
-        <p:nvSpPr>
-          <p:cNvPr id="26" name="TextBox 25"/>
-          <p:cNvSpPr txBox="1"/>
-          <p:nvPr/>
-        </p:nvSpPr>
-        <p:spPr>
-          <a:xfrm>
-            <a:off x="-34327" y="4945761"/>
-            <a:ext cx="4668548" cy="1477328"/>
-          </a:xfrm>
-          <a:prstGeom prst="rect">
-            <a:avLst/>
-          </a:prstGeom>
-          <a:noFill/>
-        </p:spPr>
-        <p:txBody>
-          <a:bodyPr wrap="square" rtlCol="0">
-            <a:spAutoFit/>
-          </a:bodyPr>
-          <a:lstStyle/>
-          <a:p>
-            <a:r>
-              <a:rPr lang="en-US" dirty="0"/>
-              <a:t>Coordinates are the signed area of the </a:t>
-            </a:r>
-          </a:p>
-          <a:p>
-            <a:r>
-              <a:rPr lang="en-US" dirty="0"/>
-              <a:t>opposite </a:t>
-            </a:r>
-            <a:r>
-              <a:rPr lang="en-US" dirty="0" err="1"/>
-              <a:t>subtriangle</a:t>
-            </a:r>
-            <a:r>
-              <a:rPr lang="en-US" dirty="0"/>
-              <a:t> divided by area of the triangle</a:t>
-            </a:r>
-            <a:br>
-              <a:rPr lang="en-US" dirty="0"/>
-            </a:br>
-            <a:br>
-              <a:rPr lang="en-US" dirty="0"/>
-            </a:br>
-            <a:endParaRPr lang="en-US" dirty="0"/>
-          </a:p>
-        </p:txBody>
-      </p:sp>
-      <mc:AlternateContent xmlns:mc="http://schemas.openxmlformats.org/markup-compatibility/2006">
-        <mc:Choice xmlns:a14="http://schemas.microsoft.com/office/drawing/2010/main" Requires="a14">
-          <p:sp>
-            <p:nvSpPr>
-              <p:cNvPr id="3" name="TextBox 2"/>
-              <p:cNvSpPr txBox="1"/>
-              <p:nvPr/>
-            </p:nvSpPr>
-            <p:spPr>
-              <a:xfrm>
-                <a:off x="285008" y="2259208"/>
-                <a:ext cx="7255823" cy="2677656"/>
-              </a:xfrm>
-              <a:prstGeom prst="rect">
-                <a:avLst/>
-              </a:prstGeom>
-              <a:noFill/>
-            </p:spPr>
-            <p:txBody>
-              <a:bodyPr wrap="square" rtlCol="0">
-                <a:spAutoFit/>
-              </a:bodyPr>
-              <a:lstStyle/>
-              <a:p>
-                <a:pPr/>
-                <a:r>
-                  <a:rPr lang="en-US" dirty="0"/>
-                  <a:t>The area of triangle </a:t>
-                </a:r>
-                <a:r>
-                  <a:rPr lang="en-US" dirty="0" err="1"/>
-                  <a:t>abc</a:t>
-                </a:r>
-                <a:r>
-                  <a:rPr lang="en-US" dirty="0"/>
-                  <a:t> can be found by cross product:</a:t>
-                </a:r>
-                <a:br>
-                  <a:rPr lang="en-US" dirty="0"/>
-                </a:br>
-                <a14:m>
-                  <m:oMathPara xmlns:m="http://schemas.openxmlformats.org/officeDocument/2006/math">
-                    <m:oMathParaPr>
-                      <m:jc m:val="centerGroup"/>
-                    </m:oMathParaPr>
-                    <m:oMath xmlns:m="http://schemas.openxmlformats.org/officeDocument/2006/math">
-                      <m:sSub>
-                        <m:sSubPr>
-                          <m:ctrlPr>
-                            <a:rPr lang="en-US" i="1" smtClean="0">
-                              <a:latin typeface="Cambria Math" panose="02040503050406030204" pitchFamily="18" charset="0"/>
-                            </a:rPr>
-                          </m:ctrlPr>
-                        </m:sSubPr>
-                        <m:e>
-                          <m:r>
-                            <a:rPr lang="en-US" b="0" i="1" smtClean="0">
-                              <a:latin typeface="Cambria Math" charset="0"/>
-                            </a:rPr>
-                            <m:t>𝐴𝑅𝐸𝐴</m:t>
-                          </m:r>
-                        </m:e>
-                        <m:sub>
-                          <m:r>
-                            <a:rPr lang="en-US" b="0" i="1" smtClean="0">
-                              <a:latin typeface="Cambria Math" charset="0"/>
-                            </a:rPr>
-                            <m:t>𝑎𝑏𝑐</m:t>
-                          </m:r>
-                        </m:sub>
-                      </m:sSub>
-                      <m:r>
-                        <a:rPr lang="en-US" b="0" i="1" smtClean="0">
-                          <a:latin typeface="Cambria Math" charset="0"/>
-                        </a:rPr>
-                        <m:t>=</m:t>
-                      </m:r>
-                      <m:d>
-                        <m:dPr>
-                          <m:begChr m:val="‖"/>
-                          <m:endChr m:val="‖"/>
-                          <m:ctrlPr>
-                            <a:rPr lang="en-US" b="0" i="1" smtClean="0">
-                              <a:latin typeface="Cambria Math" panose="02040503050406030204" pitchFamily="18" charset="0"/>
-                            </a:rPr>
-                          </m:ctrlPr>
-                        </m:dPr>
-                        <m:e>
-                          <m:r>
-                            <a:rPr lang="en-US" b="0" i="1" smtClean="0">
-                              <a:latin typeface="Cambria Math" charset="0"/>
-                            </a:rPr>
-                            <m:t>(</m:t>
-                          </m:r>
-                          <m:r>
-                            <a:rPr lang="en-US" b="0" i="1" smtClean="0">
-                              <a:latin typeface="Cambria Math" charset="0"/>
-                            </a:rPr>
-                            <m:t>𝑏</m:t>
-                          </m:r>
-                          <m:r>
-                            <a:rPr lang="en-US" b="0" i="1" smtClean="0">
-                              <a:latin typeface="Cambria Math" charset="0"/>
-                            </a:rPr>
-                            <m:t>−</m:t>
-                          </m:r>
-                          <m:r>
-                            <a:rPr lang="en-US" b="0" i="1" smtClean="0">
-                              <a:latin typeface="Cambria Math" charset="0"/>
-                            </a:rPr>
-                            <m:t>𝑎</m:t>
-                          </m:r>
-                          <m:r>
-                            <a:rPr lang="en-US" b="0" i="1" smtClean="0">
-                              <a:latin typeface="Cambria Math" charset="0"/>
-                            </a:rPr>
-                            <m:t>)×(</m:t>
-                          </m:r>
-                          <m:r>
-                            <a:rPr lang="en-US" b="0" i="1" smtClean="0">
-                              <a:latin typeface="Cambria Math" charset="0"/>
-                              <a:ea typeface="Cambria Math" charset="0"/>
-                              <a:cs typeface="Cambria Math" charset="0"/>
-                            </a:rPr>
-                            <m:t>𝑐</m:t>
-                          </m:r>
-                          <m:r>
-                            <a:rPr lang="en-US" b="0" i="1" smtClean="0">
-                              <a:latin typeface="Cambria Math" charset="0"/>
-                              <a:ea typeface="Cambria Math" charset="0"/>
-                              <a:cs typeface="Cambria Math" charset="0"/>
-                            </a:rPr>
-                            <m:t>−</m:t>
-                          </m:r>
-                          <m:r>
-                            <a:rPr lang="en-US" b="0" i="1" smtClean="0">
-                              <a:latin typeface="Cambria Math" charset="0"/>
-                              <a:ea typeface="Cambria Math" charset="0"/>
-                              <a:cs typeface="Cambria Math" charset="0"/>
-                            </a:rPr>
-                            <m:t>𝑎</m:t>
-                          </m:r>
-                          <m:r>
-                            <a:rPr lang="en-US" b="0" i="1" smtClean="0">
-                              <a:latin typeface="Cambria Math" charset="0"/>
-                              <a:ea typeface="Cambria Math" charset="0"/>
-                              <a:cs typeface="Cambria Math" charset="0"/>
-                            </a:rPr>
-                            <m:t>)</m:t>
-                          </m:r>
-                        </m:e>
-                      </m:d>
-                      <m:r>
-                        <a:rPr lang="en-US" b="0" i="1" smtClean="0">
-                          <a:latin typeface="Cambria Math" charset="0"/>
-                        </a:rPr>
-                        <m:t>/2</m:t>
-                      </m:r>
-                    </m:oMath>
-                  </m:oMathPara>
-                </a14:m>
-                <a:endParaRPr lang="en-US" dirty="0"/>
-              </a:p>
-              <a:p>
-                <a:endParaRPr lang="en-US" dirty="0"/>
-              </a:p>
-              <a:p>
-                <a:r>
-                  <a:rPr lang="en-US" dirty="0"/>
-                  <a:t>So we have:</a:t>
-                </a:r>
-              </a:p>
-              <a:p>
-                <a:r>
-                  <a:rPr lang="en-US" dirty="0"/>
-                  <a:t>λ</a:t>
-                </a:r>
-                <a:r>
-                  <a:rPr lang="en-US" baseline="-25000" dirty="0"/>
-                  <a:t>1</a:t>
-                </a:r>
-                <a:r>
-                  <a:rPr lang="en-US" dirty="0"/>
-                  <a:t>= </a:t>
-                </a:r>
-                <a:r>
-                  <a:rPr lang="en-US" dirty="0" err="1"/>
-                  <a:t>AREA</a:t>
-                </a:r>
-                <a:r>
-                  <a:rPr lang="en-US" baseline="-25000" dirty="0" err="1"/>
-                  <a:t>cbp</a:t>
-                </a:r>
-                <a:r>
-                  <a:rPr lang="en-US" dirty="0"/>
-                  <a:t>/</a:t>
-                </a:r>
-                <a:r>
-                  <a:rPr lang="en-US" dirty="0" err="1"/>
-                  <a:t>AREA</a:t>
-                </a:r>
-                <a:r>
-                  <a:rPr lang="en-US" baseline="-25000" dirty="0" err="1"/>
-                  <a:t>abc</a:t>
-                </a:r>
-                <a:endParaRPr lang="en-US" baseline="-25000" dirty="0"/>
-              </a:p>
-              <a:p>
-                <a:r>
-                  <a:rPr lang="en-US" dirty="0"/>
-                  <a:t>λ</a:t>
-                </a:r>
-                <a:r>
-                  <a:rPr lang="en-US" baseline="-25000" dirty="0"/>
-                  <a:t>2</a:t>
-                </a:r>
-                <a:r>
-                  <a:rPr lang="en-US" dirty="0"/>
-                  <a:t>= </a:t>
-                </a:r>
-                <a:r>
-                  <a:rPr lang="en-US" dirty="0" err="1"/>
-                  <a:t>AREA</a:t>
-                </a:r>
-                <a:r>
-                  <a:rPr lang="en-US" baseline="-25000" dirty="0" err="1"/>
-                  <a:t>cap</a:t>
-                </a:r>
-                <a:r>
-                  <a:rPr lang="en-US" dirty="0"/>
-                  <a:t>/</a:t>
-                </a:r>
-                <a:r>
-                  <a:rPr lang="en-US" dirty="0" err="1"/>
-                  <a:t>AREA</a:t>
-                </a:r>
-                <a:r>
-                  <a:rPr lang="en-US" baseline="-25000" dirty="0" err="1"/>
-                  <a:t>abc</a:t>
-                </a:r>
-                <a:endParaRPr lang="en-US" baseline="-25000" dirty="0"/>
-              </a:p>
-              <a:p>
-                <a:r>
-                  <a:rPr lang="en-US" dirty="0"/>
-                  <a:t>λ</a:t>
-                </a:r>
-                <a:r>
-                  <a:rPr lang="en-US" baseline="-25000" dirty="0"/>
-                  <a:t>3</a:t>
-                </a:r>
-                <a:r>
-                  <a:rPr lang="en-US" dirty="0"/>
-                  <a:t>= </a:t>
-                </a:r>
-                <a:r>
-                  <a:rPr lang="en-US" dirty="0" err="1"/>
-                  <a:t>AREA</a:t>
-                </a:r>
-                <a:r>
-                  <a:rPr lang="en-US" baseline="-25000" dirty="0" err="1"/>
-                  <a:t>bap</a:t>
-                </a:r>
-                <a:r>
-                  <a:rPr lang="en-US" dirty="0"/>
-                  <a:t>/</a:t>
-                </a:r>
-                <a:r>
-                  <a:rPr lang="en-US" dirty="0" err="1"/>
-                  <a:t>AREA</a:t>
-                </a:r>
-                <a:r>
-                  <a:rPr lang="en-US" baseline="-25000" dirty="0" err="1"/>
-                  <a:t>abc</a:t>
-                </a:r>
-                <a:r>
-                  <a:rPr lang="en-US" baseline="-25000" dirty="0"/>
-                  <a:t> </a:t>
-                </a:r>
-                <a:endParaRPr lang="en-US" dirty="0"/>
-              </a:p>
-              <a:p>
-                <a:endParaRPr lang="en-US" baseline="-25000" dirty="0"/>
-              </a:p>
-              <a:p>
-                <a:endParaRPr lang="en-US" baseline="-25000" dirty="0"/>
-              </a:p>
-              <a:p>
-                <a:endParaRPr lang="en-US" dirty="0"/>
-              </a:p>
-            </p:txBody>
-          </p:sp>
-        </mc:Choice>
-        <mc:Fallback>
-          <p:sp>
-            <p:nvSpPr>
-              <p:cNvPr id="3" name="TextBox 2"/>
-              <p:cNvSpPr txBox="1">
-                <a:spLocks noRot="1" noChangeAspect="1" noMove="1" noResize="1" noEditPoints="1" noAdjustHandles="1" noChangeArrowheads="1" noChangeShapeType="1" noTextEdit="1"/>
-              </p:cNvSpPr>
-              <p:nvPr/>
-            </p:nvSpPr>
-            <p:spPr>
-              <a:xfrm>
-                <a:off x="285008" y="2259208"/>
-                <a:ext cx="7255823" cy="2677656"/>
-              </a:xfrm>
-              <a:prstGeom prst="rect">
-                <a:avLst/>
-              </a:prstGeom>
-              <a:blipFill>
-                <a:blip r:embed="rId2"/>
-                <a:stretch>
-                  <a:fillRect l="-756" t="-1367"/>
-                </a:stretch>
-              </a:blipFill>
-            </p:spPr>
-            <p:txBody>
-              <a:bodyPr/>
-              <a:lstStyle/>
-              <a:p>
-                <a:r>
-                  <a:rPr lang="en-US">
-                    <a:noFill/>
-                  </a:rPr>
-                  <a:t> </a:t>
-                </a:r>
-              </a:p>
-            </p:txBody>
-          </p:sp>
-        </mc:Fallback>
-      </mc:AlternateContent>
-      <p:sp>
-        <p:nvSpPr>
-          <p:cNvPr id="4" name="TextBox 3">
-            <a:extLst>
-              <a:ext uri="{FF2B5EF4-FFF2-40B4-BE49-F238E27FC236}">
-                <a16:creationId xmlns:a16="http://schemas.microsoft.com/office/drawing/2014/main" id="{484C94C7-F11B-48F0-B8DC-35D7804FCBF4}"/>
-              </a:ext>
-            </a:extLst>
-          </p:cNvPr>
-          <p:cNvSpPr txBox="1"/>
-          <p:nvPr/>
-        </p:nvSpPr>
-        <p:spPr>
-          <a:xfrm>
-            <a:off x="7362735" y="3303071"/>
-            <a:ext cx="1492876" cy="1477328"/>
-          </a:xfrm>
-          <a:prstGeom prst="rect">
-            <a:avLst/>
-          </a:prstGeom>
-          <a:noFill/>
-          <a:ln>
-            <a:solidFill>
-              <a:schemeClr val="accent1"/>
-            </a:solidFill>
-          </a:ln>
-        </p:spPr>
-        <p:txBody>
-          <a:bodyPr wrap="square" rtlCol="0">
-            <a:spAutoFit/>
-          </a:bodyPr>
-          <a:lstStyle/>
-          <a:p>
-            <a:r>
-              <a:rPr lang="en-US" dirty="0">
-                <a:latin typeface="Comic Sans MS" panose="030F0702030302020204" pitchFamily="66" charset="0"/>
-              </a:rPr>
-              <a:t>How can a </a:t>
-            </a:r>
-            <a:r>
-              <a:rPr lang="en-US" dirty="0" err="1">
-                <a:latin typeface="Comic Sans MS" panose="030F0702030302020204" pitchFamily="66" charset="0"/>
-              </a:rPr>
-              <a:t>subtriangle</a:t>
-            </a:r>
-            <a:r>
-              <a:rPr lang="en-US" dirty="0">
-                <a:latin typeface="Comic Sans MS" panose="030F0702030302020204" pitchFamily="66" charset="0"/>
-              </a:rPr>
-              <a:t> have a negative area?</a:t>
-            </a:r>
-          </a:p>
-        </p:txBody>
-      </p:sp>
-      <p:sp>
-        <p:nvSpPr>
-          <p:cNvPr id="5" name="TextBox 4">
-            <a:extLst>
-              <a:ext uri="{FF2B5EF4-FFF2-40B4-BE49-F238E27FC236}">
-                <a16:creationId xmlns:a16="http://schemas.microsoft.com/office/drawing/2014/main" id="{0C920896-D495-4AC9-AC06-B9B820EEB622}"/>
-              </a:ext>
-            </a:extLst>
-          </p:cNvPr>
-          <p:cNvSpPr txBox="1"/>
-          <p:nvPr/>
-        </p:nvSpPr>
-        <p:spPr>
-          <a:xfrm>
-            <a:off x="3273425" y="3093310"/>
-            <a:ext cx="1100893" cy="1754326"/>
-          </a:xfrm>
-          <a:prstGeom prst="rect">
-            <a:avLst/>
-          </a:prstGeom>
-          <a:noFill/>
-          <a:ln>
-            <a:solidFill>
-              <a:schemeClr val="accent1"/>
-            </a:solidFill>
-          </a:ln>
-        </p:spPr>
-        <p:txBody>
-          <a:bodyPr wrap="square" rtlCol="0">
-            <a:spAutoFit/>
-          </a:bodyPr>
-          <a:lstStyle/>
-          <a:p>
-            <a:r>
-              <a:rPr lang="en-US" dirty="0">
-                <a:latin typeface="Comic Sans MS" panose="030F0702030302020204" pitchFamily="66" charset="0"/>
-              </a:rPr>
-              <a:t>How can we optimize computation of λ</a:t>
-            </a:r>
-            <a:r>
-              <a:rPr lang="en-US" baseline="-25000" dirty="0">
-                <a:latin typeface="Comic Sans MS" panose="030F0702030302020204" pitchFamily="66" charset="0"/>
-              </a:rPr>
-              <a:t>3</a:t>
-            </a:r>
-            <a:r>
-              <a:rPr lang="en-US" dirty="0">
-                <a:latin typeface="Comic Sans MS" panose="030F0702030302020204" pitchFamily="66" charset="0"/>
-              </a:rPr>
-              <a:t>?</a:t>
-            </a:r>
-          </a:p>
-        </p:txBody>
-      </p:sp>
+        </p:spPr>
+      </p:pic>
     </p:spTree>
     <p:extLst>
       <p:ext uri="{BB962C8B-B14F-4D97-AF65-F5344CB8AC3E}">
-        <p14:creationId xmlns:p14="http://schemas.microsoft.com/office/powerpoint/2010/main" val="1561277552"/>
+        <p14:creationId xmlns:p14="http://schemas.microsoft.com/office/powerpoint/2010/main" val="202823702"/>
       </p:ext>
     </p:extLst>
   </p:cSld>
@@ -8562,6 +7790,1231 @@
             <p:ph type="title"/>
           </p:nvPr>
         </p:nvSpPr>
+        <p:spPr>
+          <a:xfrm>
+            <a:off x="-5812" y="997839"/>
+            <a:ext cx="8913813" cy="914400"/>
+          </a:xfrm>
+        </p:spPr>
+        <p:txBody>
+          <a:bodyPr>
+            <a:normAutofit fontScale="90000"/>
+          </a:bodyPr>
+          <a:lstStyle/>
+          <a:p>
+            <a:r>
+              <a:rPr lang="en-US" dirty="0"/>
+              <a:t>Barycentric Coordinates for Triangles </a:t>
+            </a:r>
+          </a:p>
+        </p:txBody>
+      </p:sp>
+      <p:sp>
+        <p:nvSpPr>
+          <p:cNvPr id="9" name="Isosceles Triangle 8"/>
+          <p:cNvSpPr/>
+          <p:nvPr/>
+        </p:nvSpPr>
+        <p:spPr>
+          <a:xfrm>
+            <a:off x="4634221" y="3964211"/>
+            <a:ext cx="3638720" cy="2557003"/>
+          </a:xfrm>
+          <a:prstGeom prst="triangle">
+            <a:avLst/>
+          </a:prstGeom>
+          <a:noFill/>
+          <a:ln w="31750">
+            <a:solidFill>
+              <a:schemeClr val="tx1"/>
+            </a:solidFill>
+          </a:ln>
+        </p:spPr>
+        <p:style>
+          <a:lnRef idx="1">
+            <a:schemeClr val="accent1"/>
+          </a:lnRef>
+          <a:fillRef idx="3">
+            <a:schemeClr val="accent1"/>
+          </a:fillRef>
+          <a:effectRef idx="2">
+            <a:schemeClr val="accent1"/>
+          </a:effectRef>
+          <a:fontRef idx="minor">
+            <a:schemeClr val="lt1"/>
+          </a:fontRef>
+        </p:style>
+        <p:txBody>
+          <a:bodyPr rtlCol="0" anchor="ctr"/>
+          <a:lstStyle/>
+          <a:p>
+            <a:pPr algn="ctr"/>
+            <a:endParaRPr lang="en-US"/>
+          </a:p>
+        </p:txBody>
+      </p:sp>
+      <p:sp>
+        <p:nvSpPr>
+          <p:cNvPr id="10" name="TextBox 9"/>
+          <p:cNvSpPr txBox="1"/>
+          <p:nvPr/>
+        </p:nvSpPr>
+        <p:spPr>
+          <a:xfrm>
+            <a:off x="5921503" y="5328149"/>
+            <a:ext cx="411931" cy="369332"/>
+          </a:xfrm>
+          <a:prstGeom prst="rect">
+            <a:avLst/>
+          </a:prstGeom>
+          <a:noFill/>
+        </p:spPr>
+        <p:txBody>
+          <a:bodyPr wrap="square" rtlCol="0">
+            <a:spAutoFit/>
+          </a:bodyPr>
+          <a:lstStyle/>
+          <a:p>
+            <a:r>
+              <a:rPr lang="en-US" dirty="0"/>
+              <a:t>p</a:t>
+            </a:r>
+          </a:p>
+        </p:txBody>
+      </p:sp>
+      <p:sp>
+        <p:nvSpPr>
+          <p:cNvPr id="11" name="TextBox 10"/>
+          <p:cNvSpPr txBox="1"/>
+          <p:nvPr/>
+        </p:nvSpPr>
+        <p:spPr>
+          <a:xfrm>
+            <a:off x="6333434" y="3594879"/>
+            <a:ext cx="446258" cy="369332"/>
+          </a:xfrm>
+          <a:prstGeom prst="rect">
+            <a:avLst/>
+          </a:prstGeom>
+          <a:noFill/>
+        </p:spPr>
+        <p:txBody>
+          <a:bodyPr wrap="square" rtlCol="0">
+            <a:spAutoFit/>
+          </a:bodyPr>
+          <a:lstStyle/>
+          <a:p>
+            <a:r>
+              <a:rPr lang="en-US" dirty="0"/>
+              <a:t>a</a:t>
+            </a:r>
+          </a:p>
+        </p:txBody>
+      </p:sp>
+      <p:sp>
+        <p:nvSpPr>
+          <p:cNvPr id="12" name="TextBox 11"/>
+          <p:cNvSpPr txBox="1"/>
+          <p:nvPr/>
+        </p:nvSpPr>
+        <p:spPr>
+          <a:xfrm>
+            <a:off x="4153636" y="6191047"/>
+            <a:ext cx="429094" cy="369332"/>
+          </a:xfrm>
+          <a:prstGeom prst="rect">
+            <a:avLst/>
+          </a:prstGeom>
+          <a:noFill/>
+        </p:spPr>
+        <p:txBody>
+          <a:bodyPr wrap="square" rtlCol="0">
+            <a:spAutoFit/>
+          </a:bodyPr>
+          <a:lstStyle/>
+          <a:p>
+            <a:r>
+              <a:rPr lang="en-US" dirty="0"/>
+              <a:t>b</a:t>
+            </a:r>
+          </a:p>
+        </p:txBody>
+      </p:sp>
+      <p:sp>
+        <p:nvSpPr>
+          <p:cNvPr id="13" name="TextBox 12"/>
+          <p:cNvSpPr txBox="1"/>
+          <p:nvPr/>
+        </p:nvSpPr>
+        <p:spPr>
+          <a:xfrm>
+            <a:off x="8272941" y="6191047"/>
+            <a:ext cx="635060" cy="369332"/>
+          </a:xfrm>
+          <a:prstGeom prst="rect">
+            <a:avLst/>
+          </a:prstGeom>
+          <a:noFill/>
+        </p:spPr>
+        <p:txBody>
+          <a:bodyPr wrap="square" rtlCol="0">
+            <a:spAutoFit/>
+          </a:bodyPr>
+          <a:lstStyle/>
+          <a:p>
+            <a:r>
+              <a:rPr lang="en-US" dirty="0"/>
+              <a:t>c</a:t>
+            </a:r>
+          </a:p>
+        </p:txBody>
+      </p:sp>
+      <p:cxnSp>
+        <p:nvCxnSpPr>
+          <p:cNvPr id="15" name="Straight Connector 14"/>
+          <p:cNvCxnSpPr/>
+          <p:nvPr/>
+        </p:nvCxnSpPr>
+        <p:spPr>
+          <a:xfrm flipH="1">
+            <a:off x="6093142" y="3964211"/>
+            <a:ext cx="377604" cy="1544498"/>
+          </a:xfrm>
+          <a:prstGeom prst="line">
+            <a:avLst/>
+          </a:prstGeom>
+        </p:spPr>
+        <p:style>
+          <a:lnRef idx="2">
+            <a:schemeClr val="accent1"/>
+          </a:lnRef>
+          <a:fillRef idx="0">
+            <a:schemeClr val="accent1"/>
+          </a:fillRef>
+          <a:effectRef idx="1">
+            <a:schemeClr val="accent1"/>
+          </a:effectRef>
+          <a:fontRef idx="minor">
+            <a:schemeClr val="tx1"/>
+          </a:fontRef>
+        </p:style>
+      </p:cxnSp>
+      <p:cxnSp>
+        <p:nvCxnSpPr>
+          <p:cNvPr id="17" name="Straight Connector 16"/>
+          <p:cNvCxnSpPr>
+            <a:stCxn id="9" idx="2"/>
+          </p:cNvCxnSpPr>
+          <p:nvPr/>
+        </p:nvCxnSpPr>
+        <p:spPr>
+          <a:xfrm flipV="1">
+            <a:off x="4634221" y="5508709"/>
+            <a:ext cx="1458921" cy="1012505"/>
+          </a:xfrm>
+          <a:prstGeom prst="line">
+            <a:avLst/>
+          </a:prstGeom>
+        </p:spPr>
+        <p:style>
+          <a:lnRef idx="2">
+            <a:schemeClr val="accent1"/>
+          </a:lnRef>
+          <a:fillRef idx="0">
+            <a:schemeClr val="accent1"/>
+          </a:fillRef>
+          <a:effectRef idx="1">
+            <a:schemeClr val="accent1"/>
+          </a:effectRef>
+          <a:fontRef idx="minor">
+            <a:schemeClr val="tx1"/>
+          </a:fontRef>
+        </p:style>
+      </p:cxnSp>
+      <p:cxnSp>
+        <p:nvCxnSpPr>
+          <p:cNvPr id="20" name="Straight Connector 19"/>
+          <p:cNvCxnSpPr>
+            <a:stCxn id="9" idx="4"/>
+          </p:cNvCxnSpPr>
+          <p:nvPr/>
+        </p:nvCxnSpPr>
+        <p:spPr>
+          <a:xfrm flipH="1" flipV="1">
+            <a:off x="6093142" y="5508709"/>
+            <a:ext cx="2179799" cy="1012505"/>
+          </a:xfrm>
+          <a:prstGeom prst="line">
+            <a:avLst/>
+          </a:prstGeom>
+        </p:spPr>
+        <p:style>
+          <a:lnRef idx="2">
+            <a:schemeClr val="accent1"/>
+          </a:lnRef>
+          <a:fillRef idx="0">
+            <a:schemeClr val="accent1"/>
+          </a:fillRef>
+          <a:effectRef idx="1">
+            <a:schemeClr val="accent1"/>
+          </a:effectRef>
+          <a:fontRef idx="minor">
+            <a:schemeClr val="tx1"/>
+          </a:fontRef>
+        </p:style>
+      </p:cxnSp>
+      <p:sp>
+        <p:nvSpPr>
+          <p:cNvPr id="23" name="TextBox 22"/>
+          <p:cNvSpPr txBox="1"/>
+          <p:nvPr/>
+        </p:nvSpPr>
+        <p:spPr>
+          <a:xfrm>
+            <a:off x="6170378" y="5139377"/>
+            <a:ext cx="1218628" cy="369332"/>
+          </a:xfrm>
+          <a:prstGeom prst="rect">
+            <a:avLst/>
+          </a:prstGeom>
+          <a:noFill/>
+        </p:spPr>
+        <p:txBody>
+          <a:bodyPr wrap="square" rtlCol="0">
+            <a:spAutoFit/>
+          </a:bodyPr>
+          <a:lstStyle/>
+          <a:p>
+            <a:r>
+              <a:rPr lang="en-US" dirty="0" err="1"/>
+              <a:t>A</a:t>
+            </a:r>
+            <a:r>
+              <a:rPr lang="en-US" baseline="-25000" dirty="0" err="1"/>
+              <a:t>cap</a:t>
+            </a:r>
+            <a:endParaRPr lang="en-US" baseline="-25000" dirty="0"/>
+          </a:p>
+        </p:txBody>
+      </p:sp>
+      <p:sp>
+        <p:nvSpPr>
+          <p:cNvPr id="24" name="TextBox 23"/>
+          <p:cNvSpPr txBox="1"/>
+          <p:nvPr/>
+        </p:nvSpPr>
+        <p:spPr>
+          <a:xfrm>
+            <a:off x="5252118" y="5324043"/>
+            <a:ext cx="1218628" cy="369332"/>
+          </a:xfrm>
+          <a:prstGeom prst="rect">
+            <a:avLst/>
+          </a:prstGeom>
+          <a:noFill/>
+        </p:spPr>
+        <p:txBody>
+          <a:bodyPr wrap="square" rtlCol="0">
+            <a:spAutoFit/>
+          </a:bodyPr>
+          <a:lstStyle/>
+          <a:p>
+            <a:r>
+              <a:rPr lang="en-US" dirty="0" err="1"/>
+              <a:t>A</a:t>
+            </a:r>
+            <a:r>
+              <a:rPr lang="en-US" baseline="-25000" dirty="0" err="1"/>
+              <a:t>bap</a:t>
+            </a:r>
+            <a:endParaRPr lang="en-US" baseline="-25000" dirty="0"/>
+          </a:p>
+        </p:txBody>
+      </p:sp>
+      <p:sp>
+        <p:nvSpPr>
+          <p:cNvPr id="25" name="TextBox 24"/>
+          <p:cNvSpPr txBox="1"/>
+          <p:nvPr/>
+        </p:nvSpPr>
+        <p:spPr>
+          <a:xfrm>
+            <a:off x="5561064" y="6002281"/>
+            <a:ext cx="1218628" cy="369332"/>
+          </a:xfrm>
+          <a:prstGeom prst="rect">
+            <a:avLst/>
+          </a:prstGeom>
+          <a:noFill/>
+        </p:spPr>
+        <p:txBody>
+          <a:bodyPr wrap="square" rtlCol="0">
+            <a:spAutoFit/>
+          </a:bodyPr>
+          <a:lstStyle/>
+          <a:p>
+            <a:r>
+              <a:rPr lang="en-US" dirty="0" err="1"/>
+              <a:t>A</a:t>
+            </a:r>
+            <a:r>
+              <a:rPr lang="en-US" baseline="-25000" dirty="0" err="1"/>
+              <a:t>cbp</a:t>
+            </a:r>
+            <a:endParaRPr lang="en-US" baseline="-25000" dirty="0"/>
+          </a:p>
+        </p:txBody>
+      </p:sp>
+      <p:sp>
+        <p:nvSpPr>
+          <p:cNvPr id="26" name="TextBox 25"/>
+          <p:cNvSpPr txBox="1"/>
+          <p:nvPr/>
+        </p:nvSpPr>
+        <p:spPr>
+          <a:xfrm>
+            <a:off x="-34327" y="4945761"/>
+            <a:ext cx="4668548" cy="1477328"/>
+          </a:xfrm>
+          <a:prstGeom prst="rect">
+            <a:avLst/>
+          </a:prstGeom>
+          <a:noFill/>
+        </p:spPr>
+        <p:txBody>
+          <a:bodyPr wrap="square" rtlCol="0">
+            <a:spAutoFit/>
+          </a:bodyPr>
+          <a:lstStyle/>
+          <a:p>
+            <a:r>
+              <a:rPr lang="en-US" dirty="0"/>
+              <a:t>Coordinates are the signed area of the </a:t>
+            </a:r>
+          </a:p>
+          <a:p>
+            <a:r>
+              <a:rPr lang="en-US" dirty="0"/>
+              <a:t>opposite </a:t>
+            </a:r>
+            <a:r>
+              <a:rPr lang="en-US" dirty="0" err="1"/>
+              <a:t>subtriangle</a:t>
+            </a:r>
+            <a:r>
+              <a:rPr lang="en-US" dirty="0"/>
+              <a:t> divided by area of the triangle</a:t>
+            </a:r>
+            <a:br>
+              <a:rPr lang="en-US" dirty="0"/>
+            </a:br>
+            <a:br>
+              <a:rPr lang="en-US" dirty="0"/>
+            </a:br>
+            <a:endParaRPr lang="en-US" dirty="0"/>
+          </a:p>
+        </p:txBody>
+      </p:sp>
+      <p:sp>
+        <p:nvSpPr>
+          <p:cNvPr id="3" name="TextBox 2"/>
+          <p:cNvSpPr txBox="1"/>
+          <p:nvPr/>
+        </p:nvSpPr>
+        <p:spPr>
+          <a:xfrm>
+            <a:off x="285008" y="2259208"/>
+            <a:ext cx="7255823" cy="2123658"/>
+          </a:xfrm>
+          <a:prstGeom prst="rect">
+            <a:avLst/>
+          </a:prstGeom>
+          <a:noFill/>
+        </p:spPr>
+        <p:txBody>
+          <a:bodyPr wrap="square" rtlCol="0">
+            <a:spAutoFit/>
+          </a:bodyPr>
+          <a:lstStyle/>
+          <a:p>
+            <a:endParaRPr lang="en-US" dirty="0"/>
+          </a:p>
+          <a:p>
+            <a:r>
+              <a:rPr lang="en-US" dirty="0"/>
+              <a:t>So we have:</a:t>
+            </a:r>
+          </a:p>
+          <a:p>
+            <a:r>
+              <a:rPr lang="en-US" dirty="0"/>
+              <a:t>λ</a:t>
+            </a:r>
+            <a:r>
+              <a:rPr lang="en-US" baseline="-25000" dirty="0"/>
+              <a:t>1</a:t>
+            </a:r>
+            <a:r>
+              <a:rPr lang="en-US" dirty="0"/>
+              <a:t>= </a:t>
+            </a:r>
+            <a:r>
+              <a:rPr lang="en-US" dirty="0" err="1"/>
+              <a:t>AREA</a:t>
+            </a:r>
+            <a:r>
+              <a:rPr lang="en-US" baseline="-25000" dirty="0" err="1"/>
+              <a:t>cbp</a:t>
+            </a:r>
+            <a:r>
+              <a:rPr lang="en-US" dirty="0"/>
+              <a:t>/</a:t>
+            </a:r>
+            <a:r>
+              <a:rPr lang="en-US" dirty="0" err="1"/>
+              <a:t>AREA</a:t>
+            </a:r>
+            <a:r>
+              <a:rPr lang="en-US" baseline="-25000" dirty="0" err="1"/>
+              <a:t>abc</a:t>
+            </a:r>
+            <a:endParaRPr lang="en-US" baseline="-25000" dirty="0"/>
+          </a:p>
+          <a:p>
+            <a:r>
+              <a:rPr lang="en-US" dirty="0"/>
+              <a:t>λ</a:t>
+            </a:r>
+            <a:r>
+              <a:rPr lang="en-US" baseline="-25000" dirty="0"/>
+              <a:t>2</a:t>
+            </a:r>
+            <a:r>
+              <a:rPr lang="en-US" dirty="0"/>
+              <a:t>= </a:t>
+            </a:r>
+            <a:r>
+              <a:rPr lang="en-US" dirty="0" err="1"/>
+              <a:t>AREA</a:t>
+            </a:r>
+            <a:r>
+              <a:rPr lang="en-US" baseline="-25000" dirty="0" err="1"/>
+              <a:t>cap</a:t>
+            </a:r>
+            <a:r>
+              <a:rPr lang="en-US" dirty="0"/>
+              <a:t>/</a:t>
+            </a:r>
+            <a:r>
+              <a:rPr lang="en-US" dirty="0" err="1"/>
+              <a:t>AREA</a:t>
+            </a:r>
+            <a:r>
+              <a:rPr lang="en-US" baseline="-25000" dirty="0" err="1"/>
+              <a:t>abc</a:t>
+            </a:r>
+            <a:endParaRPr lang="en-US" baseline="-25000" dirty="0"/>
+          </a:p>
+          <a:p>
+            <a:r>
+              <a:rPr lang="en-US" dirty="0"/>
+              <a:t>λ</a:t>
+            </a:r>
+            <a:r>
+              <a:rPr lang="en-US" baseline="-25000" dirty="0"/>
+              <a:t>3</a:t>
+            </a:r>
+            <a:r>
+              <a:rPr lang="en-US" dirty="0"/>
+              <a:t>= </a:t>
+            </a:r>
+            <a:r>
+              <a:rPr lang="en-US" dirty="0" err="1"/>
+              <a:t>AREA</a:t>
+            </a:r>
+            <a:r>
+              <a:rPr lang="en-US" baseline="-25000" dirty="0" err="1"/>
+              <a:t>bap</a:t>
+            </a:r>
+            <a:r>
+              <a:rPr lang="en-US" dirty="0"/>
+              <a:t>/</a:t>
+            </a:r>
+            <a:r>
+              <a:rPr lang="en-US" dirty="0" err="1"/>
+              <a:t>AREA</a:t>
+            </a:r>
+            <a:r>
+              <a:rPr lang="en-US" baseline="-25000" dirty="0" err="1"/>
+              <a:t>abc</a:t>
+            </a:r>
+            <a:r>
+              <a:rPr lang="en-US" baseline="-25000" dirty="0"/>
+              <a:t> </a:t>
+            </a:r>
+            <a:endParaRPr lang="en-US" dirty="0"/>
+          </a:p>
+          <a:p>
+            <a:endParaRPr lang="en-US" baseline="-25000" dirty="0"/>
+          </a:p>
+          <a:p>
+            <a:endParaRPr lang="en-US" baseline="-25000" dirty="0"/>
+          </a:p>
+          <a:p>
+            <a:endParaRPr lang="en-US" dirty="0"/>
+          </a:p>
+        </p:txBody>
+      </p:sp>
+      <p:sp>
+        <p:nvSpPr>
+          <p:cNvPr id="4" name="TextBox 3">
+            <a:extLst>
+              <a:ext uri="{FF2B5EF4-FFF2-40B4-BE49-F238E27FC236}">
+                <a16:creationId xmlns:a16="http://schemas.microsoft.com/office/drawing/2014/main" id="{484C94C7-F11B-48F0-B8DC-35D7804FCBF4}"/>
+              </a:ext>
+            </a:extLst>
+          </p:cNvPr>
+          <p:cNvSpPr txBox="1"/>
+          <p:nvPr/>
+        </p:nvSpPr>
+        <p:spPr>
+          <a:xfrm>
+            <a:off x="3621745" y="2779815"/>
+            <a:ext cx="1492876" cy="1477328"/>
+          </a:xfrm>
+          <a:prstGeom prst="rect">
+            <a:avLst/>
+          </a:prstGeom>
+          <a:noFill/>
+          <a:ln>
+            <a:solidFill>
+              <a:schemeClr val="accent1"/>
+            </a:solidFill>
+          </a:ln>
+        </p:spPr>
+        <p:txBody>
+          <a:bodyPr wrap="square" rtlCol="0">
+            <a:spAutoFit/>
+          </a:bodyPr>
+          <a:lstStyle/>
+          <a:p>
+            <a:r>
+              <a:rPr lang="en-US" dirty="0">
+                <a:latin typeface="Comic Sans MS" panose="030F0702030302020204" pitchFamily="66" charset="0"/>
+              </a:rPr>
+              <a:t>How can a </a:t>
+            </a:r>
+            <a:r>
+              <a:rPr lang="en-US" dirty="0" err="1">
+                <a:latin typeface="Comic Sans MS" panose="030F0702030302020204" pitchFamily="66" charset="0"/>
+              </a:rPr>
+              <a:t>subtriangle</a:t>
+            </a:r>
+            <a:r>
+              <a:rPr lang="en-US" dirty="0">
+                <a:latin typeface="Comic Sans MS" panose="030F0702030302020204" pitchFamily="66" charset="0"/>
+              </a:rPr>
+              <a:t> have a negative area?</a:t>
+            </a:r>
+          </a:p>
+        </p:txBody>
+      </p:sp>
+    </p:spTree>
+    <p:extLst>
+      <p:ext uri="{BB962C8B-B14F-4D97-AF65-F5344CB8AC3E}">
+        <p14:creationId xmlns:p14="http://schemas.microsoft.com/office/powerpoint/2010/main" val="1561277552"/>
+      </p:ext>
+    </p:extLst>
+  </p:cSld>
+  <p:clrMapOvr>
+    <a:masterClrMapping/>
+  </p:clrMapOvr>
+</p:sld>
+</file>
+
+<file path=ppt/slides/slide21.xml><?xml version="1.0" encoding="utf-8"?>
+<p:sld xmlns:a="http://schemas.openxmlformats.org/drawingml/2006/main" xmlns:r="http://schemas.openxmlformats.org/officeDocument/2006/relationships" xmlns:p="http://schemas.openxmlformats.org/presentationml/2006/main">
+  <p:cSld>
+    <p:spTree>
+      <p:nvGrpSpPr>
+        <p:cNvPr id="1" name=""/>
+        <p:cNvGrpSpPr/>
+        <p:nvPr/>
+      </p:nvGrpSpPr>
+      <p:grpSpPr>
+        <a:xfrm>
+          <a:off x="0" y="0"/>
+          <a:ext cx="0" cy="0"/>
+          <a:chOff x="0" y="0"/>
+          <a:chExt cx="0" cy="0"/>
+        </a:xfrm>
+      </p:grpSpPr>
+      <p:sp>
+        <p:nvSpPr>
+          <p:cNvPr id="2" name="Title 1">
+            <a:extLst>
+              <a:ext uri="{FF2B5EF4-FFF2-40B4-BE49-F238E27FC236}">
+                <a16:creationId xmlns:a16="http://schemas.microsoft.com/office/drawing/2014/main" id="{5E81FACC-08B2-4C2C-8D19-7F74B97491DA}"/>
+              </a:ext>
+            </a:extLst>
+          </p:cNvPr>
+          <p:cNvSpPr>
+            <a:spLocks noGrp="1"/>
+          </p:cNvSpPr>
+          <p:nvPr>
+            <p:ph type="title"/>
+          </p:nvPr>
+        </p:nvSpPr>
+        <p:spPr>
+          <a:xfrm>
+            <a:off x="0" y="507439"/>
+            <a:ext cx="8913813" cy="914400"/>
+          </a:xfrm>
+        </p:spPr>
+        <p:txBody>
+          <a:bodyPr/>
+          <a:lstStyle/>
+          <a:p>
+            <a:r>
+              <a:rPr lang="en-US" dirty="0"/>
+              <a:t>Calculating Triangle Area</a:t>
+            </a:r>
+          </a:p>
+        </p:txBody>
+      </p:sp>
+      <mc:AlternateContent xmlns:mc="http://schemas.openxmlformats.org/markup-compatibility/2006">
+        <mc:Choice xmlns:a14="http://schemas.microsoft.com/office/drawing/2010/main" Requires="a14">
+          <p:sp>
+            <p:nvSpPr>
+              <p:cNvPr id="3" name="Content Placeholder 2">
+                <a:extLst>
+                  <a:ext uri="{FF2B5EF4-FFF2-40B4-BE49-F238E27FC236}">
+                    <a16:creationId xmlns:a16="http://schemas.microsoft.com/office/drawing/2014/main" id="{C08D7C70-FF8E-4C5D-A250-80527860B298}"/>
+                  </a:ext>
+                </a:extLst>
+              </p:cNvPr>
+              <p:cNvSpPr>
+                <a:spLocks noGrp="1"/>
+              </p:cNvSpPr>
+              <p:nvPr>
+                <p:ph idx="1"/>
+              </p:nvPr>
+            </p:nvSpPr>
+            <p:spPr>
+              <a:xfrm>
+                <a:off x="-43772" y="1588060"/>
+                <a:ext cx="6604000" cy="2870200"/>
+              </a:xfrm>
+            </p:spPr>
+            <p:txBody>
+              <a:bodyPr>
+                <a:normAutofit fontScale="92500" lnSpcReduction="20000"/>
+              </a:bodyPr>
+              <a:lstStyle/>
+              <a:p>
+                <a:pPr marL="0" indent="0">
+                  <a:buNone/>
+                </a:pPr>
+                <a:r>
+                  <a:rPr lang="en-US" dirty="0"/>
+                  <a:t>For a triangle ABC embedded in 3D space, we can calculate one of  barycentric coordinates of P as:</a:t>
+                </a:r>
+              </a:p>
+              <a:p>
+                <a:pPr marL="0" indent="0">
+                  <a:buNone/>
+                </a:pPr>
+                <a:endParaRPr lang="en-US" dirty="0"/>
+              </a:p>
+              <a:p>
+                <a:pPr marL="0" indent="0">
+                  <a:buNone/>
+                </a:pPr>
+                <a14:m>
+                  <m:oMathPara xmlns:m="http://schemas.openxmlformats.org/officeDocument/2006/math">
+                    <m:oMathParaPr>
+                      <m:jc m:val="centerGroup"/>
+                    </m:oMathParaPr>
+                    <m:oMath xmlns:m="http://schemas.openxmlformats.org/officeDocument/2006/math">
+                      <m:f>
+                        <m:fPr>
+                          <m:ctrlPr>
+                            <a:rPr lang="en-US" i="1" smtClean="0">
+                              <a:latin typeface="Cambria Math" panose="02040503050406030204" pitchFamily="18" charset="0"/>
+                            </a:rPr>
+                          </m:ctrlPr>
+                        </m:fPr>
+                        <m:num>
+                          <m:sSub>
+                            <m:sSubPr>
+                              <m:ctrlPr>
+                                <a:rPr lang="en-US" i="1" smtClean="0">
+                                  <a:latin typeface="Cambria Math" panose="02040503050406030204" pitchFamily="18" charset="0"/>
+                                </a:rPr>
+                              </m:ctrlPr>
+                            </m:sSubPr>
+                            <m:e>
+                              <m:r>
+                                <a:rPr lang="en-US" b="0" i="1" smtClean="0">
+                                  <a:latin typeface="Cambria Math" panose="02040503050406030204" pitchFamily="18" charset="0"/>
+                                </a:rPr>
+                                <m:t>𝑡𝑟𝑖𝑎𝑛𝑔𝑙𝑒𝐴𝐵𝑃</m:t>
+                              </m:r>
+                            </m:e>
+                            <m:sub>
+                              <m:r>
+                                <a:rPr lang="en-US" b="0" i="1" smtClean="0">
+                                  <a:latin typeface="Cambria Math" panose="02040503050406030204" pitchFamily="18" charset="0"/>
+                                </a:rPr>
+                                <m:t>𝑎𝑟𝑒𝑎</m:t>
+                              </m:r>
+                            </m:sub>
+                          </m:sSub>
+                        </m:num>
+                        <m:den>
+                          <m:sSub>
+                            <m:sSubPr>
+                              <m:ctrlPr>
+                                <a:rPr lang="en-US" i="1" smtClean="0">
+                                  <a:latin typeface="Cambria Math" panose="02040503050406030204" pitchFamily="18" charset="0"/>
+                                </a:rPr>
+                              </m:ctrlPr>
+                            </m:sSubPr>
+                            <m:e>
+                              <m:r>
+                                <a:rPr lang="en-US" b="0" i="1" smtClean="0">
+                                  <a:latin typeface="Cambria Math" panose="02040503050406030204" pitchFamily="18" charset="0"/>
+                                </a:rPr>
+                                <m:t>𝑡𝑟𝑖𝑎𝑛𝑔𝑙𝑒𝐴𝐵𝐶</m:t>
+                              </m:r>
+                            </m:e>
+                            <m:sub>
+                              <m:r>
+                                <a:rPr lang="en-US" b="0" i="1" smtClean="0">
+                                  <a:latin typeface="Cambria Math" panose="02040503050406030204" pitchFamily="18" charset="0"/>
+                                </a:rPr>
+                                <m:t>𝑎𝑟𝑒𝑎</m:t>
+                              </m:r>
+                            </m:sub>
+                          </m:sSub>
+                        </m:den>
+                      </m:f>
+                      <m:r>
+                        <a:rPr lang="en-US" b="0" i="1" smtClean="0">
+                          <a:latin typeface="Cambria Math" panose="02040503050406030204" pitchFamily="18" charset="0"/>
+                        </a:rPr>
+                        <m:t>=</m:t>
+                      </m:r>
+                      <m:f>
+                        <m:fPr>
+                          <m:ctrlPr>
+                            <a:rPr lang="en-US" b="0" i="1" smtClean="0">
+                              <a:latin typeface="Cambria Math" panose="02040503050406030204" pitchFamily="18" charset="0"/>
+                            </a:rPr>
+                          </m:ctrlPr>
+                        </m:fPr>
+                        <m:num>
+                          <m:r>
+                            <a:rPr lang="en-US" b="0" i="1" smtClean="0">
+                              <a:latin typeface="Cambria Math" panose="02040503050406030204" pitchFamily="18" charset="0"/>
+                            </a:rPr>
+                            <m:t>𝑁</m:t>
+                          </m:r>
+                          <m:r>
+                            <a:rPr lang="en-US" b="0" i="1" smtClean="0">
+                              <a:latin typeface="Cambria Math" panose="02040503050406030204" pitchFamily="18" charset="0"/>
+                              <a:ea typeface="Cambria Math" panose="02040503050406030204" pitchFamily="18" charset="0"/>
+                            </a:rPr>
+                            <m:t>∙</m:t>
+                          </m:r>
+                          <m:r>
+                            <a:rPr lang="en-US" b="0" i="1" smtClean="0">
+                              <a:latin typeface="Cambria Math" panose="02040503050406030204" pitchFamily="18" charset="0"/>
+                            </a:rPr>
+                            <m:t>(</m:t>
+                          </m:r>
+                          <m:r>
+                            <a:rPr lang="en-US" b="0" i="1" smtClean="0">
+                              <a:latin typeface="Cambria Math" panose="02040503050406030204" pitchFamily="18" charset="0"/>
+                            </a:rPr>
+                            <m:t>𝐴𝐵</m:t>
+                          </m:r>
+                          <m:r>
+                            <a:rPr lang="en-US" b="0" i="1" smtClean="0">
+                              <a:latin typeface="Cambria Math" panose="02040503050406030204" pitchFamily="18" charset="0"/>
+                              <a:ea typeface="Cambria Math" panose="02040503050406030204" pitchFamily="18" charset="0"/>
+                            </a:rPr>
+                            <m:t>×</m:t>
+                          </m:r>
+                          <m:r>
+                            <a:rPr lang="en-US" b="0" i="1" smtClean="0">
+                              <a:latin typeface="Cambria Math" panose="02040503050406030204" pitchFamily="18" charset="0"/>
+                              <a:ea typeface="Cambria Math" panose="02040503050406030204" pitchFamily="18" charset="0"/>
+                            </a:rPr>
+                            <m:t>𝐴𝑃</m:t>
+                          </m:r>
+                          <m:r>
+                            <a:rPr lang="en-US" b="0" i="1" smtClean="0">
+                              <a:latin typeface="Cambria Math" panose="02040503050406030204" pitchFamily="18" charset="0"/>
+                              <a:ea typeface="Cambria Math" panose="02040503050406030204" pitchFamily="18" charset="0"/>
+                            </a:rPr>
+                            <m:t>)</m:t>
+                          </m:r>
+                        </m:num>
+                        <m:den>
+                          <m:r>
+                            <a:rPr lang="en-US" b="0" i="1" smtClean="0">
+                              <a:latin typeface="Cambria Math" panose="02040503050406030204" pitchFamily="18" charset="0"/>
+                            </a:rPr>
+                            <m:t>𝑁</m:t>
+                          </m:r>
+                          <m:r>
+                            <a:rPr lang="en-US" b="0" i="1" smtClean="0">
+                              <a:latin typeface="Cambria Math" panose="02040503050406030204" pitchFamily="18" charset="0"/>
+                              <a:ea typeface="Cambria Math" panose="02040503050406030204" pitchFamily="18" charset="0"/>
+                            </a:rPr>
+                            <m:t>∙</m:t>
+                          </m:r>
+                          <m:r>
+                            <a:rPr lang="en-US" b="0" i="1" smtClean="0">
+                              <a:latin typeface="Cambria Math" panose="02040503050406030204" pitchFamily="18" charset="0"/>
+                              <a:ea typeface="Cambria Math" panose="02040503050406030204" pitchFamily="18" charset="0"/>
+                            </a:rPr>
+                            <m:t>𝑁</m:t>
+                          </m:r>
+                        </m:den>
+                      </m:f>
+                    </m:oMath>
+                  </m:oMathPara>
+                </a14:m>
+                <a:br>
+                  <a:rPr lang="en-US" dirty="0"/>
+                </a:br>
+                <a:br>
+                  <a:rPr lang="en-US" dirty="0"/>
+                </a:br>
+                <a:r>
+                  <a:rPr lang="en-US" dirty="0"/>
+                  <a:t>Here N is the outward normal vector of the triangle</a:t>
+                </a:r>
+                <a:br>
+                  <a:rPr lang="en-US" dirty="0"/>
+                </a:br>
+                <a:br>
+                  <a:rPr lang="en-US" dirty="0"/>
+                </a:br>
+                <a:r>
+                  <a:rPr lang="en-US" dirty="0"/>
+                  <a:t>So a test to see if P is inside ABC could be:</a:t>
+                </a:r>
+              </a:p>
+            </p:txBody>
+          </p:sp>
+        </mc:Choice>
+        <mc:Fallback>
+          <p:sp>
+            <p:nvSpPr>
+              <p:cNvPr id="3" name="Content Placeholder 2">
+                <a:extLst>
+                  <a:ext uri="{FF2B5EF4-FFF2-40B4-BE49-F238E27FC236}">
+                    <a16:creationId xmlns:a16="http://schemas.microsoft.com/office/drawing/2014/main" id="{C08D7C70-FF8E-4C5D-A250-80527860B298}"/>
+                  </a:ext>
+                </a:extLst>
+              </p:cNvPr>
+              <p:cNvSpPr>
+                <a:spLocks noGrp="1" noRot="1" noChangeAspect="1" noMove="1" noResize="1" noEditPoints="1" noAdjustHandles="1" noChangeArrowheads="1" noChangeShapeType="1" noTextEdit="1"/>
+              </p:cNvSpPr>
+              <p:nvPr>
+                <p:ph idx="1"/>
+              </p:nvPr>
+            </p:nvSpPr>
+            <p:spPr>
+              <a:xfrm>
+                <a:off x="-43772" y="1588060"/>
+                <a:ext cx="6604000" cy="2870200"/>
+              </a:xfrm>
+              <a:blipFill>
+                <a:blip r:embed="rId2"/>
+                <a:stretch>
+                  <a:fillRect l="-923" t="-3191" b="-1489"/>
+                </a:stretch>
+              </a:blipFill>
+            </p:spPr>
+            <p:txBody>
+              <a:bodyPr/>
+              <a:lstStyle/>
+              <a:p>
+                <a:r>
+                  <a:rPr lang="en-US">
+                    <a:noFill/>
+                  </a:rPr>
+                  <a:t> </a:t>
+                </a:r>
+              </a:p>
+            </p:txBody>
+          </p:sp>
+        </mc:Fallback>
+      </mc:AlternateContent>
+      <p:pic>
+        <p:nvPicPr>
+          <p:cNvPr id="4" name="Picture 3">
+            <a:extLst>
+              <a:ext uri="{FF2B5EF4-FFF2-40B4-BE49-F238E27FC236}">
+                <a16:creationId xmlns:a16="http://schemas.microsoft.com/office/drawing/2014/main" id="{3422EB78-B7A5-4BF5-9956-3A9F49DDB06C}"/>
+              </a:ext>
+            </a:extLst>
+          </p:cNvPr>
+          <p:cNvPicPr>
+            <a:picLocks noChangeAspect="1"/>
+          </p:cNvPicPr>
+          <p:nvPr/>
+        </p:nvPicPr>
+        <p:blipFill>
+          <a:blip r:embed="rId3"/>
+          <a:stretch>
+            <a:fillRect/>
+          </a:stretch>
+        </p:blipFill>
+        <p:spPr>
+          <a:xfrm>
+            <a:off x="6509475" y="1421839"/>
+            <a:ext cx="2633059" cy="3054349"/>
+          </a:xfrm>
+          <a:prstGeom prst="rect">
+            <a:avLst/>
+          </a:prstGeom>
+        </p:spPr>
+      </p:pic>
+      <p:sp>
+        <p:nvSpPr>
+          <p:cNvPr id="6" name="TextBox 5">
+            <a:extLst>
+              <a:ext uri="{FF2B5EF4-FFF2-40B4-BE49-F238E27FC236}">
+                <a16:creationId xmlns:a16="http://schemas.microsoft.com/office/drawing/2014/main" id="{41B7942F-B599-4462-BE78-3E30DD2590B4}"/>
+              </a:ext>
+            </a:extLst>
+          </p:cNvPr>
+          <p:cNvSpPr txBox="1"/>
+          <p:nvPr/>
+        </p:nvSpPr>
+        <p:spPr>
+          <a:xfrm>
+            <a:off x="24606" y="4605758"/>
+            <a:ext cx="6988662" cy="1569660"/>
+          </a:xfrm>
+          <a:prstGeom prst="rect">
+            <a:avLst/>
+          </a:prstGeom>
+          <a:solidFill>
+            <a:schemeClr val="accent3">
+              <a:lumMod val="20000"/>
+              <a:lumOff val="80000"/>
+            </a:schemeClr>
+          </a:solidFill>
+          <a:ln>
+            <a:solidFill>
+              <a:schemeClr val="accent1"/>
+            </a:solidFill>
+          </a:ln>
+        </p:spPr>
+        <p:txBody>
+          <a:bodyPr wrap="square" rtlCol="0">
+            <a:spAutoFit/>
+          </a:bodyPr>
+          <a:lstStyle/>
+          <a:p>
+            <a:r>
+              <a:rPr lang="en-US" sz="1600" dirty="0">
+                <a:latin typeface="Courier New" panose="02070309020205020404" pitchFamily="49" charset="0"/>
+                <a:cs typeface="Courier New" panose="02070309020205020404" pitchFamily="49" charset="0"/>
+              </a:rPr>
+              <a:t>// edge 0</a:t>
+            </a:r>
+            <a:br>
+              <a:rPr lang="en-US" sz="1600" dirty="0">
+                <a:latin typeface="Courier New" panose="02070309020205020404" pitchFamily="49" charset="0"/>
+                <a:cs typeface="Courier New" panose="02070309020205020404" pitchFamily="49" charset="0"/>
+              </a:rPr>
+            </a:br>
+            <a:r>
+              <a:rPr lang="en-US" sz="1600" dirty="0">
+                <a:latin typeface="Courier New" panose="02070309020205020404" pitchFamily="49" charset="0"/>
+                <a:cs typeface="Courier New" panose="02070309020205020404" pitchFamily="49" charset="0"/>
+              </a:rPr>
+              <a:t>Vec3f edge0 = v1 - v0; </a:t>
+            </a:r>
+            <a:br>
+              <a:rPr lang="en-US" sz="1600" dirty="0">
+                <a:latin typeface="Courier New" panose="02070309020205020404" pitchFamily="49" charset="0"/>
+                <a:cs typeface="Courier New" panose="02070309020205020404" pitchFamily="49" charset="0"/>
+              </a:rPr>
+            </a:br>
+            <a:r>
+              <a:rPr lang="en-US" sz="1600" dirty="0">
+                <a:latin typeface="Courier New" panose="02070309020205020404" pitchFamily="49" charset="0"/>
+                <a:cs typeface="Courier New" panose="02070309020205020404" pitchFamily="49" charset="0"/>
+              </a:rPr>
+              <a:t>Vec3f vp0 = P - v0; </a:t>
+            </a:r>
+            <a:br>
+              <a:rPr lang="en-US" sz="1600" dirty="0">
+                <a:latin typeface="Courier New" panose="02070309020205020404" pitchFamily="49" charset="0"/>
+                <a:cs typeface="Courier New" panose="02070309020205020404" pitchFamily="49" charset="0"/>
+              </a:rPr>
+            </a:br>
+            <a:r>
+              <a:rPr lang="en-US" sz="1600" dirty="0">
+                <a:latin typeface="Courier New" panose="02070309020205020404" pitchFamily="49" charset="0"/>
+                <a:cs typeface="Courier New" panose="02070309020205020404" pitchFamily="49" charset="0"/>
+              </a:rPr>
+              <a:t>C = edge0.crossProduct(vp0); </a:t>
+            </a:r>
+            <a:br>
+              <a:rPr lang="en-US" sz="1600" dirty="0">
+                <a:latin typeface="Courier New" panose="02070309020205020404" pitchFamily="49" charset="0"/>
+                <a:cs typeface="Courier New" panose="02070309020205020404" pitchFamily="49" charset="0"/>
+              </a:rPr>
+            </a:br>
+            <a:r>
+              <a:rPr lang="en-US" sz="1600" b="1" dirty="0">
+                <a:latin typeface="Courier New" panose="02070309020205020404" pitchFamily="49" charset="0"/>
+                <a:cs typeface="Courier New" panose="02070309020205020404" pitchFamily="49" charset="0"/>
+              </a:rPr>
+              <a:t>if</a:t>
+            </a:r>
+            <a:r>
+              <a:rPr lang="en-US" sz="1600" dirty="0">
+                <a:latin typeface="Courier New" panose="02070309020205020404" pitchFamily="49" charset="0"/>
+                <a:cs typeface="Courier New" panose="02070309020205020404" pitchFamily="49" charset="0"/>
+              </a:rPr>
+              <a:t> (</a:t>
+            </a:r>
+            <a:r>
+              <a:rPr lang="en-US" sz="1600" dirty="0" err="1">
+                <a:latin typeface="Courier New" panose="02070309020205020404" pitchFamily="49" charset="0"/>
+                <a:cs typeface="Courier New" panose="02070309020205020404" pitchFamily="49" charset="0"/>
+              </a:rPr>
+              <a:t>N.dotProduct</a:t>
+            </a:r>
+            <a:r>
+              <a:rPr lang="en-US" sz="1600" dirty="0">
+                <a:latin typeface="Courier New" panose="02070309020205020404" pitchFamily="49" charset="0"/>
+                <a:cs typeface="Courier New" panose="02070309020205020404" pitchFamily="49" charset="0"/>
+              </a:rPr>
+              <a:t>(C) &lt; 0) </a:t>
+            </a:r>
+            <a:r>
+              <a:rPr lang="en-US" sz="1600" b="1" dirty="0">
+                <a:latin typeface="Courier New" panose="02070309020205020404" pitchFamily="49" charset="0"/>
+                <a:cs typeface="Courier New" panose="02070309020205020404" pitchFamily="49" charset="0"/>
+              </a:rPr>
+              <a:t>return</a:t>
+            </a:r>
+            <a:r>
+              <a:rPr lang="en-US" sz="1600" dirty="0">
+                <a:latin typeface="Courier New" panose="02070309020205020404" pitchFamily="49" charset="0"/>
+                <a:cs typeface="Courier New" panose="02070309020205020404" pitchFamily="49" charset="0"/>
+              </a:rPr>
+              <a:t> false; </a:t>
+            </a:r>
+            <a:br>
+              <a:rPr lang="en-US" sz="1600" dirty="0">
+                <a:latin typeface="Courier New" panose="02070309020205020404" pitchFamily="49" charset="0"/>
+                <a:cs typeface="Courier New" panose="02070309020205020404" pitchFamily="49" charset="0"/>
+              </a:rPr>
+            </a:br>
+            <a:r>
+              <a:rPr lang="en-US" sz="1600" dirty="0">
+                <a:latin typeface="Courier New" panose="02070309020205020404" pitchFamily="49" charset="0"/>
+                <a:cs typeface="Courier New" panose="02070309020205020404" pitchFamily="49" charset="0"/>
+              </a:rPr>
+              <a:t>// P is on the right side </a:t>
+            </a:r>
+          </a:p>
+        </p:txBody>
+      </p:sp>
+      <p:sp>
+        <p:nvSpPr>
+          <p:cNvPr id="8" name="TextBox 7">
+            <a:extLst>
+              <a:ext uri="{FF2B5EF4-FFF2-40B4-BE49-F238E27FC236}">
+                <a16:creationId xmlns:a16="http://schemas.microsoft.com/office/drawing/2014/main" id="{43548EFA-4817-4A8E-BA3D-E260EA6421B5}"/>
+              </a:ext>
+            </a:extLst>
+          </p:cNvPr>
+          <p:cNvSpPr txBox="1"/>
+          <p:nvPr/>
+        </p:nvSpPr>
+        <p:spPr>
+          <a:xfrm>
+            <a:off x="7211219" y="4790423"/>
+            <a:ext cx="1702594" cy="1754326"/>
+          </a:xfrm>
+          <a:prstGeom prst="rect">
+            <a:avLst/>
+          </a:prstGeom>
+          <a:noFill/>
+          <a:ln>
+            <a:solidFill>
+              <a:schemeClr val="accent1"/>
+            </a:solidFill>
+          </a:ln>
+        </p:spPr>
+        <p:txBody>
+          <a:bodyPr wrap="square" rtlCol="0">
+            <a:spAutoFit/>
+          </a:bodyPr>
+          <a:lstStyle/>
+          <a:p>
+            <a:r>
+              <a:rPr lang="en-US" dirty="0">
+                <a:latin typeface="Comic Sans MS" panose="030F0702030302020204" pitchFamily="66" charset="0"/>
+              </a:rPr>
+              <a:t>Repeat for the other two coordinates… how can we optimize test?</a:t>
+            </a:r>
+          </a:p>
+        </p:txBody>
+      </p:sp>
+    </p:spTree>
+    <p:extLst>
+      <p:ext uri="{BB962C8B-B14F-4D97-AF65-F5344CB8AC3E}">
+        <p14:creationId xmlns:p14="http://schemas.microsoft.com/office/powerpoint/2010/main" val="972248278"/>
+      </p:ext>
+    </p:extLst>
+  </p:cSld>
+  <p:clrMapOvr>
+    <a:masterClrMapping/>
+  </p:clrMapOvr>
+</p:sld>
+</file>
+
+<file path=ppt/slides/slide22.xml><?xml version="1.0" encoding="utf-8"?>
+<p:sld xmlns:a="http://schemas.openxmlformats.org/drawingml/2006/main" xmlns:r="http://schemas.openxmlformats.org/officeDocument/2006/relationships" xmlns:p="http://schemas.openxmlformats.org/presentationml/2006/main">
+  <p:cSld>
+    <p:spTree>
+      <p:nvGrpSpPr>
+        <p:cNvPr id="1" name=""/>
+        <p:cNvGrpSpPr/>
+        <p:nvPr/>
+      </p:nvGrpSpPr>
+      <p:grpSpPr>
+        <a:xfrm>
+          <a:off x="0" y="0"/>
+          <a:ext cx="0" cy="0"/>
+          <a:chOff x="0" y="0"/>
+          <a:chExt cx="0" cy="0"/>
+        </a:xfrm>
+      </p:grpSpPr>
+      <p:sp>
+        <p:nvSpPr>
+          <p:cNvPr id="2" name="Title 1"/>
+          <p:cNvSpPr>
+            <a:spLocks noGrp="1"/>
+          </p:cNvSpPr>
+          <p:nvPr>
+            <p:ph type="title"/>
+          </p:nvPr>
+        </p:nvSpPr>
         <p:spPr/>
         <p:txBody>
           <a:bodyPr/>
@@ -8622,7 +9075,7 @@
           <a:graphicData uri="http://schemas.openxmlformats.org/presentationml/2006/ole">
             <mc:AlternateContent xmlns:mc="http://schemas.openxmlformats.org/markup-compatibility/2006">
               <mc:Choice xmlns:v="urn:schemas-microsoft-com:vml" Requires="v">
-                <p:oleObj spid="_x0000_s5137" name="Equation" r:id="rId4" imgW="1384300" imgH="444500" progId="Equation.3">
+                <p:oleObj spid="_x0000_s5139" name="Equation" r:id="rId4" imgW="1384300" imgH="444500" progId="Equation.3">
                   <p:embed/>
                 </p:oleObj>
               </mc:Choice>
@@ -8670,7 +9123,7 @@
 </p:sld>
 </file>
 
-<file path=ppt/slides/slide21.xml><?xml version="1.0" encoding="utf-8"?>
+<file path=ppt/slides/slide23.xml><?xml version="1.0" encoding="utf-8"?>
 <p:sld xmlns:a="http://schemas.openxmlformats.org/drawingml/2006/main" xmlns:r="http://schemas.openxmlformats.org/officeDocument/2006/relationships" xmlns:p="http://schemas.openxmlformats.org/presentationml/2006/main">
   <p:cSld>
     <p:spTree>
@@ -8780,7 +9233,7 @@
 </p:sld>
 </file>
 
-<file path=ppt/slides/slide22.xml><?xml version="1.0" encoding="utf-8"?>
+<file path=ppt/slides/slide24.xml><?xml version="1.0" encoding="utf-8"?>
 <p:sld xmlns:a="http://schemas.openxmlformats.org/drawingml/2006/main" xmlns:r="http://schemas.openxmlformats.org/officeDocument/2006/relationships" xmlns:p="http://schemas.openxmlformats.org/presentationml/2006/main">
   <p:cSld>
     <p:spTree>
@@ -8864,7 +9317,7 @@
 </p:sld>
 </file>
 
-<file path=ppt/slides/slide23.xml><?xml version="1.0" encoding="utf-8"?>
+<file path=ppt/slides/slide25.xml><?xml version="1.0" encoding="utf-8"?>
 <p:sld xmlns:a="http://schemas.openxmlformats.org/drawingml/2006/main" xmlns:r="http://schemas.openxmlformats.org/officeDocument/2006/relationships" xmlns:p="http://schemas.openxmlformats.org/presentationml/2006/main">
   <p:cSld>
     <p:spTree>
@@ -8995,7 +9448,7 @@
 </p:sld>
 </file>
 
-<file path=ppt/slides/slide24.xml><?xml version="1.0" encoding="utf-8"?>
+<file path=ppt/slides/slide26.xml><?xml version="1.0" encoding="utf-8"?>
 <p:sld xmlns:a="http://schemas.openxmlformats.org/drawingml/2006/main" xmlns:r="http://schemas.openxmlformats.org/officeDocument/2006/relationships" xmlns:p="http://schemas.openxmlformats.org/presentationml/2006/main">
   <p:cSld>
     <p:spTree>

--- a/Lecture-2-Ray Tracing.pptx
+++ b/Lecture-2-Ray Tracing.pptx
@@ -5950,7 +5950,7 @@
           <a:graphicData uri="http://schemas.openxmlformats.org/presentationml/2006/ole">
             <mc:AlternateContent xmlns:mc="http://schemas.openxmlformats.org/markup-compatibility/2006">
               <mc:Choice xmlns:v="urn:schemas-microsoft-com:vml" Requires="v">
-                <p:oleObj spid="_x0000_s1045" name="Equation" r:id="rId3" imgW="609600" imgH="393700" progId="Equation.3">
+                <p:oleObj spid="_x0000_s1046" name="Equation" r:id="rId3" imgW="609600" imgH="393700" progId="Equation.3">
                   <p:embed/>
                 </p:oleObj>
               </mc:Choice>
@@ -6139,7 +6139,7 @@
           <a:graphicData uri="http://schemas.openxmlformats.org/presentationml/2006/ole">
             <mc:AlternateContent xmlns:mc="http://schemas.openxmlformats.org/markup-compatibility/2006">
               <mc:Choice xmlns:v="urn:schemas-microsoft-com:vml" Requires="v">
-                <p:oleObj spid="_x0000_s2069" name="Equation" r:id="rId3" imgW="800100" imgH="660400" progId="Equation.3">
+                <p:oleObj spid="_x0000_s2070" name="Equation" r:id="rId3" imgW="800100" imgH="660400" progId="Equation.3">
                   <p:embed/>
                 </p:oleObj>
               </mc:Choice>
@@ -6317,7 +6317,7 @@
           <a:graphicData uri="http://schemas.openxmlformats.org/presentationml/2006/ole">
             <mc:AlternateContent xmlns:mc="http://schemas.openxmlformats.org/markup-compatibility/2006">
               <mc:Choice xmlns:v="urn:schemas-microsoft-com:vml" Requires="v">
-                <p:oleObj spid="_x0000_s6159" name="Equation" r:id="rId3" imgW="1270000" imgH="419100" progId="Equation.3">
+                <p:oleObj spid="_x0000_s6160" name="Equation" r:id="rId3" imgW="1270000" imgH="419100" progId="Equation.3">
                   <p:embed/>
                 </p:oleObj>
               </mc:Choice>
@@ -6524,7 +6524,7 @@
           <a:graphicData uri="http://schemas.openxmlformats.org/presentationml/2006/ole">
             <mc:AlternateContent xmlns:mc="http://schemas.openxmlformats.org/markup-compatibility/2006">
               <mc:Choice xmlns:v="urn:schemas-microsoft-com:vml" Requires="v">
-                <p:oleObj spid="_x0000_s3092" name="Equation" r:id="rId3" imgW="1371600" imgH="660400" progId="Equation.3">
+                <p:oleObj spid="_x0000_s3093" name="Equation" r:id="rId3" imgW="1371600" imgH="660400" progId="Equation.3">
                   <p:embed/>
                 </p:oleObj>
               </mc:Choice>
@@ -6701,7 +6701,7 @@
           <a:graphicData uri="http://schemas.openxmlformats.org/presentationml/2006/ole">
             <mc:AlternateContent xmlns:mc="http://schemas.openxmlformats.org/markup-compatibility/2006">
               <mc:Choice xmlns:v="urn:schemas-microsoft-com:vml" Requires="v">
-                <p:oleObj spid="_x0000_s4115" name="Equation" r:id="rId3" imgW="2908300" imgH="927100" progId="Equation.3">
+                <p:oleObj spid="_x0000_s4116" name="Equation" r:id="rId3" imgW="2908300" imgH="927100" progId="Equation.3">
                   <p:embed/>
                 </p:oleObj>
               </mc:Choice>
@@ -9075,7 +9075,7 @@
           <a:graphicData uri="http://schemas.openxmlformats.org/presentationml/2006/ole">
             <mc:AlternateContent xmlns:mc="http://schemas.openxmlformats.org/markup-compatibility/2006">
               <mc:Choice xmlns:v="urn:schemas-microsoft-com:vml" Requires="v">
-                <p:oleObj spid="_x0000_s5139" name="Equation" r:id="rId4" imgW="1384300" imgH="444500" progId="Equation.3">
+                <p:oleObj spid="_x0000_s5140" name="Equation" r:id="rId4" imgW="1384300" imgH="444500" progId="Equation.3">
                   <p:embed/>
                 </p:oleObj>
               </mc:Choice>
@@ -9408,7 +9408,7 @@
           <a:p>
             <a:r>
               <a:rPr lang="en-US" dirty="0"/>
-              <a:t>You absolutely can use the “barebones” code…</a:t>
+              <a:t>You can use the “barebones” code…</a:t>
             </a:r>
             <a:br>
               <a:rPr lang="en-US" dirty="0"/>
@@ -9522,23 +9522,13 @@
           <a:p>
             <a:r>
               <a:rPr lang="en-US" dirty="0"/>
-              <a:t>Choose a good, easy-to-use library for vector-matrix math</a:t>
-            </a:r>
-          </a:p>
-          <a:p>
-            <a:pPr lvl="1"/>
-            <a:r>
-              <a:rPr lang="en-US" dirty="0"/>
-              <a:t>Python and </a:t>
-            </a:r>
-            <a:r>
-              <a:rPr lang="en-US" dirty="0" err="1"/>
-              <a:t>numpy</a:t>
-            </a:r>
-            <a:r>
-              <a:rPr lang="en-US" dirty="0"/>
-              <a:t> are decent</a:t>
-            </a:r>
+              <a:t>Choose a good, easy-to-use library for </a:t>
+            </a:r>
+            <a:r>
+              <a:rPr lang="en-US"/>
+              <a:t>vector-matrix math</a:t>
+            </a:r>
+            <a:endParaRPr lang="en-US" dirty="0"/>
           </a:p>
           <a:p>
             <a:pPr lvl="1"/>
